--- a/路由分析引擎总体设计.pptx
+++ b/路由分析引擎总体设计.pptx
@@ -2,32 +2,33 @@
 <file path=ppt/presentation.xml><?xml version="1.0" encoding="utf-8"?>
 <p:presentation xmlns:a="http://schemas.openxmlformats.org/drawingml/2006/main" xmlns:r="http://schemas.openxmlformats.org/officeDocument/2006/relationships" xmlns:p="http://schemas.openxmlformats.org/presentationml/2006/main" autoCompressPictures="0">
   <p:sldMasterIdLst>
-    <p:sldMasterId id="2147483840" r:id="rId1"/>
+    <p:sldMasterId id="2147483648" r:id="rId1"/>
   </p:sldMasterIdLst>
   <p:notesMasterIdLst>
-    <p:notesMasterId r:id="rId19"/>
+    <p:notesMasterId r:id="rId17"/>
   </p:notesMasterIdLst>
   <p:sldIdLst>
-    <p:sldId id="256" r:id="rId2"/>
-    <p:sldId id="257" r:id="rId3"/>
-    <p:sldId id="258" r:id="rId4"/>
-    <p:sldId id="259" r:id="rId5"/>
-    <p:sldId id="277" r:id="rId6"/>
-    <p:sldId id="260" r:id="rId7"/>
-    <p:sldId id="262" r:id="rId8"/>
-    <p:sldId id="263" r:id="rId9"/>
-    <p:sldId id="264" r:id="rId10"/>
-    <p:sldId id="265" r:id="rId11"/>
-    <p:sldId id="266" r:id="rId12"/>
-    <p:sldId id="268" r:id="rId13"/>
-    <p:sldId id="278" r:id="rId14"/>
-    <p:sldId id="279" r:id="rId15"/>
-    <p:sldId id="280" r:id="rId16"/>
-    <p:sldId id="281" r:id="rId17"/>
-    <p:sldId id="282" r:id="rId18"/>
+    <p:sldId id="298" r:id="rId2"/>
+    <p:sldId id="258" r:id="rId3"/>
+    <p:sldId id="259" r:id="rId4"/>
+    <p:sldId id="260" r:id="rId5"/>
+    <p:sldId id="262" r:id="rId6"/>
+    <p:sldId id="263" r:id="rId7"/>
+    <p:sldId id="264" r:id="rId8"/>
+    <p:sldId id="265" r:id="rId9"/>
+    <p:sldId id="266" r:id="rId10"/>
+    <p:sldId id="268" r:id="rId11"/>
+    <p:sldId id="278" r:id="rId12"/>
+    <p:sldId id="279" r:id="rId13"/>
+    <p:sldId id="280" r:id="rId14"/>
+    <p:sldId id="281" r:id="rId15"/>
+    <p:sldId id="282" r:id="rId16"/>
   </p:sldIdLst>
   <p:sldSz cx="12192000" cy="6858000"/>
   <p:notesSz cx="6858000" cy="9144000"/>
+  <p:custDataLst>
+    <p:tags r:id="rId18"/>
+  </p:custDataLst>
   <p:defaultTextStyle>
     <a:defPPr>
       <a:defRPr lang="en-US"/>
@@ -133,134 +134,50 @@
 
 <file path=ppt/commentAuthors.xml><?xml version="1.0" encoding="utf-8"?>
 <p:cmAuthorLst xmlns:a="http://schemas.openxmlformats.org/drawingml/2006/main" xmlns:r="http://schemas.openxmlformats.org/officeDocument/2006/relationships" xmlns:p="http://schemas.openxmlformats.org/presentationml/2006/main">
-  <p:cmAuthor id="1" name="智博" initials="智博" lastIdx="2" clrIdx="0">
-    <p:extLst>
-      <p:ext uri="{19B8F6BF-5375-455C-9EA6-DF929625EA0E}">
-        <p15:presenceInfo xmlns:p15="http://schemas.microsoft.com/office/powerpoint/2012/main" userId="d7e2e0e4070f0f23" providerId="Windows Live"/>
-      </p:ext>
-    </p:extLst>
-  </p:cmAuthor>
+  <p:cmAuthor id="1" name="智博" initials="智博" lastIdx="2" clrIdx="0"/>
 </p:cmAuthorLst>
 </file>
 
 <file path=ppt/diagrams/colors1.xml><?xml version="1.0" encoding="utf-8"?>
-<dgm:colorsDef xmlns:dgm="http://schemas.openxmlformats.org/drawingml/2006/diagram" xmlns:a="http://schemas.openxmlformats.org/drawingml/2006/main" uniqueId="urn:microsoft.com/office/officeart/2005/8/colors/accent1_2">
+<dgm:colorsDef xmlns:dgm="http://schemas.openxmlformats.org/drawingml/2006/diagram" xmlns:a="http://schemas.openxmlformats.org/drawingml/2006/main" uniqueId="urn:microsoft.com/office/officeart/2005/8/colors/accent1_2#4">
   <dgm:title val=""/>
   <dgm:desc val=""/>
   <dgm:catLst>
     <dgm:cat type="accent1" pri="11200"/>
   </dgm:catLst>
-  <dgm:styleLbl name="node0">
+  <dgm:styleLbl name="alignAcc1">
     <dgm:fillClrLst meth="repeat">
-      <a:schemeClr val="accent1"/>
-    </dgm:fillClrLst>
-    <dgm:linClrLst meth="repeat">
-      <a:schemeClr val="lt1"/>
-    </dgm:linClrLst>
-    <dgm:effectClrLst/>
-    <dgm:txLinClrLst/>
-    <dgm:txFillClrLst/>
-    <dgm:txEffectClrLst/>
-  </dgm:styleLbl>
-  <dgm:styleLbl name="alignNode1">
-    <dgm:fillClrLst meth="repeat">
-      <a:schemeClr val="accent1"/>
+      <a:schemeClr val="lt1">
+        <a:alpha val="90000"/>
+      </a:schemeClr>
     </dgm:fillClrLst>
     <dgm:linClrLst meth="repeat">
       <a:schemeClr val="accent1"/>
     </dgm:linClrLst>
     <dgm:effectClrLst/>
     <dgm:txLinClrLst/>
-    <dgm:txFillClrLst/>
+    <dgm:txFillClrLst meth="repeat">
+      <a:schemeClr val="dk1"/>
+    </dgm:txFillClrLst>
     <dgm:txEffectClrLst/>
   </dgm:styleLbl>
-  <dgm:styleLbl name="node1">
-    <dgm:fillClrLst meth="repeat">
-      <a:schemeClr val="accent1"/>
-    </dgm:fillClrLst>
-    <dgm:linClrLst meth="repeat">
-      <a:schemeClr val="lt1"/>
-    </dgm:linClrLst>
-    <dgm:effectClrLst/>
-    <dgm:txLinClrLst/>
-    <dgm:txFillClrLst/>
-    <dgm:txEffectClrLst/>
-  </dgm:styleLbl>
-  <dgm:styleLbl name="lnNode1">
-    <dgm:fillClrLst meth="repeat">
-      <a:schemeClr val="accent1"/>
-    </dgm:fillClrLst>
-    <dgm:linClrLst meth="repeat">
-      <a:schemeClr val="lt1"/>
-    </dgm:linClrLst>
-    <dgm:effectClrLst/>
-    <dgm:txLinClrLst/>
-    <dgm:txFillClrLst/>
-    <dgm:txEffectClrLst/>
-  </dgm:styleLbl>
-  <dgm:styleLbl name="vennNode1">
+  <dgm:styleLbl name="alignAccFollowNode1">
     <dgm:fillClrLst meth="repeat">
       <a:schemeClr val="accent1">
-        <a:alpha val="50000"/>
+        <a:alpha val="90000"/>
+        <a:tint val="40000"/>
       </a:schemeClr>
     </dgm:fillClrLst>
     <dgm:linClrLst meth="repeat">
-      <a:schemeClr val="lt1"/>
-    </dgm:linClrLst>
-    <dgm:effectClrLst/>
-    <dgm:txLinClrLst/>
-    <dgm:txFillClrLst/>
-    <dgm:txEffectClrLst/>
-  </dgm:styleLbl>
-  <dgm:styleLbl name="node2">
-    <dgm:fillClrLst meth="repeat">
-      <a:schemeClr val="accent1"/>
-    </dgm:fillClrLst>
-    <dgm:linClrLst meth="repeat">
-      <a:schemeClr val="lt1"/>
-    </dgm:linClrLst>
-    <dgm:effectClrLst/>
-    <dgm:txLinClrLst/>
-    <dgm:txFillClrLst/>
-    <dgm:txEffectClrLst/>
-  </dgm:styleLbl>
-  <dgm:styleLbl name="node3">
-    <dgm:fillClrLst meth="repeat">
-      <a:schemeClr val="accent1"/>
-    </dgm:fillClrLst>
-    <dgm:linClrLst meth="repeat">
-      <a:schemeClr val="lt1"/>
-    </dgm:linClrLst>
-    <dgm:effectClrLst/>
-    <dgm:txLinClrLst/>
-    <dgm:txFillClrLst/>
-    <dgm:txEffectClrLst/>
-  </dgm:styleLbl>
-  <dgm:styleLbl name="node4">
-    <dgm:fillClrLst meth="repeat">
-      <a:schemeClr val="accent1"/>
-    </dgm:fillClrLst>
-    <dgm:linClrLst meth="repeat">
-      <a:schemeClr val="lt1"/>
-    </dgm:linClrLst>
-    <dgm:effectClrLst/>
-    <dgm:txLinClrLst/>
-    <dgm:txFillClrLst/>
-    <dgm:txEffectClrLst/>
-  </dgm:styleLbl>
-  <dgm:styleLbl name="fgImgPlace1">
-    <dgm:fillClrLst meth="repeat">
       <a:schemeClr val="accent1">
-        <a:tint val="50000"/>
+        <a:alpha val="90000"/>
+        <a:tint val="40000"/>
       </a:schemeClr>
-    </dgm:fillClrLst>
-    <dgm:linClrLst meth="repeat">
-      <a:schemeClr val="lt1"/>
     </dgm:linClrLst>
     <dgm:effectClrLst/>
     <dgm:txLinClrLst/>
     <dgm:txFillClrLst meth="repeat">
-      <a:schemeClr val="lt1"/>
+      <a:schemeClr val="dk1"/>
     </dgm:txFillClrLst>
     <dgm:txEffectClrLst/>
   </dgm:styleLbl>
@@ -280,71 +197,7 @@
     </dgm:txFillClrLst>
     <dgm:txEffectClrLst/>
   </dgm:styleLbl>
-  <dgm:styleLbl name="bgImgPlace1">
-    <dgm:fillClrLst meth="repeat">
-      <a:schemeClr val="accent1">
-        <a:tint val="50000"/>
-      </a:schemeClr>
-    </dgm:fillClrLst>
-    <dgm:linClrLst meth="repeat">
-      <a:schemeClr val="lt1"/>
-    </dgm:linClrLst>
-    <dgm:effectClrLst/>
-    <dgm:txLinClrLst/>
-    <dgm:txFillClrLst meth="repeat">
-      <a:schemeClr val="lt1"/>
-    </dgm:txFillClrLst>
-    <dgm:txEffectClrLst/>
-  </dgm:styleLbl>
-  <dgm:styleLbl name="sibTrans2D1">
-    <dgm:fillClrLst meth="repeat">
-      <a:schemeClr val="accent1">
-        <a:tint val="60000"/>
-      </a:schemeClr>
-    </dgm:fillClrLst>
-    <dgm:linClrLst meth="repeat">
-      <a:schemeClr val="accent1">
-        <a:tint val="60000"/>
-      </a:schemeClr>
-    </dgm:linClrLst>
-    <dgm:effectClrLst/>
-    <dgm:txLinClrLst/>
-    <dgm:txFillClrLst/>
-    <dgm:txEffectClrLst/>
-  </dgm:styleLbl>
-  <dgm:styleLbl name="fgSibTrans2D1">
-    <dgm:fillClrLst meth="repeat">
-      <a:schemeClr val="accent1">
-        <a:tint val="60000"/>
-      </a:schemeClr>
-    </dgm:fillClrLst>
-    <dgm:linClrLst meth="repeat">
-      <a:schemeClr val="accent1">
-        <a:tint val="60000"/>
-      </a:schemeClr>
-    </dgm:linClrLst>
-    <dgm:effectClrLst/>
-    <dgm:txLinClrLst/>
-    <dgm:txFillClrLst/>
-    <dgm:txEffectClrLst/>
-  </dgm:styleLbl>
-  <dgm:styleLbl name="bgSibTrans2D1">
-    <dgm:fillClrLst meth="repeat">
-      <a:schemeClr val="accent1">
-        <a:tint val="60000"/>
-      </a:schemeClr>
-    </dgm:fillClrLst>
-    <dgm:linClrLst meth="repeat">
-      <a:schemeClr val="accent1">
-        <a:tint val="60000"/>
-      </a:schemeClr>
-    </dgm:linClrLst>
-    <dgm:effectClrLst/>
-    <dgm:txLinClrLst/>
-    <dgm:txFillClrLst/>
-    <dgm:txEffectClrLst/>
-  </dgm:styleLbl>
-  <dgm:styleLbl name="sibTrans1D1">
+  <dgm:styleLbl name="alignNode1">
     <dgm:fillClrLst meth="repeat">
       <a:schemeClr val="accent1"/>
     </dgm:fillClrLst>
@@ -353,25 +206,7 @@
     </dgm:linClrLst>
     <dgm:effectClrLst/>
     <dgm:txLinClrLst/>
-    <dgm:txFillClrLst meth="repeat">
-      <a:schemeClr val="tx1"/>
-    </dgm:txFillClrLst>
-    <dgm:txEffectClrLst/>
-  </dgm:styleLbl>
-  <dgm:styleLbl name="callout">
-    <dgm:fillClrLst meth="repeat">
-      <a:schemeClr val="accent1"/>
-    </dgm:fillClrLst>
-    <dgm:linClrLst meth="repeat">
-      <a:schemeClr val="accent1">
-        <a:tint val="50000"/>
-      </a:schemeClr>
-    </dgm:linClrLst>
-    <dgm:effectClrLst/>
-    <dgm:txLinClrLst/>
-    <dgm:txFillClrLst meth="repeat">
-      <a:schemeClr val="tx1"/>
-    </dgm:txFillClrLst>
+    <dgm:txFillClrLst/>
     <dgm:txEffectClrLst/>
   </dgm:styleLbl>
   <dgm:styleLbl name="asst0">
@@ -434,7 +269,75 @@
     <dgm:txFillClrLst/>
     <dgm:txEffectClrLst/>
   </dgm:styleLbl>
-  <dgm:styleLbl name="parChTrans2D1">
+  <dgm:styleLbl name="bgAcc1">
+    <dgm:fillClrLst meth="repeat">
+      <a:schemeClr val="lt1">
+        <a:alpha val="90000"/>
+      </a:schemeClr>
+    </dgm:fillClrLst>
+    <dgm:linClrLst meth="repeat">
+      <a:schemeClr val="accent1"/>
+    </dgm:linClrLst>
+    <dgm:effectClrLst/>
+    <dgm:txLinClrLst/>
+    <dgm:txFillClrLst meth="repeat">
+      <a:schemeClr val="dk1"/>
+    </dgm:txFillClrLst>
+    <dgm:txEffectClrLst/>
+  </dgm:styleLbl>
+  <dgm:styleLbl name="bgAccFollowNode1">
+    <dgm:fillClrLst meth="repeat">
+      <a:schemeClr val="accent1">
+        <a:alpha val="90000"/>
+        <a:tint val="40000"/>
+      </a:schemeClr>
+    </dgm:fillClrLst>
+    <dgm:linClrLst meth="repeat">
+      <a:schemeClr val="accent1">
+        <a:alpha val="90000"/>
+        <a:tint val="40000"/>
+      </a:schemeClr>
+    </dgm:linClrLst>
+    <dgm:effectClrLst/>
+    <dgm:txLinClrLst/>
+    <dgm:txFillClrLst meth="repeat">
+      <a:schemeClr val="dk1"/>
+    </dgm:txFillClrLst>
+    <dgm:txEffectClrLst/>
+  </dgm:styleLbl>
+  <dgm:styleLbl name="bgImgPlace1">
+    <dgm:fillClrLst meth="repeat">
+      <a:schemeClr val="accent1">
+        <a:tint val="50000"/>
+      </a:schemeClr>
+    </dgm:fillClrLst>
+    <dgm:linClrLst meth="repeat">
+      <a:schemeClr val="lt1"/>
+    </dgm:linClrLst>
+    <dgm:effectClrLst/>
+    <dgm:txLinClrLst/>
+    <dgm:txFillClrLst meth="repeat">
+      <a:schemeClr val="lt1"/>
+    </dgm:txFillClrLst>
+    <dgm:txEffectClrLst/>
+  </dgm:styleLbl>
+  <dgm:styleLbl name="bgShp">
+    <dgm:fillClrLst meth="repeat">
+      <a:schemeClr val="accent1">
+        <a:tint val="40000"/>
+      </a:schemeClr>
+    </dgm:fillClrLst>
+    <dgm:linClrLst meth="repeat">
+      <a:schemeClr val="accent1"/>
+    </dgm:linClrLst>
+    <dgm:effectClrLst/>
+    <dgm:txLinClrLst/>
+    <dgm:txFillClrLst meth="repeat">
+      <a:schemeClr val="dk1"/>
+    </dgm:txFillClrLst>
+    <dgm:txEffectClrLst/>
+  </dgm:styleLbl>
+  <dgm:styleLbl name="bgSibTrans2D1">
     <dgm:fillClrLst meth="repeat">
       <a:schemeClr val="accent1">
         <a:tint val="60000"/>
@@ -447,14 +350,46 @@
     </dgm:linClrLst>
     <dgm:effectClrLst/>
     <dgm:txLinClrLst/>
+    <dgm:txFillClrLst/>
+    <dgm:txEffectClrLst/>
+  </dgm:styleLbl>
+  <dgm:styleLbl name="callout">
+    <dgm:fillClrLst meth="repeat">
+      <a:schemeClr val="accent1"/>
+    </dgm:fillClrLst>
+    <dgm:linClrLst meth="repeat">
+      <a:schemeClr val="accent1">
+        <a:tint val="50000"/>
+      </a:schemeClr>
+    </dgm:linClrLst>
+    <dgm:effectClrLst/>
+    <dgm:txLinClrLst/>
     <dgm:txFillClrLst meth="repeat">
-      <a:schemeClr val="lt1"/>
+      <a:schemeClr val="tx1"/>
     </dgm:txFillClrLst>
     <dgm:txEffectClrLst/>
   </dgm:styleLbl>
-  <dgm:styleLbl name="parChTrans2D2">
+  <dgm:styleLbl name="conFgAcc1">
     <dgm:fillClrLst meth="repeat">
+      <a:schemeClr val="lt1">
+        <a:alpha val="90000"/>
+      </a:schemeClr>
+    </dgm:fillClrLst>
+    <dgm:linClrLst meth="repeat">
       <a:schemeClr val="accent1"/>
+    </dgm:linClrLst>
+    <dgm:effectClrLst/>
+    <dgm:txLinClrLst/>
+    <dgm:txFillClrLst meth="repeat">
+      <a:schemeClr val="dk1"/>
+    </dgm:txFillClrLst>
+    <dgm:txEffectClrLst/>
+  </dgm:styleLbl>
+  <dgm:styleLbl name="dkBgShp">
+    <dgm:fillClrLst meth="repeat">
+      <a:schemeClr val="accent1">
+        <a:shade val="80000"/>
+      </a:schemeClr>
     </dgm:fillClrLst>
     <dgm:linClrLst meth="repeat">
       <a:schemeClr val="accent1"/>
@@ -466,12 +401,114 @@
     </dgm:txFillClrLst>
     <dgm:txEffectClrLst/>
   </dgm:styleLbl>
-  <dgm:styleLbl name="parChTrans2D3">
+  <dgm:styleLbl name="fgAcc0">
     <dgm:fillClrLst meth="repeat">
-      <a:schemeClr val="accent1"/>
+      <a:schemeClr val="lt1">
+        <a:alpha val="90000"/>
+      </a:schemeClr>
     </dgm:fillClrLst>
     <dgm:linClrLst meth="repeat">
       <a:schemeClr val="accent1"/>
+    </dgm:linClrLst>
+    <dgm:effectClrLst/>
+    <dgm:txLinClrLst/>
+    <dgm:txFillClrLst meth="repeat">
+      <a:schemeClr val="dk1"/>
+    </dgm:txFillClrLst>
+    <dgm:txEffectClrLst/>
+  </dgm:styleLbl>
+  <dgm:styleLbl name="fgAcc1">
+    <dgm:fillClrLst meth="repeat">
+      <a:schemeClr val="lt1">
+        <a:alpha val="90000"/>
+      </a:schemeClr>
+    </dgm:fillClrLst>
+    <dgm:linClrLst meth="repeat">
+      <a:schemeClr val="accent1"/>
+    </dgm:linClrLst>
+    <dgm:effectClrLst/>
+    <dgm:txLinClrLst/>
+    <dgm:txFillClrLst meth="repeat">
+      <a:schemeClr val="dk1"/>
+    </dgm:txFillClrLst>
+    <dgm:txEffectClrLst/>
+  </dgm:styleLbl>
+  <dgm:styleLbl name="fgAcc2">
+    <dgm:fillClrLst meth="repeat">
+      <a:schemeClr val="lt1">
+        <a:alpha val="90000"/>
+      </a:schemeClr>
+    </dgm:fillClrLst>
+    <dgm:linClrLst meth="repeat">
+      <a:schemeClr val="accent1"/>
+    </dgm:linClrLst>
+    <dgm:effectClrLst/>
+    <dgm:txLinClrLst/>
+    <dgm:txFillClrLst meth="repeat">
+      <a:schemeClr val="dk1"/>
+    </dgm:txFillClrLst>
+    <dgm:txEffectClrLst/>
+  </dgm:styleLbl>
+  <dgm:styleLbl name="fgAcc3">
+    <dgm:fillClrLst meth="repeat">
+      <a:schemeClr val="lt1">
+        <a:alpha val="90000"/>
+      </a:schemeClr>
+    </dgm:fillClrLst>
+    <dgm:linClrLst meth="repeat">
+      <a:schemeClr val="accent1"/>
+    </dgm:linClrLst>
+    <dgm:effectClrLst/>
+    <dgm:txLinClrLst/>
+    <dgm:txFillClrLst meth="repeat">
+      <a:schemeClr val="dk1"/>
+    </dgm:txFillClrLst>
+    <dgm:txEffectClrLst/>
+  </dgm:styleLbl>
+  <dgm:styleLbl name="fgAcc4">
+    <dgm:fillClrLst meth="repeat">
+      <a:schemeClr val="lt1">
+        <a:alpha val="90000"/>
+      </a:schemeClr>
+    </dgm:fillClrLst>
+    <dgm:linClrLst meth="repeat">
+      <a:schemeClr val="accent1"/>
+    </dgm:linClrLst>
+    <dgm:effectClrLst/>
+    <dgm:txLinClrLst/>
+    <dgm:txFillClrLst meth="repeat">
+      <a:schemeClr val="dk1"/>
+    </dgm:txFillClrLst>
+    <dgm:txEffectClrLst/>
+  </dgm:styleLbl>
+  <dgm:styleLbl name="fgAccFollowNode1">
+    <dgm:fillClrLst meth="repeat">
+      <a:schemeClr val="accent1">
+        <a:alpha val="90000"/>
+        <a:tint val="40000"/>
+      </a:schemeClr>
+    </dgm:fillClrLst>
+    <dgm:linClrLst meth="repeat">
+      <a:schemeClr val="accent1">
+        <a:alpha val="90000"/>
+        <a:tint val="40000"/>
+      </a:schemeClr>
+    </dgm:linClrLst>
+    <dgm:effectClrLst/>
+    <dgm:txLinClrLst/>
+    <dgm:txFillClrLst meth="repeat">
+      <a:schemeClr val="dk1"/>
+    </dgm:txFillClrLst>
+    <dgm:txEffectClrLst/>
+  </dgm:styleLbl>
+  <dgm:styleLbl name="fgImgPlace1">
+    <dgm:fillClrLst meth="repeat">
+      <a:schemeClr val="accent1">
+        <a:tint val="50000"/>
+      </a:schemeClr>
+    </dgm:fillClrLst>
+    <dgm:linClrLst meth="repeat">
+      <a:schemeClr val="lt1"/>
     </dgm:linClrLst>
     <dgm:effectClrLst/>
     <dgm:txLinClrLst/>
@@ -480,18 +517,108 @@
     </dgm:txFillClrLst>
     <dgm:txEffectClrLst/>
   </dgm:styleLbl>
-  <dgm:styleLbl name="parChTrans2D4">
+  <dgm:styleLbl name="fgShp">
+    <dgm:fillClrLst meth="repeat">
+      <a:schemeClr val="accent1">
+        <a:tint val="60000"/>
+      </a:schemeClr>
+    </dgm:fillClrLst>
+    <dgm:linClrLst meth="repeat">
+      <a:schemeClr val="lt1"/>
+    </dgm:linClrLst>
+    <dgm:effectClrLst/>
+    <dgm:txLinClrLst/>
+    <dgm:txFillClrLst meth="repeat">
+      <a:schemeClr val="dk1"/>
+    </dgm:txFillClrLst>
+    <dgm:txEffectClrLst/>
+  </dgm:styleLbl>
+  <dgm:styleLbl name="fgSibTrans2D1">
+    <dgm:fillClrLst meth="repeat">
+      <a:schemeClr val="accent1">
+        <a:tint val="60000"/>
+      </a:schemeClr>
+    </dgm:fillClrLst>
+    <dgm:linClrLst meth="repeat">
+      <a:schemeClr val="accent1">
+        <a:tint val="60000"/>
+      </a:schemeClr>
+    </dgm:linClrLst>
+    <dgm:effectClrLst/>
+    <dgm:txLinClrLst/>
+    <dgm:txFillClrLst/>
+    <dgm:txEffectClrLst/>
+  </dgm:styleLbl>
+  <dgm:styleLbl name="lnNode1">
     <dgm:fillClrLst meth="repeat">
       <a:schemeClr val="accent1"/>
     </dgm:fillClrLst>
     <dgm:linClrLst meth="repeat">
-      <a:schemeClr val="accent1"/>
+      <a:schemeClr val="lt1"/>
     </dgm:linClrLst>
     <dgm:effectClrLst/>
     <dgm:txLinClrLst/>
-    <dgm:txFillClrLst meth="repeat">
+    <dgm:txFillClrLst/>
+    <dgm:txEffectClrLst/>
+  </dgm:styleLbl>
+  <dgm:styleLbl name="node0">
+    <dgm:fillClrLst meth="repeat">
+      <a:schemeClr val="accent1"/>
+    </dgm:fillClrLst>
+    <dgm:linClrLst meth="repeat">
       <a:schemeClr val="lt1"/>
-    </dgm:txFillClrLst>
+    </dgm:linClrLst>
+    <dgm:effectClrLst/>
+    <dgm:txLinClrLst/>
+    <dgm:txFillClrLst/>
+    <dgm:txEffectClrLst/>
+  </dgm:styleLbl>
+  <dgm:styleLbl name="node1">
+    <dgm:fillClrLst meth="repeat">
+      <a:schemeClr val="accent1"/>
+    </dgm:fillClrLst>
+    <dgm:linClrLst meth="repeat">
+      <a:schemeClr val="lt1"/>
+    </dgm:linClrLst>
+    <dgm:effectClrLst/>
+    <dgm:txLinClrLst/>
+    <dgm:txFillClrLst/>
+    <dgm:txEffectClrLst/>
+  </dgm:styleLbl>
+  <dgm:styleLbl name="node2">
+    <dgm:fillClrLst meth="repeat">
+      <a:schemeClr val="accent1"/>
+    </dgm:fillClrLst>
+    <dgm:linClrLst meth="repeat">
+      <a:schemeClr val="lt1"/>
+    </dgm:linClrLst>
+    <dgm:effectClrLst/>
+    <dgm:txLinClrLst/>
+    <dgm:txFillClrLst/>
+    <dgm:txEffectClrLst/>
+  </dgm:styleLbl>
+  <dgm:styleLbl name="node3">
+    <dgm:fillClrLst meth="repeat">
+      <a:schemeClr val="accent1"/>
+    </dgm:fillClrLst>
+    <dgm:linClrLst meth="repeat">
+      <a:schemeClr val="lt1"/>
+    </dgm:linClrLst>
+    <dgm:effectClrLst/>
+    <dgm:txLinClrLst/>
+    <dgm:txFillClrLst/>
+    <dgm:txEffectClrLst/>
+  </dgm:styleLbl>
+  <dgm:styleLbl name="node4">
+    <dgm:fillClrLst meth="repeat">
+      <a:schemeClr val="accent1"/>
+    </dgm:fillClrLst>
+    <dgm:linClrLst meth="repeat">
+      <a:schemeClr val="lt1"/>
+    </dgm:linClrLst>
+    <dgm:effectClrLst/>
+    <dgm:txLinClrLst/>
+    <dgm:txFillClrLst/>
     <dgm:txEffectClrLst/>
   </dgm:styleLbl>
   <dgm:styleLbl name="parChTrans1D1">
@@ -558,11 +685,27 @@
     </dgm:txFillClrLst>
     <dgm:txEffectClrLst/>
   </dgm:styleLbl>
-  <dgm:styleLbl name="fgAcc1">
+  <dgm:styleLbl name="parChTrans2D1">
     <dgm:fillClrLst meth="repeat">
-      <a:schemeClr val="lt1">
-        <a:alpha val="90000"/>
+      <a:schemeClr val="accent1">
+        <a:tint val="60000"/>
       </a:schemeClr>
+    </dgm:fillClrLst>
+    <dgm:linClrLst meth="repeat">
+      <a:schemeClr val="accent1">
+        <a:tint val="60000"/>
+      </a:schemeClr>
+    </dgm:linClrLst>
+    <dgm:effectClrLst/>
+    <dgm:txLinClrLst/>
+    <dgm:txFillClrLst meth="repeat">
+      <a:schemeClr val="lt1"/>
+    </dgm:txFillClrLst>
+    <dgm:txEffectClrLst/>
+  </dgm:styleLbl>
+  <dgm:styleLbl name="parChTrans2D2">
+    <dgm:fillClrLst meth="repeat">
+      <a:schemeClr val="accent1"/>
     </dgm:fillClrLst>
     <dgm:linClrLst meth="repeat">
       <a:schemeClr val="accent1"/>
@@ -570,15 +713,13 @@
     <dgm:effectClrLst/>
     <dgm:txLinClrLst/>
     <dgm:txFillClrLst meth="repeat">
-      <a:schemeClr val="dk1"/>
+      <a:schemeClr val="lt1"/>
     </dgm:txFillClrLst>
     <dgm:txEffectClrLst/>
   </dgm:styleLbl>
-  <dgm:styleLbl name="conFgAcc1">
+  <dgm:styleLbl name="parChTrans2D3">
     <dgm:fillClrLst meth="repeat">
-      <a:schemeClr val="lt1">
-        <a:alpha val="90000"/>
-      </a:schemeClr>
+      <a:schemeClr val="accent1"/>
     </dgm:fillClrLst>
     <dgm:linClrLst meth="repeat">
       <a:schemeClr val="accent1"/>
@@ -586,15 +727,13 @@
     <dgm:effectClrLst/>
     <dgm:txLinClrLst/>
     <dgm:txFillClrLst meth="repeat">
-      <a:schemeClr val="dk1"/>
+      <a:schemeClr val="lt1"/>
     </dgm:txFillClrLst>
     <dgm:txEffectClrLst/>
   </dgm:styleLbl>
-  <dgm:styleLbl name="alignAcc1">
+  <dgm:styleLbl name="parChTrans2D4">
     <dgm:fillClrLst meth="repeat">
-      <a:schemeClr val="lt1">
-        <a:alpha val="90000"/>
-      </a:schemeClr>
+      <a:schemeClr val="accent1"/>
     </dgm:fillClrLst>
     <dgm:linClrLst meth="repeat">
       <a:schemeClr val="accent1"/>
@@ -602,15 +741,31 @@
     <dgm:effectClrLst/>
     <dgm:txLinClrLst/>
     <dgm:txFillClrLst meth="repeat">
-      <a:schemeClr val="dk1"/>
+      <a:schemeClr val="lt1"/>
     </dgm:txFillClrLst>
     <dgm:txEffectClrLst/>
   </dgm:styleLbl>
-  <dgm:styleLbl name="trAlignAcc1">
+  <dgm:styleLbl name="revTx">
     <dgm:fillClrLst meth="repeat">
       <a:schemeClr val="lt1">
-        <a:alpha val="40000"/>
+        <a:alpha val="0"/>
       </a:schemeClr>
+    </dgm:fillClrLst>
+    <dgm:linClrLst meth="repeat">
+      <a:schemeClr val="dk1">
+        <a:alpha val="0"/>
+      </a:schemeClr>
+    </dgm:linClrLst>
+    <dgm:effectClrLst/>
+    <dgm:txLinClrLst/>
+    <dgm:txFillClrLst meth="repeat">
+      <a:schemeClr val="tx1"/>
+    </dgm:txFillClrLst>
+    <dgm:txEffectClrLst/>
+  </dgm:styleLbl>
+  <dgm:styleLbl name="sibTrans1D1">
+    <dgm:fillClrLst meth="repeat">
+      <a:schemeClr val="accent1"/>
     </dgm:fillClrLst>
     <dgm:linClrLst meth="repeat">
       <a:schemeClr val="accent1"/>
@@ -618,38 +773,24 @@
     <dgm:effectClrLst/>
     <dgm:txLinClrLst/>
     <dgm:txFillClrLst meth="repeat">
-      <a:schemeClr val="dk1"/>
+      <a:schemeClr val="tx1"/>
     </dgm:txFillClrLst>
     <dgm:txEffectClrLst/>
   </dgm:styleLbl>
-  <dgm:styleLbl name="bgAcc1">
+  <dgm:styleLbl name="sibTrans2D1">
     <dgm:fillClrLst meth="repeat">
-      <a:schemeClr val="lt1">
-        <a:alpha val="90000"/>
+      <a:schemeClr val="accent1">
+        <a:tint val="60000"/>
       </a:schemeClr>
     </dgm:fillClrLst>
     <dgm:linClrLst meth="repeat">
-      <a:schemeClr val="accent1"/>
+      <a:schemeClr val="accent1">
+        <a:tint val="60000"/>
+      </a:schemeClr>
     </dgm:linClrLst>
     <dgm:effectClrLst/>
     <dgm:txLinClrLst/>
-    <dgm:txFillClrLst meth="repeat">
-      <a:schemeClr val="dk1"/>
-    </dgm:txFillClrLst>
-    <dgm:txEffectClrLst/>
-  </dgm:styleLbl>
-  <dgm:styleLbl name="solidFgAcc1">
-    <dgm:fillClrLst meth="repeat">
-      <a:schemeClr val="lt1"/>
-    </dgm:fillClrLst>
-    <dgm:linClrLst meth="repeat">
-      <a:schemeClr val="accent1"/>
-    </dgm:linClrLst>
-    <dgm:effectClrLst/>
-    <dgm:txLinClrLst/>
-    <dgm:txFillClrLst meth="repeat">
-      <a:schemeClr val="dk1"/>
-    </dgm:txFillClrLst>
+    <dgm:txFillClrLst/>
     <dgm:txEffectClrLst/>
   </dgm:styleLbl>
   <dgm:styleLbl name="solidAlignAcc1">
@@ -680,71 +821,9 @@
     </dgm:txFillClrLst>
     <dgm:txEffectClrLst/>
   </dgm:styleLbl>
-  <dgm:styleLbl name="fgAccFollowNode1">
+  <dgm:styleLbl name="solidFgAcc1">
     <dgm:fillClrLst meth="repeat">
-      <a:schemeClr val="accent1">
-        <a:alpha val="90000"/>
-        <a:tint val="40000"/>
-      </a:schemeClr>
-    </dgm:fillClrLst>
-    <dgm:linClrLst meth="repeat">
-      <a:schemeClr val="accent1">
-        <a:alpha val="90000"/>
-        <a:tint val="40000"/>
-      </a:schemeClr>
-    </dgm:linClrLst>
-    <dgm:effectClrLst/>
-    <dgm:txLinClrLst/>
-    <dgm:txFillClrLst meth="repeat">
-      <a:schemeClr val="dk1"/>
-    </dgm:txFillClrLst>
-    <dgm:txEffectClrLst/>
-  </dgm:styleLbl>
-  <dgm:styleLbl name="alignAccFollowNode1">
-    <dgm:fillClrLst meth="repeat">
-      <a:schemeClr val="accent1">
-        <a:alpha val="90000"/>
-        <a:tint val="40000"/>
-      </a:schemeClr>
-    </dgm:fillClrLst>
-    <dgm:linClrLst meth="repeat">
-      <a:schemeClr val="accent1">
-        <a:alpha val="90000"/>
-        <a:tint val="40000"/>
-      </a:schemeClr>
-    </dgm:linClrLst>
-    <dgm:effectClrLst/>
-    <dgm:txLinClrLst/>
-    <dgm:txFillClrLst meth="repeat">
-      <a:schemeClr val="dk1"/>
-    </dgm:txFillClrLst>
-    <dgm:txEffectClrLst/>
-  </dgm:styleLbl>
-  <dgm:styleLbl name="bgAccFollowNode1">
-    <dgm:fillClrLst meth="repeat">
-      <a:schemeClr val="accent1">
-        <a:alpha val="90000"/>
-        <a:tint val="40000"/>
-      </a:schemeClr>
-    </dgm:fillClrLst>
-    <dgm:linClrLst meth="repeat">
-      <a:schemeClr val="accent1">
-        <a:alpha val="90000"/>
-        <a:tint val="40000"/>
-      </a:schemeClr>
-    </dgm:linClrLst>
-    <dgm:effectClrLst/>
-    <dgm:txLinClrLst/>
-    <dgm:txFillClrLst meth="repeat">
-      <a:schemeClr val="dk1"/>
-    </dgm:txFillClrLst>
-    <dgm:txEffectClrLst/>
-  </dgm:styleLbl>
-  <dgm:styleLbl name="fgAcc0">
-    <dgm:fillClrLst meth="repeat">
-      <a:schemeClr val="lt1">
-        <a:alpha val="90000"/>
-      </a:schemeClr>
+      <a:schemeClr val="lt1"/>
     </dgm:fillClrLst>
     <dgm:linClrLst meth="repeat">
       <a:schemeClr val="accent1"/>
@@ -756,10 +835,10 @@
     </dgm:txFillClrLst>
     <dgm:txEffectClrLst/>
   </dgm:styleLbl>
-  <dgm:styleLbl name="fgAcc2">
+  <dgm:styleLbl name="trAlignAcc1">
     <dgm:fillClrLst meth="repeat">
       <a:schemeClr val="lt1">
-        <a:alpha val="90000"/>
+        <a:alpha val="40000"/>
       </a:schemeClr>
     </dgm:fillClrLst>
     <dgm:linClrLst meth="repeat">
@@ -769,70 +848,6 @@
     <dgm:txLinClrLst/>
     <dgm:txFillClrLst meth="repeat">
       <a:schemeClr val="dk1"/>
-    </dgm:txFillClrLst>
-    <dgm:txEffectClrLst/>
-  </dgm:styleLbl>
-  <dgm:styleLbl name="fgAcc3">
-    <dgm:fillClrLst meth="repeat">
-      <a:schemeClr val="lt1">
-        <a:alpha val="90000"/>
-      </a:schemeClr>
-    </dgm:fillClrLst>
-    <dgm:linClrLst meth="repeat">
-      <a:schemeClr val="accent1"/>
-    </dgm:linClrLst>
-    <dgm:effectClrLst/>
-    <dgm:txLinClrLst/>
-    <dgm:txFillClrLst meth="repeat">
-      <a:schemeClr val="dk1"/>
-    </dgm:txFillClrLst>
-    <dgm:txEffectClrLst/>
-  </dgm:styleLbl>
-  <dgm:styleLbl name="fgAcc4">
-    <dgm:fillClrLst meth="repeat">
-      <a:schemeClr val="lt1">
-        <a:alpha val="90000"/>
-      </a:schemeClr>
-    </dgm:fillClrLst>
-    <dgm:linClrLst meth="repeat">
-      <a:schemeClr val="accent1"/>
-    </dgm:linClrLst>
-    <dgm:effectClrLst/>
-    <dgm:txLinClrLst/>
-    <dgm:txFillClrLst meth="repeat">
-      <a:schemeClr val="dk1"/>
-    </dgm:txFillClrLst>
-    <dgm:txEffectClrLst/>
-  </dgm:styleLbl>
-  <dgm:styleLbl name="bgShp">
-    <dgm:fillClrLst meth="repeat">
-      <a:schemeClr val="accent1">
-        <a:tint val="40000"/>
-      </a:schemeClr>
-    </dgm:fillClrLst>
-    <dgm:linClrLst meth="repeat">
-      <a:schemeClr val="accent1"/>
-    </dgm:linClrLst>
-    <dgm:effectClrLst/>
-    <dgm:txLinClrLst/>
-    <dgm:txFillClrLst meth="repeat">
-      <a:schemeClr val="dk1"/>
-    </dgm:txFillClrLst>
-    <dgm:txEffectClrLst/>
-  </dgm:styleLbl>
-  <dgm:styleLbl name="dkBgShp">
-    <dgm:fillClrLst meth="repeat">
-      <a:schemeClr val="accent1">
-        <a:shade val="80000"/>
-      </a:schemeClr>
-    </dgm:fillClrLst>
-    <dgm:linClrLst meth="repeat">
-      <a:schemeClr val="accent1"/>
-    </dgm:linClrLst>
-    <dgm:effectClrLst/>
-    <dgm:txLinClrLst/>
-    <dgm:txFillClrLst meth="repeat">
-      <a:schemeClr val="lt1"/>
     </dgm:txFillClrLst>
     <dgm:txEffectClrLst/>
   </dgm:styleLbl>
@@ -853,10 +868,10 @@
     </dgm:txFillClrLst>
     <dgm:txEffectClrLst/>
   </dgm:styleLbl>
-  <dgm:styleLbl name="fgShp">
+  <dgm:styleLbl name="vennNode1">
     <dgm:fillClrLst meth="repeat">
       <a:schemeClr val="accent1">
-        <a:tint val="60000"/>
+        <a:alpha val="50000"/>
       </a:schemeClr>
     </dgm:fillClrLst>
     <dgm:linClrLst meth="repeat">
@@ -864,27 +879,7 @@
     </dgm:linClrLst>
     <dgm:effectClrLst/>
     <dgm:txLinClrLst/>
-    <dgm:txFillClrLst meth="repeat">
-      <a:schemeClr val="dk1"/>
-    </dgm:txFillClrLst>
-    <dgm:txEffectClrLst/>
-  </dgm:styleLbl>
-  <dgm:styleLbl name="revTx">
-    <dgm:fillClrLst meth="repeat">
-      <a:schemeClr val="lt1">
-        <a:alpha val="0"/>
-      </a:schemeClr>
-    </dgm:fillClrLst>
-    <dgm:linClrLst meth="repeat">
-      <a:schemeClr val="dk1">
-        <a:alpha val="0"/>
-      </a:schemeClr>
-    </dgm:linClrLst>
-    <dgm:effectClrLst/>
-    <dgm:txLinClrLst/>
-    <dgm:txFillClrLst meth="repeat">
-      <a:schemeClr val="tx1"/>
-    </dgm:txFillClrLst>
+    <dgm:txFillClrLst/>
     <dgm:txEffectClrLst/>
   </dgm:styleLbl>
 </dgm:colorsDef>
@@ -894,7 +889,7 @@
 <dgm:dataModel xmlns:dgm="http://schemas.openxmlformats.org/drawingml/2006/diagram" xmlns:a="http://schemas.openxmlformats.org/drawingml/2006/main">
   <dgm:ptLst>
     <dgm:pt modelId="{344E335B-9317-4216-9882-AB6BCF7B7837}" type="doc">
-      <dgm:prSet loTypeId="urn:microsoft.com/office/officeart/2005/8/layout/chevron2" loCatId="process" qsTypeId="urn:microsoft.com/office/officeart/2005/8/quickstyle/simple1" qsCatId="simple" csTypeId="urn:microsoft.com/office/officeart/2005/8/colors/accent1_2" csCatId="accent1" phldr="1"/>
+      <dgm:prSet loTypeId="urn:microsoft.com/office/officeart/2005/8/layout/chevron2" loCatId="process" qsTypeId="urn:microsoft.com/office/officeart/2005/8/quickstyle/simple1#4" qsCatId="simple" csTypeId="urn:microsoft.com/office/officeart/2005/8/colors/accent1_2#4" csCatId="accent1" phldr="1"/>
       <dgm:spPr/>
       <dgm:t>
         <a:bodyPr/>
@@ -2070,7 +2065,7 @@
 </file>
 
 <file path=ppt/diagrams/quickStyle1.xml><?xml version="1.0" encoding="utf-8"?>
-<dgm:styleDef xmlns:dgm="http://schemas.openxmlformats.org/drawingml/2006/diagram" xmlns:a="http://schemas.openxmlformats.org/drawingml/2006/main" uniqueId="urn:microsoft.com/office/officeart/2005/8/quickstyle/simple1">
+<dgm:styleDef xmlns:dgm="http://schemas.openxmlformats.org/drawingml/2006/diagram" xmlns:a="http://schemas.openxmlformats.org/drawingml/2006/main" uniqueId="urn:microsoft.com/office/officeart/2005/8/quickstyle/simple1#4">
   <dgm:title val=""/>
   <dgm:desc val=""/>
   <dgm:catLst>
@@ -2080,7 +2075,7 @@
     <a:camera prst="orthographicFront"/>
     <a:lightRig rig="threePt" dir="t"/>
   </dgm:scene3d>
-  <dgm:styleLbl name="node0">
+  <dgm:styleLbl name="alignAcc1">
     <dgm:scene3d>
       <a:camera prst="orthographicFront"/>
       <a:lightRig rig="threePt" dir="t"/>
@@ -2089,6 +2084,520 @@
     <dgm:txPr/>
     <dgm:style>
       <a:lnRef idx="2">
+        <a:scrgbClr r="0" g="0" b="0"/>
+      </a:lnRef>
+      <a:fillRef idx="1">
+        <a:scrgbClr r="0" g="0" b="0"/>
+      </a:fillRef>
+      <a:effectRef idx="0">
+        <a:scrgbClr r="0" g="0" b="0"/>
+      </a:effectRef>
+      <a:fontRef idx="minor"/>
+    </dgm:style>
+  </dgm:styleLbl>
+  <dgm:styleLbl name="alignAccFollowNode1">
+    <dgm:scene3d>
+      <a:camera prst="orthographicFront"/>
+      <a:lightRig rig="threePt" dir="t"/>
+    </dgm:scene3d>
+    <dgm:sp3d/>
+    <dgm:txPr/>
+    <dgm:style>
+      <a:lnRef idx="2">
+        <a:scrgbClr r="0" g="0" b="0"/>
+      </a:lnRef>
+      <a:fillRef idx="1">
+        <a:scrgbClr r="0" g="0" b="0"/>
+      </a:fillRef>
+      <a:effectRef idx="0">
+        <a:scrgbClr r="0" g="0" b="0"/>
+      </a:effectRef>
+      <a:fontRef idx="minor"/>
+    </dgm:style>
+  </dgm:styleLbl>
+  <dgm:styleLbl name="alignImgPlace1">
+    <dgm:scene3d>
+      <a:camera prst="orthographicFront"/>
+      <a:lightRig rig="threePt" dir="t"/>
+    </dgm:scene3d>
+    <dgm:sp3d/>
+    <dgm:txPr/>
+    <dgm:style>
+      <a:lnRef idx="2">
+        <a:scrgbClr r="0" g="0" b="0"/>
+      </a:lnRef>
+      <a:fillRef idx="1">
+        <a:scrgbClr r="0" g="0" b="0"/>
+      </a:fillRef>
+      <a:effectRef idx="0">
+        <a:scrgbClr r="0" g="0" b="0"/>
+      </a:effectRef>
+      <a:fontRef idx="minor"/>
+    </dgm:style>
+  </dgm:styleLbl>
+  <dgm:styleLbl name="alignNode1">
+    <dgm:scene3d>
+      <a:camera prst="orthographicFront"/>
+      <a:lightRig rig="threePt" dir="t"/>
+    </dgm:scene3d>
+    <dgm:sp3d/>
+    <dgm:txPr/>
+    <dgm:style>
+      <a:lnRef idx="2">
+        <a:scrgbClr r="0" g="0" b="0"/>
+      </a:lnRef>
+      <a:fillRef idx="1">
+        <a:scrgbClr r="0" g="0" b="0"/>
+      </a:fillRef>
+      <a:effectRef idx="0">
+        <a:scrgbClr r="0" g="0" b="0"/>
+      </a:effectRef>
+      <a:fontRef idx="minor">
+        <a:schemeClr val="lt1"/>
+      </a:fontRef>
+    </dgm:style>
+  </dgm:styleLbl>
+  <dgm:styleLbl name="asst0">
+    <dgm:scene3d>
+      <a:camera prst="orthographicFront"/>
+      <a:lightRig rig="threePt" dir="t"/>
+    </dgm:scene3d>
+    <dgm:sp3d/>
+    <dgm:txPr/>
+    <dgm:style>
+      <a:lnRef idx="2">
+        <a:scrgbClr r="0" g="0" b="0"/>
+      </a:lnRef>
+      <a:fillRef idx="1">
+        <a:scrgbClr r="0" g="0" b="0"/>
+      </a:fillRef>
+      <a:effectRef idx="0">
+        <a:scrgbClr r="0" g="0" b="0"/>
+      </a:effectRef>
+      <a:fontRef idx="minor">
+        <a:schemeClr val="lt1"/>
+      </a:fontRef>
+    </dgm:style>
+  </dgm:styleLbl>
+  <dgm:styleLbl name="asst1">
+    <dgm:scene3d>
+      <a:camera prst="orthographicFront"/>
+      <a:lightRig rig="threePt" dir="t"/>
+    </dgm:scene3d>
+    <dgm:sp3d/>
+    <dgm:txPr/>
+    <dgm:style>
+      <a:lnRef idx="2">
+        <a:scrgbClr r="0" g="0" b="0"/>
+      </a:lnRef>
+      <a:fillRef idx="1">
+        <a:scrgbClr r="0" g="0" b="0"/>
+      </a:fillRef>
+      <a:effectRef idx="0">
+        <a:scrgbClr r="0" g="0" b="0"/>
+      </a:effectRef>
+      <a:fontRef idx="minor">
+        <a:schemeClr val="lt1"/>
+      </a:fontRef>
+    </dgm:style>
+  </dgm:styleLbl>
+  <dgm:styleLbl name="asst2">
+    <dgm:scene3d>
+      <a:camera prst="orthographicFront"/>
+      <a:lightRig rig="threePt" dir="t"/>
+    </dgm:scene3d>
+    <dgm:sp3d/>
+    <dgm:txPr/>
+    <dgm:style>
+      <a:lnRef idx="2">
+        <a:scrgbClr r="0" g="0" b="0"/>
+      </a:lnRef>
+      <a:fillRef idx="1">
+        <a:scrgbClr r="0" g="0" b="0"/>
+      </a:fillRef>
+      <a:effectRef idx="0">
+        <a:scrgbClr r="0" g="0" b="0"/>
+      </a:effectRef>
+      <a:fontRef idx="minor">
+        <a:schemeClr val="lt1"/>
+      </a:fontRef>
+    </dgm:style>
+  </dgm:styleLbl>
+  <dgm:styleLbl name="asst3">
+    <dgm:scene3d>
+      <a:camera prst="orthographicFront"/>
+      <a:lightRig rig="threePt" dir="t"/>
+    </dgm:scene3d>
+    <dgm:sp3d/>
+    <dgm:txPr/>
+    <dgm:style>
+      <a:lnRef idx="2">
+        <a:scrgbClr r="0" g="0" b="0"/>
+      </a:lnRef>
+      <a:fillRef idx="1">
+        <a:scrgbClr r="0" g="0" b="0"/>
+      </a:fillRef>
+      <a:effectRef idx="0">
+        <a:scrgbClr r="0" g="0" b="0"/>
+      </a:effectRef>
+      <a:fontRef idx="minor">
+        <a:schemeClr val="lt1"/>
+      </a:fontRef>
+    </dgm:style>
+  </dgm:styleLbl>
+  <dgm:styleLbl name="asst4">
+    <dgm:scene3d>
+      <a:camera prst="orthographicFront"/>
+      <a:lightRig rig="threePt" dir="t"/>
+    </dgm:scene3d>
+    <dgm:sp3d/>
+    <dgm:txPr/>
+    <dgm:style>
+      <a:lnRef idx="2">
+        <a:scrgbClr r="0" g="0" b="0"/>
+      </a:lnRef>
+      <a:fillRef idx="1">
+        <a:scrgbClr r="0" g="0" b="0"/>
+      </a:fillRef>
+      <a:effectRef idx="0">
+        <a:scrgbClr r="0" g="0" b="0"/>
+      </a:effectRef>
+      <a:fontRef idx="minor">
+        <a:schemeClr val="lt1"/>
+      </a:fontRef>
+    </dgm:style>
+  </dgm:styleLbl>
+  <dgm:styleLbl name="bgAcc1">
+    <dgm:scene3d>
+      <a:camera prst="orthographicFront"/>
+      <a:lightRig rig="threePt" dir="t"/>
+    </dgm:scene3d>
+    <dgm:sp3d/>
+    <dgm:txPr/>
+    <dgm:style>
+      <a:lnRef idx="2">
+        <a:scrgbClr r="0" g="0" b="0"/>
+      </a:lnRef>
+      <a:fillRef idx="1">
+        <a:scrgbClr r="0" g="0" b="0"/>
+      </a:fillRef>
+      <a:effectRef idx="0">
+        <a:scrgbClr r="0" g="0" b="0"/>
+      </a:effectRef>
+      <a:fontRef idx="minor"/>
+    </dgm:style>
+  </dgm:styleLbl>
+  <dgm:styleLbl name="bgAccFollowNode1">
+    <dgm:scene3d>
+      <a:camera prst="orthographicFront"/>
+      <a:lightRig rig="threePt" dir="t"/>
+    </dgm:scene3d>
+    <dgm:sp3d/>
+    <dgm:txPr/>
+    <dgm:style>
+      <a:lnRef idx="2">
+        <a:scrgbClr r="0" g="0" b="0"/>
+      </a:lnRef>
+      <a:fillRef idx="1">
+        <a:scrgbClr r="0" g="0" b="0"/>
+      </a:fillRef>
+      <a:effectRef idx="0">
+        <a:scrgbClr r="0" g="0" b="0"/>
+      </a:effectRef>
+      <a:fontRef idx="minor"/>
+    </dgm:style>
+  </dgm:styleLbl>
+  <dgm:styleLbl name="bgImgPlace1">
+    <dgm:scene3d>
+      <a:camera prst="orthographicFront"/>
+      <a:lightRig rig="threePt" dir="t"/>
+    </dgm:scene3d>
+    <dgm:sp3d/>
+    <dgm:txPr/>
+    <dgm:style>
+      <a:lnRef idx="2">
+        <a:scrgbClr r="0" g="0" b="0"/>
+      </a:lnRef>
+      <a:fillRef idx="1">
+        <a:scrgbClr r="0" g="0" b="0"/>
+      </a:fillRef>
+      <a:effectRef idx="0">
+        <a:scrgbClr r="0" g="0" b="0"/>
+      </a:effectRef>
+      <a:fontRef idx="minor"/>
+    </dgm:style>
+  </dgm:styleLbl>
+  <dgm:styleLbl name="bgShp">
+    <dgm:scene3d>
+      <a:camera prst="orthographicFront"/>
+      <a:lightRig rig="threePt" dir="t"/>
+    </dgm:scene3d>
+    <dgm:sp3d/>
+    <dgm:txPr/>
+    <dgm:style>
+      <a:lnRef idx="0">
+        <a:scrgbClr r="0" g="0" b="0"/>
+      </a:lnRef>
+      <a:fillRef idx="1">
+        <a:scrgbClr r="0" g="0" b="0"/>
+      </a:fillRef>
+      <a:effectRef idx="0">
+        <a:scrgbClr r="0" g="0" b="0"/>
+      </a:effectRef>
+      <a:fontRef idx="minor"/>
+    </dgm:style>
+  </dgm:styleLbl>
+  <dgm:styleLbl name="bgSibTrans2D1">
+    <dgm:scene3d>
+      <a:camera prst="orthographicFront"/>
+      <a:lightRig rig="threePt" dir="t"/>
+    </dgm:scene3d>
+    <dgm:sp3d/>
+    <dgm:txPr/>
+    <dgm:style>
+      <a:lnRef idx="0">
+        <a:scrgbClr r="0" g="0" b="0"/>
+      </a:lnRef>
+      <a:fillRef idx="1">
+        <a:scrgbClr r="0" g="0" b="0"/>
+      </a:fillRef>
+      <a:effectRef idx="0">
+        <a:scrgbClr r="0" g="0" b="0"/>
+      </a:effectRef>
+      <a:fontRef idx="minor">
+        <a:schemeClr val="lt1"/>
+      </a:fontRef>
+    </dgm:style>
+  </dgm:styleLbl>
+  <dgm:styleLbl name="callout">
+    <dgm:scene3d>
+      <a:camera prst="orthographicFront"/>
+      <a:lightRig rig="threePt" dir="t"/>
+    </dgm:scene3d>
+    <dgm:sp3d/>
+    <dgm:txPr/>
+    <dgm:style>
+      <a:lnRef idx="2">
+        <a:scrgbClr r="0" g="0" b="0"/>
+      </a:lnRef>
+      <a:fillRef idx="1">
+        <a:scrgbClr r="0" g="0" b="0"/>
+      </a:fillRef>
+      <a:effectRef idx="0">
+        <a:scrgbClr r="0" g="0" b="0"/>
+      </a:effectRef>
+      <a:fontRef idx="minor"/>
+    </dgm:style>
+  </dgm:styleLbl>
+  <dgm:styleLbl name="conFgAcc1">
+    <dgm:scene3d>
+      <a:camera prst="orthographicFront"/>
+      <a:lightRig rig="threePt" dir="t"/>
+    </dgm:scene3d>
+    <dgm:sp3d/>
+    <dgm:txPr/>
+    <dgm:style>
+      <a:lnRef idx="2">
+        <a:scrgbClr r="0" g="0" b="0"/>
+      </a:lnRef>
+      <a:fillRef idx="1">
+        <a:scrgbClr r="0" g="0" b="0"/>
+      </a:fillRef>
+      <a:effectRef idx="0">
+        <a:scrgbClr r="0" g="0" b="0"/>
+      </a:effectRef>
+      <a:fontRef idx="minor"/>
+    </dgm:style>
+  </dgm:styleLbl>
+  <dgm:styleLbl name="dkBgShp">
+    <dgm:scene3d>
+      <a:camera prst="orthographicFront"/>
+      <a:lightRig rig="threePt" dir="t"/>
+    </dgm:scene3d>
+    <dgm:sp3d/>
+    <dgm:txPr/>
+    <dgm:style>
+      <a:lnRef idx="0">
+        <a:scrgbClr r="0" g="0" b="0"/>
+      </a:lnRef>
+      <a:fillRef idx="1">
+        <a:scrgbClr r="0" g="0" b="0"/>
+      </a:fillRef>
+      <a:effectRef idx="0">
+        <a:scrgbClr r="0" g="0" b="0"/>
+      </a:effectRef>
+      <a:fontRef idx="minor"/>
+    </dgm:style>
+  </dgm:styleLbl>
+  <dgm:styleLbl name="fgAcc0">
+    <dgm:scene3d>
+      <a:camera prst="orthographicFront"/>
+      <a:lightRig rig="threePt" dir="t"/>
+    </dgm:scene3d>
+    <dgm:sp3d/>
+    <dgm:txPr/>
+    <dgm:style>
+      <a:lnRef idx="2">
+        <a:scrgbClr r="0" g="0" b="0"/>
+      </a:lnRef>
+      <a:fillRef idx="1">
+        <a:scrgbClr r="0" g="0" b="0"/>
+      </a:fillRef>
+      <a:effectRef idx="0">
+        <a:scrgbClr r="0" g="0" b="0"/>
+      </a:effectRef>
+      <a:fontRef idx="minor"/>
+    </dgm:style>
+  </dgm:styleLbl>
+  <dgm:styleLbl name="fgAcc1">
+    <dgm:scene3d>
+      <a:camera prst="orthographicFront"/>
+      <a:lightRig rig="threePt" dir="t"/>
+    </dgm:scene3d>
+    <dgm:sp3d/>
+    <dgm:txPr/>
+    <dgm:style>
+      <a:lnRef idx="2">
+        <a:scrgbClr r="0" g="0" b="0"/>
+      </a:lnRef>
+      <a:fillRef idx="1">
+        <a:scrgbClr r="0" g="0" b="0"/>
+      </a:fillRef>
+      <a:effectRef idx="0">
+        <a:scrgbClr r="0" g="0" b="0"/>
+      </a:effectRef>
+      <a:fontRef idx="minor"/>
+    </dgm:style>
+  </dgm:styleLbl>
+  <dgm:styleLbl name="fgAcc2">
+    <dgm:scene3d>
+      <a:camera prst="orthographicFront"/>
+      <a:lightRig rig="threePt" dir="t"/>
+    </dgm:scene3d>
+    <dgm:sp3d/>
+    <dgm:txPr/>
+    <dgm:style>
+      <a:lnRef idx="2">
+        <a:scrgbClr r="0" g="0" b="0"/>
+      </a:lnRef>
+      <a:fillRef idx="1">
+        <a:scrgbClr r="0" g="0" b="0"/>
+      </a:fillRef>
+      <a:effectRef idx="0">
+        <a:scrgbClr r="0" g="0" b="0"/>
+      </a:effectRef>
+      <a:fontRef idx="minor"/>
+    </dgm:style>
+  </dgm:styleLbl>
+  <dgm:styleLbl name="fgAcc3">
+    <dgm:scene3d>
+      <a:camera prst="orthographicFront"/>
+      <a:lightRig rig="threePt" dir="t"/>
+    </dgm:scene3d>
+    <dgm:sp3d/>
+    <dgm:txPr/>
+    <dgm:style>
+      <a:lnRef idx="2">
+        <a:scrgbClr r="0" g="0" b="0"/>
+      </a:lnRef>
+      <a:fillRef idx="1">
+        <a:scrgbClr r="0" g="0" b="0"/>
+      </a:fillRef>
+      <a:effectRef idx="0">
+        <a:scrgbClr r="0" g="0" b="0"/>
+      </a:effectRef>
+      <a:fontRef idx="minor"/>
+    </dgm:style>
+  </dgm:styleLbl>
+  <dgm:styleLbl name="fgAcc4">
+    <dgm:scene3d>
+      <a:camera prst="orthographicFront"/>
+      <a:lightRig rig="threePt" dir="t"/>
+    </dgm:scene3d>
+    <dgm:sp3d/>
+    <dgm:txPr/>
+    <dgm:style>
+      <a:lnRef idx="2">
+        <a:scrgbClr r="0" g="0" b="0"/>
+      </a:lnRef>
+      <a:fillRef idx="1">
+        <a:scrgbClr r="0" g="0" b="0"/>
+      </a:fillRef>
+      <a:effectRef idx="0">
+        <a:scrgbClr r="0" g="0" b="0"/>
+      </a:effectRef>
+      <a:fontRef idx="minor"/>
+    </dgm:style>
+  </dgm:styleLbl>
+  <dgm:styleLbl name="fgAccFollowNode1">
+    <dgm:scene3d>
+      <a:camera prst="orthographicFront"/>
+      <a:lightRig rig="threePt" dir="t"/>
+    </dgm:scene3d>
+    <dgm:sp3d/>
+    <dgm:txPr/>
+    <dgm:style>
+      <a:lnRef idx="2">
+        <a:scrgbClr r="0" g="0" b="0"/>
+      </a:lnRef>
+      <a:fillRef idx="1">
+        <a:scrgbClr r="0" g="0" b="0"/>
+      </a:fillRef>
+      <a:effectRef idx="0">
+        <a:scrgbClr r="0" g="0" b="0"/>
+      </a:effectRef>
+      <a:fontRef idx="minor"/>
+    </dgm:style>
+  </dgm:styleLbl>
+  <dgm:styleLbl name="fgImgPlace1">
+    <dgm:scene3d>
+      <a:camera prst="orthographicFront"/>
+      <a:lightRig rig="threePt" dir="t"/>
+    </dgm:scene3d>
+    <dgm:sp3d/>
+    <dgm:txPr/>
+    <dgm:style>
+      <a:lnRef idx="2">
+        <a:scrgbClr r="0" g="0" b="0"/>
+      </a:lnRef>
+      <a:fillRef idx="1">
+        <a:scrgbClr r="0" g="0" b="0"/>
+      </a:fillRef>
+      <a:effectRef idx="0">
+        <a:scrgbClr r="0" g="0" b="0"/>
+      </a:effectRef>
+      <a:fontRef idx="minor"/>
+    </dgm:style>
+  </dgm:styleLbl>
+  <dgm:styleLbl name="fgShp">
+    <dgm:scene3d>
+      <a:camera prst="orthographicFront"/>
+      <a:lightRig rig="threePt" dir="t"/>
+    </dgm:scene3d>
+    <dgm:sp3d/>
+    <dgm:txPr/>
+    <dgm:style>
+      <a:lnRef idx="2">
+        <a:scrgbClr r="0" g="0" b="0"/>
+      </a:lnRef>
+      <a:fillRef idx="1">
+        <a:scrgbClr r="0" g="0" b="0"/>
+      </a:fillRef>
+      <a:effectRef idx="0">
+        <a:scrgbClr r="0" g="0" b="0"/>
+      </a:effectRef>
+      <a:fontRef idx="minor"/>
+    </dgm:style>
+  </dgm:styleLbl>
+  <dgm:styleLbl name="fgSibTrans2D1">
+    <dgm:scene3d>
+      <a:camera prst="orthographicFront"/>
+      <a:lightRig rig="threePt" dir="t"/>
+    </dgm:scene3d>
+    <dgm:sp3d/>
+    <dgm:txPr/>
+    <dgm:style>
+      <a:lnRef idx="0">
         <a:scrgbClr r="0" g="0" b="0"/>
       </a:lnRef>
       <a:fillRef idx="1">
@@ -2124,29 +2633,7 @@
       </a:fontRef>
     </dgm:style>
   </dgm:styleLbl>
-  <dgm:styleLbl name="vennNode1">
-    <dgm:scene3d>
-      <a:camera prst="orthographicFront"/>
-      <a:lightRig rig="threePt" dir="t"/>
-    </dgm:scene3d>
-    <dgm:sp3d/>
-    <dgm:txPr/>
-    <dgm:style>
-      <a:lnRef idx="2">
-        <a:scrgbClr r="0" g="0" b="0"/>
-      </a:lnRef>
-      <a:fillRef idx="1">
-        <a:scrgbClr r="0" g="0" b="0"/>
-      </a:fillRef>
-      <a:effectRef idx="0">
-        <a:scrgbClr r="0" g="0" b="0"/>
-      </a:effectRef>
-      <a:fontRef idx="minor">
-        <a:schemeClr val="tx1"/>
-      </a:fontRef>
-    </dgm:style>
-  </dgm:styleLbl>
-  <dgm:styleLbl name="alignNode1">
+  <dgm:styleLbl name="node0">
     <dgm:scene3d>
       <a:camera prst="orthographicFront"/>
       <a:lightRig rig="threePt" dir="t"/>
@@ -2256,7 +2743,7 @@
       </a:fontRef>
     </dgm:style>
   </dgm:styleLbl>
-  <dgm:styleLbl name="fgImgPlace1">
+  <dgm:styleLbl name="parChTrans1D1">
     <dgm:scene3d>
       <a:camera prst="orthographicFront"/>
       <a:lightRig rig="threePt" dir="t"/>
@@ -2267,7 +2754,7 @@
       <a:lnRef idx="2">
         <a:scrgbClr r="0" g="0" b="0"/>
       </a:lnRef>
-      <a:fillRef idx="1">
+      <a:fillRef idx="0">
         <a:scrgbClr r="0" g="0" b="0"/>
       </a:fillRef>
       <a:effectRef idx="0">
@@ -2276,7 +2763,7 @@
       <a:fontRef idx="minor"/>
     </dgm:style>
   </dgm:styleLbl>
-  <dgm:styleLbl name="alignImgPlace1">
+  <dgm:styleLbl name="parChTrans1D2">
     <dgm:scene3d>
       <a:camera prst="orthographicFront"/>
       <a:lightRig rig="threePt" dir="t"/>
@@ -2287,7 +2774,7 @@
       <a:lnRef idx="2">
         <a:scrgbClr r="0" g="0" b="0"/>
       </a:lnRef>
-      <a:fillRef idx="1">
+      <a:fillRef idx="0">
         <a:scrgbClr r="0" g="0" b="0"/>
       </a:fillRef>
       <a:effectRef idx="0">
@@ -2296,7 +2783,7 @@
       <a:fontRef idx="minor"/>
     </dgm:style>
   </dgm:styleLbl>
-  <dgm:styleLbl name="bgImgPlace1">
+  <dgm:styleLbl name="parChTrans1D3">
     <dgm:scene3d>
       <a:camera prst="orthographicFront"/>
       <a:lightRig rig="threePt" dir="t"/>
@@ -2307,7 +2794,7 @@
       <a:lnRef idx="2">
         <a:scrgbClr r="0" g="0" b="0"/>
       </a:lnRef>
-      <a:fillRef idx="1">
+      <a:fillRef idx="0">
         <a:scrgbClr r="0" g="0" b="0"/>
       </a:fillRef>
       <a:effectRef idx="0">
@@ -2316,93 +2803,7 @@
       <a:fontRef idx="minor"/>
     </dgm:style>
   </dgm:styleLbl>
-  <dgm:styleLbl name="sibTrans2D1">
-    <dgm:scene3d>
-      <a:camera prst="orthographicFront"/>
-      <a:lightRig rig="threePt" dir="t"/>
-    </dgm:scene3d>
-    <dgm:sp3d/>
-    <dgm:txPr/>
-    <dgm:style>
-      <a:lnRef idx="0">
-        <a:scrgbClr r="0" g="0" b="0"/>
-      </a:lnRef>
-      <a:fillRef idx="1">
-        <a:scrgbClr r="0" g="0" b="0"/>
-      </a:fillRef>
-      <a:effectRef idx="0">
-        <a:scrgbClr r="0" g="0" b="0"/>
-      </a:effectRef>
-      <a:fontRef idx="minor">
-        <a:schemeClr val="lt1"/>
-      </a:fontRef>
-    </dgm:style>
-  </dgm:styleLbl>
-  <dgm:styleLbl name="fgSibTrans2D1">
-    <dgm:scene3d>
-      <a:camera prst="orthographicFront"/>
-      <a:lightRig rig="threePt" dir="t"/>
-    </dgm:scene3d>
-    <dgm:sp3d/>
-    <dgm:txPr/>
-    <dgm:style>
-      <a:lnRef idx="0">
-        <a:scrgbClr r="0" g="0" b="0"/>
-      </a:lnRef>
-      <a:fillRef idx="1">
-        <a:scrgbClr r="0" g="0" b="0"/>
-      </a:fillRef>
-      <a:effectRef idx="0">
-        <a:scrgbClr r="0" g="0" b="0"/>
-      </a:effectRef>
-      <a:fontRef idx="minor">
-        <a:schemeClr val="lt1"/>
-      </a:fontRef>
-    </dgm:style>
-  </dgm:styleLbl>
-  <dgm:styleLbl name="bgSibTrans2D1">
-    <dgm:scene3d>
-      <a:camera prst="orthographicFront"/>
-      <a:lightRig rig="threePt" dir="t"/>
-    </dgm:scene3d>
-    <dgm:sp3d/>
-    <dgm:txPr/>
-    <dgm:style>
-      <a:lnRef idx="0">
-        <a:scrgbClr r="0" g="0" b="0"/>
-      </a:lnRef>
-      <a:fillRef idx="1">
-        <a:scrgbClr r="0" g="0" b="0"/>
-      </a:fillRef>
-      <a:effectRef idx="0">
-        <a:scrgbClr r="0" g="0" b="0"/>
-      </a:effectRef>
-      <a:fontRef idx="minor">
-        <a:schemeClr val="lt1"/>
-      </a:fontRef>
-    </dgm:style>
-  </dgm:styleLbl>
-  <dgm:styleLbl name="sibTrans1D1">
-    <dgm:scene3d>
-      <a:camera prst="orthographicFront"/>
-      <a:lightRig rig="threePt" dir="t"/>
-    </dgm:scene3d>
-    <dgm:sp3d/>
-    <dgm:txPr/>
-    <dgm:style>
-      <a:lnRef idx="1">
-        <a:scrgbClr r="0" g="0" b="0"/>
-      </a:lnRef>
-      <a:fillRef idx="0">
-        <a:scrgbClr r="0" g="0" b="0"/>
-      </a:fillRef>
-      <a:effectRef idx="0">
-        <a:scrgbClr r="0" g="0" b="0"/>
-      </a:effectRef>
-      <a:fontRef idx="minor"/>
-    </dgm:style>
-  </dgm:styleLbl>
-  <dgm:styleLbl name="callout">
+  <dgm:styleLbl name="parChTrans1D4">
     <dgm:scene3d>
       <a:camera prst="orthographicFront"/>
       <a:lightRig rig="threePt" dir="t"/>
@@ -2413,123 +2814,13 @@
       <a:lnRef idx="2">
         <a:scrgbClr r="0" g="0" b="0"/>
       </a:lnRef>
-      <a:fillRef idx="1">
+      <a:fillRef idx="0">
         <a:scrgbClr r="0" g="0" b="0"/>
       </a:fillRef>
       <a:effectRef idx="0">
         <a:scrgbClr r="0" g="0" b="0"/>
       </a:effectRef>
       <a:fontRef idx="minor"/>
-    </dgm:style>
-  </dgm:styleLbl>
-  <dgm:styleLbl name="asst0">
-    <dgm:scene3d>
-      <a:camera prst="orthographicFront"/>
-      <a:lightRig rig="threePt" dir="t"/>
-    </dgm:scene3d>
-    <dgm:sp3d/>
-    <dgm:txPr/>
-    <dgm:style>
-      <a:lnRef idx="2">
-        <a:scrgbClr r="0" g="0" b="0"/>
-      </a:lnRef>
-      <a:fillRef idx="1">
-        <a:scrgbClr r="0" g="0" b="0"/>
-      </a:fillRef>
-      <a:effectRef idx="0">
-        <a:scrgbClr r="0" g="0" b="0"/>
-      </a:effectRef>
-      <a:fontRef idx="minor">
-        <a:schemeClr val="lt1"/>
-      </a:fontRef>
-    </dgm:style>
-  </dgm:styleLbl>
-  <dgm:styleLbl name="asst1">
-    <dgm:scene3d>
-      <a:camera prst="orthographicFront"/>
-      <a:lightRig rig="threePt" dir="t"/>
-    </dgm:scene3d>
-    <dgm:sp3d/>
-    <dgm:txPr/>
-    <dgm:style>
-      <a:lnRef idx="2">
-        <a:scrgbClr r="0" g="0" b="0"/>
-      </a:lnRef>
-      <a:fillRef idx="1">
-        <a:scrgbClr r="0" g="0" b="0"/>
-      </a:fillRef>
-      <a:effectRef idx="0">
-        <a:scrgbClr r="0" g="0" b="0"/>
-      </a:effectRef>
-      <a:fontRef idx="minor">
-        <a:schemeClr val="lt1"/>
-      </a:fontRef>
-    </dgm:style>
-  </dgm:styleLbl>
-  <dgm:styleLbl name="asst2">
-    <dgm:scene3d>
-      <a:camera prst="orthographicFront"/>
-      <a:lightRig rig="threePt" dir="t"/>
-    </dgm:scene3d>
-    <dgm:sp3d/>
-    <dgm:txPr/>
-    <dgm:style>
-      <a:lnRef idx="2">
-        <a:scrgbClr r="0" g="0" b="0"/>
-      </a:lnRef>
-      <a:fillRef idx="1">
-        <a:scrgbClr r="0" g="0" b="0"/>
-      </a:fillRef>
-      <a:effectRef idx="0">
-        <a:scrgbClr r="0" g="0" b="0"/>
-      </a:effectRef>
-      <a:fontRef idx="minor">
-        <a:schemeClr val="lt1"/>
-      </a:fontRef>
-    </dgm:style>
-  </dgm:styleLbl>
-  <dgm:styleLbl name="asst3">
-    <dgm:scene3d>
-      <a:camera prst="orthographicFront"/>
-      <a:lightRig rig="threePt" dir="t"/>
-    </dgm:scene3d>
-    <dgm:sp3d/>
-    <dgm:txPr/>
-    <dgm:style>
-      <a:lnRef idx="2">
-        <a:scrgbClr r="0" g="0" b="0"/>
-      </a:lnRef>
-      <a:fillRef idx="1">
-        <a:scrgbClr r="0" g="0" b="0"/>
-      </a:fillRef>
-      <a:effectRef idx="0">
-        <a:scrgbClr r="0" g="0" b="0"/>
-      </a:effectRef>
-      <a:fontRef idx="minor">
-        <a:schemeClr val="lt1"/>
-      </a:fontRef>
-    </dgm:style>
-  </dgm:styleLbl>
-  <dgm:styleLbl name="asst4">
-    <dgm:scene3d>
-      <a:camera prst="orthographicFront"/>
-      <a:lightRig rig="threePt" dir="t"/>
-    </dgm:scene3d>
-    <dgm:sp3d/>
-    <dgm:txPr/>
-    <dgm:style>
-      <a:lnRef idx="2">
-        <a:scrgbClr r="0" g="0" b="0"/>
-      </a:lnRef>
-      <a:fillRef idx="1">
-        <a:scrgbClr r="0" g="0" b="0"/>
-      </a:fillRef>
-      <a:effectRef idx="0">
-        <a:scrgbClr r="0" g="0" b="0"/>
-      </a:effectRef>
-      <a:fontRef idx="minor">
-        <a:schemeClr val="lt1"/>
-      </a:fontRef>
     </dgm:style>
   </dgm:styleLbl>
   <dgm:styleLbl name="parChTrans2D1">
@@ -2620,7 +2911,69 @@
       </a:fontRef>
     </dgm:style>
   </dgm:styleLbl>
-  <dgm:styleLbl name="parChTrans1D1">
+  <dgm:styleLbl name="revTx">
+    <dgm:scene3d>
+      <a:camera prst="orthographicFront"/>
+      <a:lightRig rig="threePt" dir="t"/>
+    </dgm:scene3d>
+    <dgm:sp3d/>
+    <dgm:txPr/>
+    <dgm:style>
+      <a:lnRef idx="0">
+        <a:scrgbClr r="0" g="0" b="0"/>
+      </a:lnRef>
+      <a:fillRef idx="0">
+        <a:scrgbClr r="0" g="0" b="0"/>
+      </a:fillRef>
+      <a:effectRef idx="0">
+        <a:scrgbClr r="0" g="0" b="0"/>
+      </a:effectRef>
+      <a:fontRef idx="minor"/>
+    </dgm:style>
+  </dgm:styleLbl>
+  <dgm:styleLbl name="sibTrans1D1">
+    <dgm:scene3d>
+      <a:camera prst="orthographicFront"/>
+      <a:lightRig rig="threePt" dir="t"/>
+    </dgm:scene3d>
+    <dgm:sp3d/>
+    <dgm:txPr/>
+    <dgm:style>
+      <a:lnRef idx="1">
+        <a:scrgbClr r="0" g="0" b="0"/>
+      </a:lnRef>
+      <a:fillRef idx="0">
+        <a:scrgbClr r="0" g="0" b="0"/>
+      </a:fillRef>
+      <a:effectRef idx="0">
+        <a:scrgbClr r="0" g="0" b="0"/>
+      </a:effectRef>
+      <a:fontRef idx="minor"/>
+    </dgm:style>
+  </dgm:styleLbl>
+  <dgm:styleLbl name="sibTrans2D1">
+    <dgm:scene3d>
+      <a:camera prst="orthographicFront"/>
+      <a:lightRig rig="threePt" dir="t"/>
+    </dgm:scene3d>
+    <dgm:sp3d/>
+    <dgm:txPr/>
+    <dgm:style>
+      <a:lnRef idx="0">
+        <a:scrgbClr r="0" g="0" b="0"/>
+      </a:lnRef>
+      <a:fillRef idx="1">
+        <a:scrgbClr r="0" g="0" b="0"/>
+      </a:fillRef>
+      <a:effectRef idx="0">
+        <a:scrgbClr r="0" g="0" b="0"/>
+      </a:effectRef>
+      <a:fontRef idx="minor">
+        <a:schemeClr val="lt1"/>
+      </a:fontRef>
+    </dgm:style>
+  </dgm:styleLbl>
+  <dgm:styleLbl name="solidAlignAcc1">
     <dgm:scene3d>
       <a:camera prst="orthographicFront"/>
       <a:lightRig rig="threePt" dir="t"/>
@@ -2631,7 +2984,7 @@
       <a:lnRef idx="2">
         <a:scrgbClr r="0" g="0" b="0"/>
       </a:lnRef>
-      <a:fillRef idx="0">
+      <a:fillRef idx="1">
         <a:scrgbClr r="0" g="0" b="0"/>
       </a:fillRef>
       <a:effectRef idx="0">
@@ -2640,7 +2993,7 @@
       <a:fontRef idx="minor"/>
     </dgm:style>
   </dgm:styleLbl>
-  <dgm:styleLbl name="parChTrans1D2">
+  <dgm:styleLbl name="solidBgAcc1">
     <dgm:scene3d>
       <a:camera prst="orthographicFront"/>
       <a:lightRig rig="threePt" dir="t"/>
@@ -2651,7 +3004,7 @@
       <a:lnRef idx="2">
         <a:scrgbClr r="0" g="0" b="0"/>
       </a:lnRef>
-      <a:fillRef idx="0">
+      <a:fillRef idx="1">
         <a:scrgbClr r="0" g="0" b="0"/>
       </a:fillRef>
       <a:effectRef idx="0">
@@ -2660,87 +3013,7 @@
       <a:fontRef idx="minor"/>
     </dgm:style>
   </dgm:styleLbl>
-  <dgm:styleLbl name="parChTrans1D3">
-    <dgm:scene3d>
-      <a:camera prst="orthographicFront"/>
-      <a:lightRig rig="threePt" dir="t"/>
-    </dgm:scene3d>
-    <dgm:sp3d/>
-    <dgm:txPr/>
-    <dgm:style>
-      <a:lnRef idx="2">
-        <a:scrgbClr r="0" g="0" b="0"/>
-      </a:lnRef>
-      <a:fillRef idx="0">
-        <a:scrgbClr r="0" g="0" b="0"/>
-      </a:fillRef>
-      <a:effectRef idx="0">
-        <a:scrgbClr r="0" g="0" b="0"/>
-      </a:effectRef>
-      <a:fontRef idx="minor"/>
-    </dgm:style>
-  </dgm:styleLbl>
-  <dgm:styleLbl name="parChTrans1D4">
-    <dgm:scene3d>
-      <a:camera prst="orthographicFront"/>
-      <a:lightRig rig="threePt" dir="t"/>
-    </dgm:scene3d>
-    <dgm:sp3d/>
-    <dgm:txPr/>
-    <dgm:style>
-      <a:lnRef idx="2">
-        <a:scrgbClr r="0" g="0" b="0"/>
-      </a:lnRef>
-      <a:fillRef idx="0">
-        <a:scrgbClr r="0" g="0" b="0"/>
-      </a:fillRef>
-      <a:effectRef idx="0">
-        <a:scrgbClr r="0" g="0" b="0"/>
-      </a:effectRef>
-      <a:fontRef idx="minor"/>
-    </dgm:style>
-  </dgm:styleLbl>
-  <dgm:styleLbl name="fgAcc1">
-    <dgm:scene3d>
-      <a:camera prst="orthographicFront"/>
-      <a:lightRig rig="threePt" dir="t"/>
-    </dgm:scene3d>
-    <dgm:sp3d/>
-    <dgm:txPr/>
-    <dgm:style>
-      <a:lnRef idx="2">
-        <a:scrgbClr r="0" g="0" b="0"/>
-      </a:lnRef>
-      <a:fillRef idx="1">
-        <a:scrgbClr r="0" g="0" b="0"/>
-      </a:fillRef>
-      <a:effectRef idx="0">
-        <a:scrgbClr r="0" g="0" b="0"/>
-      </a:effectRef>
-      <a:fontRef idx="minor"/>
-    </dgm:style>
-  </dgm:styleLbl>
-  <dgm:styleLbl name="conFgAcc1">
-    <dgm:scene3d>
-      <a:camera prst="orthographicFront"/>
-      <a:lightRig rig="threePt" dir="t"/>
-    </dgm:scene3d>
-    <dgm:sp3d/>
-    <dgm:txPr/>
-    <dgm:style>
-      <a:lnRef idx="2">
-        <a:scrgbClr r="0" g="0" b="0"/>
-      </a:lnRef>
-      <a:fillRef idx="1">
-        <a:scrgbClr r="0" g="0" b="0"/>
-      </a:fillRef>
-      <a:effectRef idx="0">
-        <a:scrgbClr r="0" g="0" b="0"/>
-      </a:effectRef>
-      <a:fontRef idx="minor"/>
-    </dgm:style>
-  </dgm:styleLbl>
-  <dgm:styleLbl name="alignAcc1">
+  <dgm:styleLbl name="solidFgAcc1">
     <dgm:scene3d>
       <a:camera prst="orthographicFront"/>
       <a:lightRig rig="threePt" dir="t"/>
@@ -2780,266 +3053,6 @@
       <a:fontRef idx="minor"/>
     </dgm:style>
   </dgm:styleLbl>
-  <dgm:styleLbl name="bgAcc1">
-    <dgm:scene3d>
-      <a:camera prst="orthographicFront"/>
-      <a:lightRig rig="threePt" dir="t"/>
-    </dgm:scene3d>
-    <dgm:sp3d/>
-    <dgm:txPr/>
-    <dgm:style>
-      <a:lnRef idx="2">
-        <a:scrgbClr r="0" g="0" b="0"/>
-      </a:lnRef>
-      <a:fillRef idx="1">
-        <a:scrgbClr r="0" g="0" b="0"/>
-      </a:fillRef>
-      <a:effectRef idx="0">
-        <a:scrgbClr r="0" g="0" b="0"/>
-      </a:effectRef>
-      <a:fontRef idx="minor"/>
-    </dgm:style>
-  </dgm:styleLbl>
-  <dgm:styleLbl name="solidFgAcc1">
-    <dgm:scene3d>
-      <a:camera prst="orthographicFront"/>
-      <a:lightRig rig="threePt" dir="t"/>
-    </dgm:scene3d>
-    <dgm:sp3d/>
-    <dgm:txPr/>
-    <dgm:style>
-      <a:lnRef idx="2">
-        <a:scrgbClr r="0" g="0" b="0"/>
-      </a:lnRef>
-      <a:fillRef idx="1">
-        <a:scrgbClr r="0" g="0" b="0"/>
-      </a:fillRef>
-      <a:effectRef idx="0">
-        <a:scrgbClr r="0" g="0" b="0"/>
-      </a:effectRef>
-      <a:fontRef idx="minor"/>
-    </dgm:style>
-  </dgm:styleLbl>
-  <dgm:styleLbl name="solidAlignAcc1">
-    <dgm:scene3d>
-      <a:camera prst="orthographicFront"/>
-      <a:lightRig rig="threePt" dir="t"/>
-    </dgm:scene3d>
-    <dgm:sp3d/>
-    <dgm:txPr/>
-    <dgm:style>
-      <a:lnRef idx="2">
-        <a:scrgbClr r="0" g="0" b="0"/>
-      </a:lnRef>
-      <a:fillRef idx="1">
-        <a:scrgbClr r="0" g="0" b="0"/>
-      </a:fillRef>
-      <a:effectRef idx="0">
-        <a:scrgbClr r="0" g="0" b="0"/>
-      </a:effectRef>
-      <a:fontRef idx="minor"/>
-    </dgm:style>
-  </dgm:styleLbl>
-  <dgm:styleLbl name="solidBgAcc1">
-    <dgm:scene3d>
-      <a:camera prst="orthographicFront"/>
-      <a:lightRig rig="threePt" dir="t"/>
-    </dgm:scene3d>
-    <dgm:sp3d/>
-    <dgm:txPr/>
-    <dgm:style>
-      <a:lnRef idx="2">
-        <a:scrgbClr r="0" g="0" b="0"/>
-      </a:lnRef>
-      <a:fillRef idx="1">
-        <a:scrgbClr r="0" g="0" b="0"/>
-      </a:fillRef>
-      <a:effectRef idx="0">
-        <a:scrgbClr r="0" g="0" b="0"/>
-      </a:effectRef>
-      <a:fontRef idx="minor"/>
-    </dgm:style>
-  </dgm:styleLbl>
-  <dgm:styleLbl name="fgAccFollowNode1">
-    <dgm:scene3d>
-      <a:camera prst="orthographicFront"/>
-      <a:lightRig rig="threePt" dir="t"/>
-    </dgm:scene3d>
-    <dgm:sp3d/>
-    <dgm:txPr/>
-    <dgm:style>
-      <a:lnRef idx="2">
-        <a:scrgbClr r="0" g="0" b="0"/>
-      </a:lnRef>
-      <a:fillRef idx="1">
-        <a:scrgbClr r="0" g="0" b="0"/>
-      </a:fillRef>
-      <a:effectRef idx="0">
-        <a:scrgbClr r="0" g="0" b="0"/>
-      </a:effectRef>
-      <a:fontRef idx="minor"/>
-    </dgm:style>
-  </dgm:styleLbl>
-  <dgm:styleLbl name="alignAccFollowNode1">
-    <dgm:scene3d>
-      <a:camera prst="orthographicFront"/>
-      <a:lightRig rig="threePt" dir="t"/>
-    </dgm:scene3d>
-    <dgm:sp3d/>
-    <dgm:txPr/>
-    <dgm:style>
-      <a:lnRef idx="2">
-        <a:scrgbClr r="0" g="0" b="0"/>
-      </a:lnRef>
-      <a:fillRef idx="1">
-        <a:scrgbClr r="0" g="0" b="0"/>
-      </a:fillRef>
-      <a:effectRef idx="0">
-        <a:scrgbClr r="0" g="0" b="0"/>
-      </a:effectRef>
-      <a:fontRef idx="minor"/>
-    </dgm:style>
-  </dgm:styleLbl>
-  <dgm:styleLbl name="bgAccFollowNode1">
-    <dgm:scene3d>
-      <a:camera prst="orthographicFront"/>
-      <a:lightRig rig="threePt" dir="t"/>
-    </dgm:scene3d>
-    <dgm:sp3d/>
-    <dgm:txPr/>
-    <dgm:style>
-      <a:lnRef idx="2">
-        <a:scrgbClr r="0" g="0" b="0"/>
-      </a:lnRef>
-      <a:fillRef idx="1">
-        <a:scrgbClr r="0" g="0" b="0"/>
-      </a:fillRef>
-      <a:effectRef idx="0">
-        <a:scrgbClr r="0" g="0" b="0"/>
-      </a:effectRef>
-      <a:fontRef idx="minor"/>
-    </dgm:style>
-  </dgm:styleLbl>
-  <dgm:styleLbl name="fgAcc0">
-    <dgm:scene3d>
-      <a:camera prst="orthographicFront"/>
-      <a:lightRig rig="threePt" dir="t"/>
-    </dgm:scene3d>
-    <dgm:sp3d/>
-    <dgm:txPr/>
-    <dgm:style>
-      <a:lnRef idx="2">
-        <a:scrgbClr r="0" g="0" b="0"/>
-      </a:lnRef>
-      <a:fillRef idx="1">
-        <a:scrgbClr r="0" g="0" b="0"/>
-      </a:fillRef>
-      <a:effectRef idx="0">
-        <a:scrgbClr r="0" g="0" b="0"/>
-      </a:effectRef>
-      <a:fontRef idx="minor"/>
-    </dgm:style>
-  </dgm:styleLbl>
-  <dgm:styleLbl name="fgAcc2">
-    <dgm:scene3d>
-      <a:camera prst="orthographicFront"/>
-      <a:lightRig rig="threePt" dir="t"/>
-    </dgm:scene3d>
-    <dgm:sp3d/>
-    <dgm:txPr/>
-    <dgm:style>
-      <a:lnRef idx="2">
-        <a:scrgbClr r="0" g="0" b="0"/>
-      </a:lnRef>
-      <a:fillRef idx="1">
-        <a:scrgbClr r="0" g="0" b="0"/>
-      </a:fillRef>
-      <a:effectRef idx="0">
-        <a:scrgbClr r="0" g="0" b="0"/>
-      </a:effectRef>
-      <a:fontRef idx="minor"/>
-    </dgm:style>
-  </dgm:styleLbl>
-  <dgm:styleLbl name="fgAcc3">
-    <dgm:scene3d>
-      <a:camera prst="orthographicFront"/>
-      <a:lightRig rig="threePt" dir="t"/>
-    </dgm:scene3d>
-    <dgm:sp3d/>
-    <dgm:txPr/>
-    <dgm:style>
-      <a:lnRef idx="2">
-        <a:scrgbClr r="0" g="0" b="0"/>
-      </a:lnRef>
-      <a:fillRef idx="1">
-        <a:scrgbClr r="0" g="0" b="0"/>
-      </a:fillRef>
-      <a:effectRef idx="0">
-        <a:scrgbClr r="0" g="0" b="0"/>
-      </a:effectRef>
-      <a:fontRef idx="minor"/>
-    </dgm:style>
-  </dgm:styleLbl>
-  <dgm:styleLbl name="fgAcc4">
-    <dgm:scene3d>
-      <a:camera prst="orthographicFront"/>
-      <a:lightRig rig="threePt" dir="t"/>
-    </dgm:scene3d>
-    <dgm:sp3d/>
-    <dgm:txPr/>
-    <dgm:style>
-      <a:lnRef idx="2">
-        <a:scrgbClr r="0" g="0" b="0"/>
-      </a:lnRef>
-      <a:fillRef idx="1">
-        <a:scrgbClr r="0" g="0" b="0"/>
-      </a:fillRef>
-      <a:effectRef idx="0">
-        <a:scrgbClr r="0" g="0" b="0"/>
-      </a:effectRef>
-      <a:fontRef idx="minor"/>
-    </dgm:style>
-  </dgm:styleLbl>
-  <dgm:styleLbl name="bgShp">
-    <dgm:scene3d>
-      <a:camera prst="orthographicFront"/>
-      <a:lightRig rig="threePt" dir="t"/>
-    </dgm:scene3d>
-    <dgm:sp3d/>
-    <dgm:txPr/>
-    <dgm:style>
-      <a:lnRef idx="0">
-        <a:scrgbClr r="0" g="0" b="0"/>
-      </a:lnRef>
-      <a:fillRef idx="1">
-        <a:scrgbClr r="0" g="0" b="0"/>
-      </a:fillRef>
-      <a:effectRef idx="0">
-        <a:scrgbClr r="0" g="0" b="0"/>
-      </a:effectRef>
-      <a:fontRef idx="minor"/>
-    </dgm:style>
-  </dgm:styleLbl>
-  <dgm:styleLbl name="dkBgShp">
-    <dgm:scene3d>
-      <a:camera prst="orthographicFront"/>
-      <a:lightRig rig="threePt" dir="t"/>
-    </dgm:scene3d>
-    <dgm:sp3d/>
-    <dgm:txPr/>
-    <dgm:style>
-      <a:lnRef idx="0">
-        <a:scrgbClr r="0" g="0" b="0"/>
-      </a:lnRef>
-      <a:fillRef idx="1">
-        <a:scrgbClr r="0" g="0" b="0"/>
-      </a:fillRef>
-      <a:effectRef idx="0">
-        <a:scrgbClr r="0" g="0" b="0"/>
-      </a:effectRef>
-      <a:fontRef idx="minor"/>
-    </dgm:style>
-  </dgm:styleLbl>
   <dgm:styleLbl name="trBgShp">
     <dgm:scene3d>
       <a:camera prst="orthographicFront"/>
@@ -3060,7 +3073,7 @@
       <a:fontRef idx="minor"/>
     </dgm:style>
   </dgm:styleLbl>
-  <dgm:styleLbl name="fgShp">
+  <dgm:styleLbl name="vennNode1">
     <dgm:scene3d>
       <a:camera prst="orthographicFront"/>
       <a:lightRig rig="threePt" dir="t"/>
@@ -3077,27 +3090,9 @@
       <a:effectRef idx="0">
         <a:scrgbClr r="0" g="0" b="0"/>
       </a:effectRef>
-      <a:fontRef idx="minor"/>
-    </dgm:style>
-  </dgm:styleLbl>
-  <dgm:styleLbl name="revTx">
-    <dgm:scene3d>
-      <a:camera prst="orthographicFront"/>
-      <a:lightRig rig="threePt" dir="t"/>
-    </dgm:scene3d>
-    <dgm:sp3d/>
-    <dgm:txPr/>
-    <dgm:style>
-      <a:lnRef idx="0">
-        <a:scrgbClr r="0" g="0" b="0"/>
-      </a:lnRef>
-      <a:fillRef idx="0">
-        <a:scrgbClr r="0" g="0" b="0"/>
-      </a:fillRef>
-      <a:effectRef idx="0">
-        <a:scrgbClr r="0" g="0" b="0"/>
-      </a:effectRef>
-      <a:fontRef idx="minor"/>
+      <a:fontRef idx="minor">
+        <a:schemeClr val="tx1"/>
+      </a:fontRef>
     </dgm:style>
   </dgm:styleLbl>
 </dgm:styleDef>
@@ -3185,7 +3180,7 @@
           <a:p>
             <a:fld id="{AB3C4336-5793-42CA-9CAA-6A98C03300AF}" type="datetimeFigureOut">
               <a:rPr lang="zh-CN" altLang="en-US" smtClean="0"/>
-              <a:t>2023/2/10</a:t>
+              <a:t>2023/2/22</a:t>
             </a:fld>
             <a:endParaRPr lang="zh-CN" altLang="en-US"/>
           </a:p>
@@ -3350,11 +3345,6 @@
         </p:txBody>
       </p:sp>
     </p:spTree>
-    <p:extLst>
-      <p:ext uri="{BB962C8B-B14F-4D97-AF65-F5344CB8AC3E}">
-        <p14:creationId xmlns:p14="http://schemas.microsoft.com/office/powerpoint/2010/main" val="990201954"/>
-      </p:ext>
-    </p:extLst>
   </p:cSld>
   <p:clrMap bg1="lt1" tx1="dk1" bg2="lt2" tx2="dk2" accent1="accent1" accent2="accent2" accent3="accent3" accent4="accent4" accent5="accent5" accent6="accent6" hlink="hlink" folHlink="folHlink"/>
   <p:notesStyle>
@@ -3510,7 +3500,6 @@
               <a:buSzTx/>
               <a:buFontTx/>
               <a:buNone/>
-              <a:tabLst/>
               <a:defRPr/>
             </a:pPr>
             <a:r>
@@ -3557,18 +3546,13 @@
           <a:p>
             <a:fld id="{1DA5D722-19D3-4566-B74A-F896A6E48E5C}" type="slidenum">
               <a:rPr lang="zh-CN" altLang="en-US" smtClean="0"/>
-              <a:t>12</a:t>
+              <a:t>10</a:t>
             </a:fld>
             <a:endParaRPr lang="zh-CN" altLang="en-US"/>
           </a:p>
         </p:txBody>
       </p:sp>
     </p:spTree>
-    <p:extLst>
-      <p:ext uri="{BB962C8B-B14F-4D97-AF65-F5344CB8AC3E}">
-        <p14:creationId xmlns:p14="http://schemas.microsoft.com/office/powerpoint/2010/main" val="2351788891"/>
-      </p:ext>
-    </p:extLst>
   </p:cSld>
   <p:clrMapOvr>
     <a:masterClrMapping/>
@@ -3634,7 +3618,6 @@
               <a:buSzTx/>
               <a:buFontTx/>
               <a:buNone/>
-              <a:tabLst/>
               <a:defRPr/>
             </a:pPr>
             <a:r>
@@ -3681,18 +3664,13 @@
           <a:p>
             <a:fld id="{1DA5D722-19D3-4566-B74A-F896A6E48E5C}" type="slidenum">
               <a:rPr lang="zh-CN" altLang="en-US" smtClean="0"/>
-              <a:t>13</a:t>
+              <a:t>11</a:t>
             </a:fld>
             <a:endParaRPr lang="zh-CN" altLang="en-US"/>
           </a:p>
         </p:txBody>
       </p:sp>
     </p:spTree>
-    <p:extLst>
-      <p:ext uri="{BB962C8B-B14F-4D97-AF65-F5344CB8AC3E}">
-        <p14:creationId xmlns:p14="http://schemas.microsoft.com/office/powerpoint/2010/main" val="2278228316"/>
-      </p:ext>
-    </p:extLst>
   </p:cSld>
   <p:clrMapOvr>
     <a:masterClrMapping/>
@@ -3758,7 +3736,6 @@
               <a:buSzTx/>
               <a:buFontTx/>
               <a:buNone/>
-              <a:tabLst/>
               <a:defRPr/>
             </a:pPr>
             <a:r>
@@ -3805,18 +3782,13 @@
           <a:p>
             <a:fld id="{1DA5D722-19D3-4566-B74A-F896A6E48E5C}" type="slidenum">
               <a:rPr lang="zh-CN" altLang="en-US" smtClean="0"/>
-              <a:t>14</a:t>
+              <a:t>12</a:t>
             </a:fld>
             <a:endParaRPr lang="zh-CN" altLang="en-US"/>
           </a:p>
         </p:txBody>
       </p:sp>
     </p:spTree>
-    <p:extLst>
-      <p:ext uri="{BB962C8B-B14F-4D97-AF65-F5344CB8AC3E}">
-        <p14:creationId xmlns:p14="http://schemas.microsoft.com/office/powerpoint/2010/main" val="78472113"/>
-      </p:ext>
-    </p:extLst>
   </p:cSld>
   <p:clrMapOvr>
     <a:masterClrMapping/>
@@ -3882,7 +3854,6 @@
               <a:buSzTx/>
               <a:buFontTx/>
               <a:buNone/>
-              <a:tabLst/>
               <a:defRPr/>
             </a:pPr>
             <a:r>
@@ -3929,18 +3900,13 @@
           <a:p>
             <a:fld id="{1DA5D722-19D3-4566-B74A-F896A6E48E5C}" type="slidenum">
               <a:rPr lang="zh-CN" altLang="en-US" smtClean="0"/>
-              <a:t>15</a:t>
+              <a:t>13</a:t>
             </a:fld>
             <a:endParaRPr lang="zh-CN" altLang="en-US"/>
           </a:p>
         </p:txBody>
       </p:sp>
     </p:spTree>
-    <p:extLst>
-      <p:ext uri="{BB962C8B-B14F-4D97-AF65-F5344CB8AC3E}">
-        <p14:creationId xmlns:p14="http://schemas.microsoft.com/office/powerpoint/2010/main" val="3983666952"/>
-      </p:ext>
-    </p:extLst>
   </p:cSld>
   <p:clrMapOvr>
     <a:masterClrMapping/>
@@ -4006,7 +3972,6 @@
               <a:buSzTx/>
               <a:buFontTx/>
               <a:buNone/>
-              <a:tabLst/>
               <a:defRPr/>
             </a:pPr>
             <a:r>
@@ -4053,18 +4018,13 @@
           <a:p>
             <a:fld id="{1DA5D722-19D3-4566-B74A-F896A6E48E5C}" type="slidenum">
               <a:rPr lang="zh-CN" altLang="en-US" smtClean="0"/>
-              <a:t>16</a:t>
+              <a:t>14</a:t>
             </a:fld>
             <a:endParaRPr lang="zh-CN" altLang="en-US"/>
           </a:p>
         </p:txBody>
       </p:sp>
     </p:spTree>
-    <p:extLst>
-      <p:ext uri="{BB962C8B-B14F-4D97-AF65-F5344CB8AC3E}">
-        <p14:creationId xmlns:p14="http://schemas.microsoft.com/office/powerpoint/2010/main" val="2135199394"/>
-      </p:ext>
-    </p:extLst>
   </p:cSld>
   <p:clrMapOvr>
     <a:masterClrMapping/>
@@ -4130,7 +4090,6 @@
               <a:buSzTx/>
               <a:buFontTx/>
               <a:buNone/>
-              <a:tabLst/>
               <a:defRPr/>
             </a:pPr>
             <a:r>
@@ -4177,18 +4136,13 @@
           <a:p>
             <a:fld id="{1DA5D722-19D3-4566-B74A-F896A6E48E5C}" type="slidenum">
               <a:rPr lang="zh-CN" altLang="en-US" smtClean="0"/>
-              <a:t>17</a:t>
+              <a:t>15</a:t>
             </a:fld>
             <a:endParaRPr lang="zh-CN" altLang="en-US"/>
           </a:p>
         </p:txBody>
       </p:sp>
     </p:spTree>
-    <p:extLst>
-      <p:ext uri="{BB962C8B-B14F-4D97-AF65-F5344CB8AC3E}">
-        <p14:creationId xmlns:p14="http://schemas.microsoft.com/office/powerpoint/2010/main" val="769384460"/>
-      </p:ext>
-    </p:extLst>
   </p:cSld>
   <p:clrMapOvr>
     <a:masterClrMapping/>
@@ -4381,8 +4335,7 @@
           <a:p>
             <a:fld id="{8E36636D-D922-432D-A958-524484B5923D}" type="datetimeFigureOut">
               <a:rPr lang="en-US" dirty="0"/>
-              <a:pPr/>
-              <a:t>2/10/2023</a:t>
+              <a:t>2/22/2023</a:t>
             </a:fld>
             <a:endParaRPr lang="en-US" dirty="0"/>
           </a:p>
@@ -4424,7 +4377,6 @@
           <a:p>
             <a:fld id="{DF28FB93-0A08-4E7D-8E63-9EFA29F1E093}" type="slidenum">
               <a:rPr lang="en-US" dirty="0"/>
-              <a:pPr/>
               <a:t>‹#›</a:t>
             </a:fld>
             <a:endParaRPr lang="en-US" dirty="0"/>
@@ -4676,7 +4628,7 @@
           <a:p>
             <a:fld id="{48A87A34-81AB-432B-8DAE-1953F412C126}" type="datetimeFigureOut">
               <a:rPr lang="en-US" dirty="0"/>
-              <a:t>2/10/2023</a:t>
+              <a:t>2/22/2023</a:t>
             </a:fld>
             <a:endParaRPr lang="en-US" dirty="0"/>
           </a:p>
@@ -4863,7 +4815,7 @@
           <a:p>
             <a:fld id="{48A87A34-81AB-432B-8DAE-1953F412C126}" type="datetimeFigureOut">
               <a:rPr lang="en-US" dirty="0"/>
-              <a:t>2/10/2023</a:t>
+              <a:t>2/22/2023</a:t>
             </a:fld>
             <a:endParaRPr lang="en-US" dirty="0"/>
           </a:p>
@@ -5119,7 +5071,7 @@
           <a:p>
             <a:fld id="{48A87A34-81AB-432B-8DAE-1953F412C126}" type="datetimeFigureOut">
               <a:rPr lang="en-US" dirty="0"/>
-              <a:t>2/10/2023</a:t>
+              <a:t>2/22/2023</a:t>
             </a:fld>
             <a:endParaRPr lang="en-US" dirty="0"/>
           </a:p>
@@ -5538,7 +5490,7 @@
           <a:p>
             <a:fld id="{48A87A34-81AB-432B-8DAE-1953F412C126}" type="datetimeFigureOut">
               <a:rPr lang="en-US" dirty="0"/>
-              <a:t>2/10/2023</a:t>
+              <a:t>2/22/2023</a:t>
             </a:fld>
             <a:endParaRPr lang="en-US" dirty="0"/>
           </a:p>
@@ -6070,7 +6022,7 @@
           <a:p>
             <a:fld id="{48A87A34-81AB-432B-8DAE-1953F412C126}" type="datetimeFigureOut">
               <a:rPr lang="en-US" dirty="0"/>
-              <a:t>2/10/2023</a:t>
+              <a:t>2/22/2023</a:t>
             </a:fld>
             <a:endParaRPr lang="en-US" dirty="0"/>
           </a:p>
@@ -6929,7 +6881,7 @@
           <a:p>
             <a:fld id="{48A87A34-81AB-432B-8DAE-1953F412C126}" type="datetimeFigureOut">
               <a:rPr lang="en-US" dirty="0"/>
-              <a:t>2/10/2023</a:t>
+              <a:t>2/22/2023</a:t>
             </a:fld>
             <a:endParaRPr lang="en-US" dirty="0"/>
           </a:p>
@@ -7094,8 +7046,7 @@
           <a:p>
             <a:fld id="{8E36636D-D922-432D-A958-524484B5923D}" type="datetimeFigureOut">
               <a:rPr lang="en-US" dirty="0"/>
-              <a:pPr/>
-              <a:t>2/10/2023</a:t>
+              <a:t>2/22/2023</a:t>
             </a:fld>
             <a:endParaRPr lang="en-US" dirty="0"/>
           </a:p>
@@ -7137,7 +7088,6 @@
           <a:p>
             <a:fld id="{DF28FB93-0A08-4E7D-8E63-9EFA29F1E093}" type="slidenum">
               <a:rPr lang="en-US" dirty="0"/>
-              <a:pPr/>
               <a:t>‹#›</a:t>
             </a:fld>
             <a:endParaRPr lang="en-US" dirty="0"/>
@@ -7275,8 +7225,7 @@
           <a:p>
             <a:fld id="{8E36636D-D922-432D-A958-524484B5923D}" type="datetimeFigureOut">
               <a:rPr lang="en-US" dirty="0"/>
-              <a:pPr/>
-              <a:t>2/10/2023</a:t>
+              <a:t>2/22/2023</a:t>
             </a:fld>
             <a:endParaRPr lang="en-US" dirty="0"/>
           </a:p>
@@ -7318,7 +7267,6 @@
           <a:p>
             <a:fld id="{DF28FB93-0A08-4E7D-8E63-9EFA29F1E093}" type="slidenum">
               <a:rPr lang="en-US" dirty="0"/>
-              <a:pPr/>
               <a:t>‹#›</a:t>
             </a:fld>
             <a:endParaRPr lang="en-US" dirty="0"/>
@@ -7442,8 +7390,7 @@
           <a:p>
             <a:fld id="{8E36636D-D922-432D-A958-524484B5923D}" type="datetimeFigureOut">
               <a:rPr lang="en-US" dirty="0"/>
-              <a:pPr/>
-              <a:t>2/10/2023</a:t>
+              <a:t>2/22/2023</a:t>
             </a:fld>
             <a:endParaRPr lang="en-US" dirty="0"/>
           </a:p>
@@ -7485,7 +7432,6 @@
           <a:p>
             <a:fld id="{DF28FB93-0A08-4E7D-8E63-9EFA29F1E093}" type="slidenum">
               <a:rPr lang="en-US" dirty="0"/>
-              <a:pPr/>
               <a:t>‹#›</a:t>
             </a:fld>
             <a:endParaRPr lang="en-US" dirty="0"/>
@@ -7683,8 +7629,7 @@
           <a:p>
             <a:fld id="{8E36636D-D922-432D-A958-524484B5923D}" type="datetimeFigureOut">
               <a:rPr lang="en-US" dirty="0"/>
-              <a:pPr/>
-              <a:t>2/10/2023</a:t>
+              <a:t>2/22/2023</a:t>
             </a:fld>
             <a:endParaRPr lang="en-US" dirty="0"/>
           </a:p>
@@ -7726,7 +7671,6 @@
           <a:p>
             <a:fld id="{DF28FB93-0A08-4E7D-8E63-9EFA29F1E093}" type="slidenum">
               <a:rPr lang="en-US" dirty="0"/>
-              <a:pPr/>
               <a:t>‹#›</a:t>
             </a:fld>
             <a:endParaRPr lang="en-US" dirty="0"/>
@@ -7916,8 +7860,7 @@
           <a:p>
             <a:fld id="{8E36636D-D922-432D-A958-524484B5923D}" type="datetimeFigureOut">
               <a:rPr lang="en-US" dirty="0"/>
-              <a:pPr/>
-              <a:t>2/10/2023</a:t>
+              <a:t>2/22/2023</a:t>
             </a:fld>
             <a:endParaRPr lang="en-US" dirty="0"/>
           </a:p>
@@ -7959,7 +7902,6 @@
           <a:p>
             <a:fld id="{DF28FB93-0A08-4E7D-8E63-9EFA29F1E093}" type="slidenum">
               <a:rPr lang="en-US" dirty="0"/>
-              <a:pPr/>
               <a:t>‹#›</a:t>
             </a:fld>
             <a:endParaRPr lang="en-US" dirty="0"/>
@@ -8379,8 +8321,7 @@
           <a:p>
             <a:fld id="{8E36636D-D922-432D-A958-524484B5923D}" type="datetimeFigureOut">
               <a:rPr lang="en-US" dirty="0"/>
-              <a:pPr/>
-              <a:t>2/10/2023</a:t>
+              <a:t>2/22/2023</a:t>
             </a:fld>
             <a:endParaRPr lang="en-US" dirty="0"/>
           </a:p>
@@ -8422,7 +8363,6 @@
           <a:p>
             <a:fld id="{DF28FB93-0A08-4E7D-8E63-9EFA29F1E093}" type="slidenum">
               <a:rPr lang="en-US" dirty="0"/>
-              <a:pPr/>
               <a:t>‹#›</a:t>
             </a:fld>
             <a:endParaRPr lang="en-US" dirty="0"/>
@@ -8494,8 +8434,7 @@
           <a:p>
             <a:fld id="{8E36636D-D922-432D-A958-524484B5923D}" type="datetimeFigureOut">
               <a:rPr lang="en-US" dirty="0"/>
-              <a:pPr/>
-              <a:t>2/10/2023</a:t>
+              <a:t>2/22/2023</a:t>
             </a:fld>
             <a:endParaRPr lang="en-US" dirty="0"/>
           </a:p>
@@ -8537,7 +8476,6 @@
           <a:p>
             <a:fld id="{DF28FB93-0A08-4E7D-8E63-9EFA29F1E093}" type="slidenum">
               <a:rPr lang="en-US" dirty="0"/>
-              <a:pPr/>
               <a:t>‹#›</a:t>
             </a:fld>
             <a:endParaRPr lang="en-US" dirty="0"/>
@@ -8586,8 +8524,7 @@
           <a:p>
             <a:fld id="{8E36636D-D922-432D-A958-524484B5923D}" type="datetimeFigureOut">
               <a:rPr lang="en-US" dirty="0"/>
-              <a:pPr/>
-              <a:t>2/10/2023</a:t>
+              <a:t>2/22/2023</a:t>
             </a:fld>
             <a:endParaRPr lang="en-US" dirty="0"/>
           </a:p>
@@ -8629,7 +8566,6 @@
           <a:p>
             <a:fld id="{DF28FB93-0A08-4E7D-8E63-9EFA29F1E093}" type="slidenum">
               <a:rPr lang="en-US" dirty="0"/>
-              <a:pPr/>
               <a:t>‹#›</a:t>
             </a:fld>
             <a:endParaRPr lang="en-US" dirty="0"/>
@@ -8838,8 +8774,7 @@
           <a:p>
             <a:fld id="{8E36636D-D922-432D-A958-524484B5923D}" type="datetimeFigureOut">
               <a:rPr lang="en-US" dirty="0"/>
-              <a:pPr/>
-              <a:t>2/10/2023</a:t>
+              <a:t>2/22/2023</a:t>
             </a:fld>
             <a:endParaRPr lang="en-US" dirty="0"/>
           </a:p>
@@ -8881,7 +8816,6 @@
           <a:p>
             <a:fld id="{DF28FB93-0A08-4E7D-8E63-9EFA29F1E093}" type="slidenum">
               <a:rPr lang="en-US" dirty="0"/>
-              <a:pPr/>
               <a:t>‹#›</a:t>
             </a:fld>
             <a:endParaRPr lang="en-US" dirty="0"/>
@@ -9135,8 +9069,7 @@
           <a:p>
             <a:fld id="{8E36636D-D922-432D-A958-524484B5923D}" type="datetimeFigureOut">
               <a:rPr lang="en-US" dirty="0"/>
-              <a:pPr/>
-              <a:t>2/10/2023</a:t>
+              <a:t>2/22/2023</a:t>
             </a:fld>
             <a:endParaRPr lang="en-US" dirty="0"/>
           </a:p>
@@ -9178,7 +9111,6 @@
           <a:p>
             <a:fld id="{DF28FB93-0A08-4E7D-8E63-9EFA29F1E093}" type="slidenum">
               <a:rPr lang="en-US" dirty="0"/>
-              <a:pPr/>
               <a:t>‹#›</a:t>
             </a:fld>
             <a:endParaRPr lang="en-US" dirty="0"/>
@@ -9366,8 +9298,7 @@
           <a:p>
             <a:fld id="{8E36636D-D922-432D-A958-524484B5923D}" type="datetimeFigureOut">
               <a:rPr lang="en-US" dirty="0"/>
-              <a:pPr/>
-              <a:t>2/10/2023</a:t>
+              <a:t>2/22/2023</a:t>
             </a:fld>
             <a:endParaRPr lang="en-US" dirty="0"/>
           </a:p>
@@ -9459,7 +9390,6 @@
           <a:p>
             <a:fld id="{DF28FB93-0A08-4E7D-8E63-9EFA29F1E093}" type="slidenum">
               <a:rPr lang="en-US" dirty="0"/>
-              <a:pPr/>
               <a:t>‹#›</a:t>
             </a:fld>
             <a:endParaRPr lang="en-US" dirty="0"/>
@@ -9470,23 +9400,23 @@
   </p:cSld>
   <p:clrMap bg1="dk1" tx1="lt1" bg2="dk2" tx2="lt2" accent1="accent1" accent2="accent2" accent3="accent3" accent4="accent4" accent5="accent5" accent6="accent6" hlink="hlink" folHlink="folHlink"/>
   <p:sldLayoutIdLst>
-    <p:sldLayoutId id="2147483841" r:id="rId1"/>
-    <p:sldLayoutId id="2147483842" r:id="rId2"/>
-    <p:sldLayoutId id="2147483843" r:id="rId3"/>
-    <p:sldLayoutId id="2147483844" r:id="rId4"/>
-    <p:sldLayoutId id="2147483845" r:id="rId5"/>
-    <p:sldLayoutId id="2147483846" r:id="rId6"/>
-    <p:sldLayoutId id="2147483847" r:id="rId7"/>
-    <p:sldLayoutId id="2147483848" r:id="rId8"/>
-    <p:sldLayoutId id="2147483849" r:id="rId9"/>
-    <p:sldLayoutId id="2147483852" r:id="rId10"/>
-    <p:sldLayoutId id="2147483853" r:id="rId11"/>
-    <p:sldLayoutId id="2147483854" r:id="rId12"/>
-    <p:sldLayoutId id="2147483855" r:id="rId13"/>
-    <p:sldLayoutId id="2147483858" r:id="rId14"/>
-    <p:sldLayoutId id="2147483859" r:id="rId15"/>
-    <p:sldLayoutId id="2147483850" r:id="rId16"/>
-    <p:sldLayoutId id="2147483851" r:id="rId17"/>
+    <p:sldLayoutId id="2147483649" r:id="rId1"/>
+    <p:sldLayoutId id="2147483650" r:id="rId2"/>
+    <p:sldLayoutId id="2147483651" r:id="rId3"/>
+    <p:sldLayoutId id="2147483652" r:id="rId4"/>
+    <p:sldLayoutId id="2147483653" r:id="rId5"/>
+    <p:sldLayoutId id="2147483654" r:id="rId6"/>
+    <p:sldLayoutId id="2147483655" r:id="rId7"/>
+    <p:sldLayoutId id="2147483656" r:id="rId8"/>
+    <p:sldLayoutId id="2147483657" r:id="rId9"/>
+    <p:sldLayoutId id="2147483658" r:id="rId10"/>
+    <p:sldLayoutId id="2147483659" r:id="rId11"/>
+    <p:sldLayoutId id="2147483660" r:id="rId12"/>
+    <p:sldLayoutId id="2147483661" r:id="rId13"/>
+    <p:sldLayoutId id="2147483662" r:id="rId14"/>
+    <p:sldLayoutId id="2147483663" r:id="rId15"/>
+    <p:sldLayoutId id="2147483664" r:id="rId16"/>
+    <p:sldLayoutId id="2147483665" r:id="rId17"/>
   </p:sldLayoutIdLst>
   <p:txStyles>
     <p:titleStyle>
@@ -9517,7 +9447,7 @@
           </a:effectLst>
           <a:latin typeface="+mj-lt"/>
           <a:ea typeface="+mj-ea"/>
-          <a:cs typeface="Trebuchet MS"/>
+          <a:cs typeface="Trebuchet MS" panose="020B0603020202020204"/>
         </a:defRPr>
       </a:lvl1pPr>
       <a:lvl2pPr eaLnBrk="1" hangingPunct="1">
@@ -9578,7 +9508,7 @@
       </a:lvl9pPr>
     </p:titleStyle>
     <p:bodyStyle>
-      <a:lvl1pPr marL="342900" indent="-306000" algn="l" defTabSz="457200" rtl="0" eaLnBrk="1" latinLnBrk="0" hangingPunct="1">
+      <a:lvl1pPr marL="342900" indent="-306070" algn="l" defTabSz="457200" rtl="0" eaLnBrk="1" latinLnBrk="0" hangingPunct="1">
         <a:spcBef>
           <a:spcPct val="20000"/>
         </a:spcBef>
@@ -9616,7 +9546,7 @@
           <a:cs typeface="+mn-cs"/>
         </a:defRPr>
       </a:lvl1pPr>
-      <a:lvl2pPr marL="720000" indent="-270000" algn="l" defTabSz="457200" rtl="0" eaLnBrk="1" latinLnBrk="0" hangingPunct="1">
+      <a:lvl2pPr marL="720090" indent="-269875" algn="l" defTabSz="457200" rtl="0" eaLnBrk="1" latinLnBrk="0" hangingPunct="1">
         <a:spcBef>
           <a:spcPct val="20000"/>
         </a:spcBef>
@@ -9654,7 +9584,7 @@
           <a:cs typeface="+mn-cs"/>
         </a:defRPr>
       </a:lvl2pPr>
-      <a:lvl3pPr marL="1026000" indent="-216000" algn="l" defTabSz="457200" rtl="0" eaLnBrk="1" latinLnBrk="0" hangingPunct="1">
+      <a:lvl3pPr marL="1026160" indent="-215900" algn="l" defTabSz="457200" rtl="0" eaLnBrk="1" latinLnBrk="0" hangingPunct="1">
         <a:spcBef>
           <a:spcPct val="20000"/>
         </a:spcBef>
@@ -9692,7 +9622,7 @@
           <a:cs typeface="+mn-cs"/>
         </a:defRPr>
       </a:lvl3pPr>
-      <a:lvl4pPr marL="1386000" indent="-216000" algn="l" defTabSz="457200" rtl="0" eaLnBrk="1" latinLnBrk="0" hangingPunct="1">
+      <a:lvl4pPr marL="1386205" indent="-215900" algn="l" defTabSz="457200" rtl="0" eaLnBrk="1" latinLnBrk="0" hangingPunct="1">
         <a:spcBef>
           <a:spcPct val="20000"/>
         </a:spcBef>
@@ -9730,7 +9660,7 @@
           <a:cs typeface="+mn-cs"/>
         </a:defRPr>
       </a:lvl4pPr>
-      <a:lvl5pPr marL="1674000" indent="-216000" algn="l" defTabSz="457200" rtl="0" eaLnBrk="1" latinLnBrk="0" hangingPunct="1">
+      <a:lvl5pPr marL="1673860" indent="-215900" algn="l" defTabSz="457200" rtl="0" eaLnBrk="1" latinLnBrk="0" hangingPunct="1">
         <a:spcBef>
           <a:spcPct val="20000"/>
         </a:spcBef>
@@ -9768,7 +9698,7 @@
           <a:cs typeface="+mn-cs"/>
         </a:defRPr>
       </a:lvl5pPr>
-      <a:lvl6pPr marL="2014600" indent="-228600" algn="l" defTabSz="457200" rtl="0" eaLnBrk="1" latinLnBrk="0" hangingPunct="1">
+      <a:lvl6pPr marL="2014855" indent="-228600" algn="l" defTabSz="457200" rtl="0" eaLnBrk="1" latinLnBrk="0" hangingPunct="1">
         <a:spcBef>
           <a:spcPct val="20000"/>
         </a:spcBef>
@@ -9806,7 +9736,7 @@
           <a:cs typeface="+mn-cs"/>
         </a:defRPr>
       </a:lvl6pPr>
-      <a:lvl7pPr marL="2401800" indent="-228600" algn="l" defTabSz="457200" rtl="0" eaLnBrk="1" latinLnBrk="0" hangingPunct="1">
+      <a:lvl7pPr marL="2401570" indent="-228600" algn="l" defTabSz="457200" rtl="0" eaLnBrk="1" latinLnBrk="0" hangingPunct="1">
         <a:spcBef>
           <a:spcPct val="20000"/>
         </a:spcBef>
@@ -9844,7 +9774,7 @@
           <a:cs typeface="+mn-cs"/>
         </a:defRPr>
       </a:lvl7pPr>
-      <a:lvl8pPr marL="2789000" indent="-228600" algn="l" defTabSz="457200" rtl="0" eaLnBrk="1" latinLnBrk="0" hangingPunct="1">
+      <a:lvl8pPr marL="2788920" indent="-228600" algn="l" defTabSz="457200" rtl="0" eaLnBrk="1" latinLnBrk="0" hangingPunct="1">
         <a:spcBef>
           <a:spcPct val="20000"/>
         </a:spcBef>
@@ -9882,7 +9812,7 @@
           <a:cs typeface="+mn-cs"/>
         </a:defRPr>
       </a:lvl8pPr>
-      <a:lvl9pPr marL="3106200" indent="-228600" algn="l" defTabSz="457200" rtl="0" eaLnBrk="1" latinLnBrk="0" hangingPunct="1">
+      <a:lvl9pPr marL="3106420" indent="-228600" algn="l" defTabSz="457200" rtl="0" eaLnBrk="1" latinLnBrk="0" hangingPunct="1">
         <a:spcBef>
           <a:spcPct val="20000"/>
         </a:spcBef>
@@ -10039,13 +9969,7 @@
       </p:grpSpPr>
       <p:sp>
         <p:nvSpPr>
-          <p:cNvPr id="2" name="标题 1">
-            <a:extLst>
-              <a:ext uri="{FF2B5EF4-FFF2-40B4-BE49-F238E27FC236}">
-                <a16:creationId xmlns:a16="http://schemas.microsoft.com/office/drawing/2014/main" id="{355033CA-E65A-5FAE-1093-B57A5087278B}"/>
-              </a:ext>
-            </a:extLst>
-          </p:cNvPr>
+          <p:cNvPr id="2" name="标题 1"/>
           <p:cNvSpPr>
             <a:spLocks noGrp="1"/>
           </p:cNvSpPr>
@@ -10082,13 +10006,7 @@
       </p:sp>
       <p:sp>
         <p:nvSpPr>
-          <p:cNvPr id="3" name="副标题 2">
-            <a:extLst>
-              <a:ext uri="{FF2B5EF4-FFF2-40B4-BE49-F238E27FC236}">
-                <a16:creationId xmlns:a16="http://schemas.microsoft.com/office/drawing/2014/main" id="{C8DA7FB1-D597-3977-2E41-E4D55C297380}"/>
-              </a:ext>
-            </a:extLst>
-          </p:cNvPr>
+          <p:cNvPr id="3" name="副标题 2"/>
           <p:cNvSpPr>
             <a:spLocks noGrp="1"/>
           </p:cNvSpPr>
@@ -10116,11 +10034,6 @@
         </p:txBody>
       </p:sp>
     </p:spTree>
-    <p:extLst>
-      <p:ext uri="{BB962C8B-B14F-4D97-AF65-F5344CB8AC3E}">
-        <p14:creationId xmlns:p14="http://schemas.microsoft.com/office/powerpoint/2010/main" val="2109021012"/>
-      </p:ext>
-    </p:extLst>
   </p:cSld>
   <p:clrMapOvr>
     <a:masterClrMapping/>
@@ -10147,211 +10060,7 @@
       </p:grpSpPr>
       <p:sp>
         <p:nvSpPr>
-          <p:cNvPr id="2" name="标题 1">
-            <a:extLst>
-              <a:ext uri="{FF2B5EF4-FFF2-40B4-BE49-F238E27FC236}">
-                <a16:creationId xmlns:a16="http://schemas.microsoft.com/office/drawing/2014/main" id="{F03477C1-17DA-752E-62B9-FC3E0049A29E}"/>
-              </a:ext>
-            </a:extLst>
-          </p:cNvPr>
-          <p:cNvSpPr>
-            <a:spLocks noGrp="1"/>
-          </p:cNvSpPr>
-          <p:nvPr>
-            <p:ph type="title"/>
-          </p:nvPr>
-        </p:nvSpPr>
-        <p:spPr/>
-        <p:txBody>
-          <a:bodyPr/>
-          <a:lstStyle/>
-          <a:p>
-            <a:r>
-              <a:rPr lang="zh-CN" altLang="en-US" dirty="0"/>
-              <a:t>组件图</a:t>
-            </a:r>
-          </a:p>
-        </p:txBody>
-      </p:sp>
-      <p:pic>
-        <p:nvPicPr>
-          <p:cNvPr id="5" name="内容占位符 4">
-            <a:extLst>
-              <a:ext uri="{FF2B5EF4-FFF2-40B4-BE49-F238E27FC236}">
-                <a16:creationId xmlns:a16="http://schemas.microsoft.com/office/drawing/2014/main" id="{8E7E9E31-A9B5-C046-4CC5-A31ECDA3CA89}"/>
-              </a:ext>
-            </a:extLst>
-          </p:cNvPr>
-          <p:cNvPicPr>
-            <a:picLocks noGrp="1" noChangeAspect="1"/>
-          </p:cNvPicPr>
-          <p:nvPr>
-            <p:ph idx="1"/>
-          </p:nvPr>
-        </p:nvPicPr>
-        <p:blipFill>
-          <a:blip r:embed="rId2"/>
-          <a:stretch>
-            <a:fillRect/>
-          </a:stretch>
-        </p:blipFill>
-        <p:spPr>
-          <a:xfrm>
-            <a:off x="4446653" y="1763727"/>
-            <a:ext cx="3288046" cy="4120607"/>
-          </a:xfrm>
-        </p:spPr>
-      </p:pic>
-    </p:spTree>
-    <p:extLst>
-      <p:ext uri="{BB962C8B-B14F-4D97-AF65-F5344CB8AC3E}">
-        <p14:creationId xmlns:p14="http://schemas.microsoft.com/office/powerpoint/2010/main" val="2194964951"/>
-      </p:ext>
-    </p:extLst>
-  </p:cSld>
-  <p:clrMapOvr>
-    <a:masterClrMapping/>
-  </p:clrMapOvr>
-</p:sld>
-</file>
-
-<file path=ppt/slides/slide11.xml><?xml version="1.0" encoding="utf-8"?>
-<p:sld xmlns:a="http://schemas.openxmlformats.org/drawingml/2006/main" xmlns:r="http://schemas.openxmlformats.org/officeDocument/2006/relationships" xmlns:p="http://schemas.openxmlformats.org/presentationml/2006/main">
-  <p:cSld>
-    <p:spTree>
-      <p:nvGrpSpPr>
-        <p:cNvPr id="1" name=""/>
-        <p:cNvGrpSpPr/>
-        <p:nvPr/>
-      </p:nvGrpSpPr>
-      <p:grpSpPr>
-        <a:xfrm>
-          <a:off x="0" y="0"/>
-          <a:ext cx="0" cy="0"/>
-          <a:chOff x="0" y="0"/>
-          <a:chExt cx="0" cy="0"/>
-        </a:xfrm>
-      </p:grpSpPr>
-      <p:sp>
-        <p:nvSpPr>
-          <p:cNvPr id="2" name="标题 1">
-            <a:extLst>
-              <a:ext uri="{FF2B5EF4-FFF2-40B4-BE49-F238E27FC236}">
-                <a16:creationId xmlns:a16="http://schemas.microsoft.com/office/drawing/2014/main" id="{D55E95CF-2856-1F3B-03CB-CAEB6894133C}"/>
-              </a:ext>
-            </a:extLst>
-          </p:cNvPr>
-          <p:cNvSpPr>
-            <a:spLocks noGrp="1"/>
-          </p:cNvSpPr>
-          <p:nvPr>
-            <p:ph type="title"/>
-          </p:nvPr>
-        </p:nvSpPr>
-        <p:spPr/>
-        <p:txBody>
-          <a:bodyPr/>
-          <a:lstStyle/>
-          <a:p>
-            <a:r>
-              <a:rPr lang="zh-CN" altLang="en-US" dirty="0"/>
-              <a:t>流程设计</a:t>
-            </a:r>
-          </a:p>
-        </p:txBody>
-      </p:sp>
-      <p:sp>
-        <p:nvSpPr>
-          <p:cNvPr id="3" name="内容占位符 2">
-            <a:extLst>
-              <a:ext uri="{FF2B5EF4-FFF2-40B4-BE49-F238E27FC236}">
-                <a16:creationId xmlns:a16="http://schemas.microsoft.com/office/drawing/2014/main" id="{7562F6A9-31C7-1BFD-53E5-B58DD5680A26}"/>
-              </a:ext>
-            </a:extLst>
-          </p:cNvPr>
-          <p:cNvSpPr>
-            <a:spLocks noGrp="1"/>
-          </p:cNvSpPr>
-          <p:nvPr>
-            <p:ph idx="1"/>
-          </p:nvPr>
-        </p:nvSpPr>
-        <p:spPr/>
-        <p:txBody>
-          <a:bodyPr/>
-          <a:lstStyle/>
-          <a:p>
-            <a:r>
-              <a:rPr lang="zh-CN" altLang="en-US" dirty="0"/>
-              <a:t>引擎组件设计</a:t>
-            </a:r>
-            <a:endParaRPr lang="en-US" altLang="zh-CN" dirty="0"/>
-          </a:p>
-          <a:p>
-            <a:r>
-              <a:rPr lang="zh-CN" altLang="en-US" dirty="0"/>
-              <a:t>项目抽象组件设计</a:t>
-            </a:r>
-            <a:endParaRPr lang="en-US" altLang="zh-CN" dirty="0"/>
-          </a:p>
-          <a:p>
-            <a:r>
-              <a:rPr lang="zh-CN" altLang="en-US" dirty="0"/>
-              <a:t>事实分析组件设计</a:t>
-            </a:r>
-            <a:endParaRPr lang="en-US" altLang="zh-CN" dirty="0"/>
-          </a:p>
-          <a:p>
-            <a:r>
-              <a:rPr lang="zh-CN" altLang="en-US" dirty="0"/>
-              <a:t>报告生成组件设计</a:t>
-            </a:r>
-            <a:endParaRPr lang="en-US" altLang="zh-CN" dirty="0"/>
-          </a:p>
-          <a:p>
-            <a:endParaRPr lang="zh-CN" altLang="en-US" dirty="0"/>
-          </a:p>
-        </p:txBody>
-      </p:sp>
-    </p:spTree>
-    <p:extLst>
-      <p:ext uri="{BB962C8B-B14F-4D97-AF65-F5344CB8AC3E}">
-        <p14:creationId xmlns:p14="http://schemas.microsoft.com/office/powerpoint/2010/main" val="1197326113"/>
-      </p:ext>
-    </p:extLst>
-  </p:cSld>
-  <p:clrMapOvr>
-    <a:masterClrMapping/>
-  </p:clrMapOvr>
-</p:sld>
-</file>
-
-<file path=ppt/slides/slide12.xml><?xml version="1.0" encoding="utf-8"?>
-<p:sld xmlns:a="http://schemas.openxmlformats.org/drawingml/2006/main" xmlns:r="http://schemas.openxmlformats.org/officeDocument/2006/relationships" xmlns:p="http://schemas.openxmlformats.org/presentationml/2006/main">
-  <p:cSld>
-    <p:spTree>
-      <p:nvGrpSpPr>
-        <p:cNvPr id="1" name=""/>
-        <p:cNvGrpSpPr/>
-        <p:nvPr/>
-      </p:nvGrpSpPr>
-      <p:grpSpPr>
-        <a:xfrm>
-          <a:off x="0" y="0"/>
-          <a:ext cx="0" cy="0"/>
-          <a:chOff x="0" y="0"/>
-          <a:chExt cx="0" cy="0"/>
-        </a:xfrm>
-      </p:grpSpPr>
-      <p:sp>
-        <p:nvSpPr>
-          <p:cNvPr id="2" name="标题 1">
-            <a:extLst>
-              <a:ext uri="{FF2B5EF4-FFF2-40B4-BE49-F238E27FC236}">
-                <a16:creationId xmlns:a16="http://schemas.microsoft.com/office/drawing/2014/main" id="{B77733A8-BD5D-BD18-CA84-3C205410E33D}"/>
-              </a:ext>
-            </a:extLst>
-          </p:cNvPr>
+          <p:cNvPr id="2" name="标题 1"/>
           <p:cNvSpPr>
             <a:spLocks noGrp="1"/>
           </p:cNvSpPr>
@@ -10378,16 +10087,8 @@
       </p:sp>
       <p:sp>
         <p:nvSpPr>
-          <p:cNvPr id="5" name="内容占位符 2">
-            <a:extLst>
-              <a:ext uri="{FF2B5EF4-FFF2-40B4-BE49-F238E27FC236}">
-                <a16:creationId xmlns:a16="http://schemas.microsoft.com/office/drawing/2014/main" id="{BA4198E9-178D-0096-B6B7-C635414F76DD}"/>
-              </a:ext>
-            </a:extLst>
-          </p:cNvPr>
-          <p:cNvSpPr txBox="1">
-            <a:spLocks/>
-          </p:cNvSpPr>
+          <p:cNvPr id="5" name="内容占位符 2"/>
+          <p:cNvSpPr txBox="1"/>
           <p:nvPr/>
         </p:nvSpPr>
         <p:spPr>
@@ -10411,7 +10112,7 @@
             <a:normAutofit/>
           </a:bodyPr>
           <a:lstStyle>
-            <a:lvl1pPr marL="342900" indent="-306000" algn="l" defTabSz="457200" rtl="0" eaLnBrk="1" latinLnBrk="0" hangingPunct="1">
+            <a:lvl1pPr marL="342900" indent="-306070" algn="l" defTabSz="457200" rtl="0" eaLnBrk="1" latinLnBrk="0" hangingPunct="1">
               <a:spcBef>
                 <a:spcPct val="20000"/>
               </a:spcBef>
@@ -10449,7 +10150,7 @@
                 <a:cs typeface="+mn-cs"/>
               </a:defRPr>
             </a:lvl1pPr>
-            <a:lvl2pPr marL="720000" indent="-270000" algn="l" defTabSz="457200" rtl="0" eaLnBrk="1" latinLnBrk="0" hangingPunct="1">
+            <a:lvl2pPr marL="720090" indent="-269875" algn="l" defTabSz="457200" rtl="0" eaLnBrk="1" latinLnBrk="0" hangingPunct="1">
               <a:spcBef>
                 <a:spcPct val="20000"/>
               </a:spcBef>
@@ -10487,7 +10188,7 @@
                 <a:cs typeface="+mn-cs"/>
               </a:defRPr>
             </a:lvl2pPr>
-            <a:lvl3pPr marL="1026000" indent="-216000" algn="l" defTabSz="457200" rtl="0" eaLnBrk="1" latinLnBrk="0" hangingPunct="1">
+            <a:lvl3pPr marL="1026160" indent="-215900" algn="l" defTabSz="457200" rtl="0" eaLnBrk="1" latinLnBrk="0" hangingPunct="1">
               <a:spcBef>
                 <a:spcPct val="20000"/>
               </a:spcBef>
@@ -10525,7 +10226,7 @@
                 <a:cs typeface="+mn-cs"/>
               </a:defRPr>
             </a:lvl3pPr>
-            <a:lvl4pPr marL="1386000" indent="-216000" algn="l" defTabSz="457200" rtl="0" eaLnBrk="1" latinLnBrk="0" hangingPunct="1">
+            <a:lvl4pPr marL="1386205" indent="-215900" algn="l" defTabSz="457200" rtl="0" eaLnBrk="1" latinLnBrk="0" hangingPunct="1">
               <a:spcBef>
                 <a:spcPct val="20000"/>
               </a:spcBef>
@@ -10563,7 +10264,7 @@
                 <a:cs typeface="+mn-cs"/>
               </a:defRPr>
             </a:lvl4pPr>
-            <a:lvl5pPr marL="1674000" indent="-216000" algn="l" defTabSz="457200" rtl="0" eaLnBrk="1" latinLnBrk="0" hangingPunct="1">
+            <a:lvl5pPr marL="1673860" indent="-215900" algn="l" defTabSz="457200" rtl="0" eaLnBrk="1" latinLnBrk="0" hangingPunct="1">
               <a:spcBef>
                 <a:spcPct val="20000"/>
               </a:spcBef>
@@ -10601,7 +10302,7 @@
                 <a:cs typeface="+mn-cs"/>
               </a:defRPr>
             </a:lvl5pPr>
-            <a:lvl6pPr marL="2014600" indent="-228600" algn="l" defTabSz="457200" rtl="0" eaLnBrk="1" latinLnBrk="0" hangingPunct="1">
+            <a:lvl6pPr marL="2014855" indent="-228600" algn="l" defTabSz="457200" rtl="0" eaLnBrk="1" latinLnBrk="0" hangingPunct="1">
               <a:spcBef>
                 <a:spcPct val="20000"/>
               </a:spcBef>
@@ -10639,7 +10340,7 @@
                 <a:cs typeface="+mn-cs"/>
               </a:defRPr>
             </a:lvl6pPr>
-            <a:lvl7pPr marL="2401800" indent="-228600" algn="l" defTabSz="457200" rtl="0" eaLnBrk="1" latinLnBrk="0" hangingPunct="1">
+            <a:lvl7pPr marL="2401570" indent="-228600" algn="l" defTabSz="457200" rtl="0" eaLnBrk="1" latinLnBrk="0" hangingPunct="1">
               <a:spcBef>
                 <a:spcPct val="20000"/>
               </a:spcBef>
@@ -10677,7 +10378,7 @@
                 <a:cs typeface="+mn-cs"/>
               </a:defRPr>
             </a:lvl7pPr>
-            <a:lvl8pPr marL="2789000" indent="-228600" algn="l" defTabSz="457200" rtl="0" eaLnBrk="1" latinLnBrk="0" hangingPunct="1">
+            <a:lvl8pPr marL="2788920" indent="-228600" algn="l" defTabSz="457200" rtl="0" eaLnBrk="1" latinLnBrk="0" hangingPunct="1">
               <a:spcBef>
                 <a:spcPct val="20000"/>
               </a:spcBef>
@@ -10715,7 +10416,7 @@
                 <a:cs typeface="+mn-cs"/>
               </a:defRPr>
             </a:lvl8pPr>
-            <a:lvl9pPr marL="3106200" indent="-228600" algn="l" defTabSz="457200" rtl="0" eaLnBrk="1" latinLnBrk="0" hangingPunct="1">
+            <a:lvl9pPr marL="3106420" indent="-228600" algn="l" defTabSz="457200" rtl="0" eaLnBrk="1" latinLnBrk="0" hangingPunct="1">
               <a:spcBef>
                 <a:spcPct val="20000"/>
               </a:spcBef>
@@ -10768,7 +10469,7 @@
             </a:r>
           </a:p>
           <a:p>
-            <a:pPr marL="377100" lvl="1" indent="0">
+            <a:pPr marL="377190" lvl="1" indent="0">
               <a:lnSpc>
                 <a:spcPct val="150000"/>
               </a:lnSpc>
@@ -10778,7 +10479,7 @@
             <a:endParaRPr lang="en-US" altLang="zh-CN" sz="1200" dirty="0"/>
           </a:p>
           <a:p>
-            <a:pPr marL="377100" lvl="1" indent="0">
+            <a:pPr marL="377190" lvl="1" indent="0">
               <a:lnSpc>
                 <a:spcPct val="150000"/>
               </a:lnSpc>
@@ -10791,13 +10492,7 @@
       </p:sp>
       <p:pic>
         <p:nvPicPr>
-          <p:cNvPr id="4" name="图片 3">
-            <a:extLst>
-              <a:ext uri="{FF2B5EF4-FFF2-40B4-BE49-F238E27FC236}">
-                <a16:creationId xmlns:a16="http://schemas.microsoft.com/office/drawing/2014/main" id="{0E57B277-BDD7-D7BC-1158-8E6972632962}"/>
-              </a:ext>
-            </a:extLst>
-          </p:cNvPr>
+          <p:cNvPr id="4" name="图片 3"/>
           <p:cNvPicPr>
             <a:picLocks noChangeAspect="1"/>
           </p:cNvPicPr>
@@ -10821,13 +10516,7 @@
       </p:pic>
       <p:sp>
         <p:nvSpPr>
-          <p:cNvPr id="8" name="文本框 7">
-            <a:extLst>
-              <a:ext uri="{FF2B5EF4-FFF2-40B4-BE49-F238E27FC236}">
-                <a16:creationId xmlns:a16="http://schemas.microsoft.com/office/drawing/2014/main" id="{20DD03D0-246F-78E3-2001-E14FA85F4C4A}"/>
-              </a:ext>
-            </a:extLst>
-          </p:cNvPr>
+          <p:cNvPr id="8" name="文本框 7"/>
           <p:cNvSpPr txBox="1"/>
           <p:nvPr/>
         </p:nvSpPr>
@@ -10874,11 +10563,6 @@
         </p:txBody>
       </p:sp>
     </p:spTree>
-    <p:extLst>
-      <p:ext uri="{BB962C8B-B14F-4D97-AF65-F5344CB8AC3E}">
-        <p14:creationId xmlns:p14="http://schemas.microsoft.com/office/powerpoint/2010/main" val="3490698097"/>
-      </p:ext>
-    </p:extLst>
   </p:cSld>
   <p:clrMapOvr>
     <a:masterClrMapping/>
@@ -10886,7 +10570,7 @@
 </p:sld>
 </file>
 
-<file path=ppt/slides/slide13.xml><?xml version="1.0" encoding="utf-8"?>
+<file path=ppt/slides/slide11.xml><?xml version="1.0" encoding="utf-8"?>
 <p:sld xmlns:a="http://schemas.openxmlformats.org/drawingml/2006/main" xmlns:r="http://schemas.openxmlformats.org/officeDocument/2006/relationships" xmlns:p="http://schemas.openxmlformats.org/presentationml/2006/main">
   <p:cSld>
     <p:spTree>
@@ -10905,13 +10589,7 @@
       </p:grpSpPr>
       <p:sp>
         <p:nvSpPr>
-          <p:cNvPr id="2" name="标题 1">
-            <a:extLst>
-              <a:ext uri="{FF2B5EF4-FFF2-40B4-BE49-F238E27FC236}">
-                <a16:creationId xmlns:a16="http://schemas.microsoft.com/office/drawing/2014/main" id="{B77733A8-BD5D-BD18-CA84-3C205410E33D}"/>
-              </a:ext>
-            </a:extLst>
-          </p:cNvPr>
+          <p:cNvPr id="2" name="标题 1"/>
           <p:cNvSpPr>
             <a:spLocks noGrp="1"/>
           </p:cNvSpPr>
@@ -10938,16 +10616,8 @@
       </p:sp>
       <p:sp>
         <p:nvSpPr>
-          <p:cNvPr id="5" name="内容占位符 2">
-            <a:extLst>
-              <a:ext uri="{FF2B5EF4-FFF2-40B4-BE49-F238E27FC236}">
-                <a16:creationId xmlns:a16="http://schemas.microsoft.com/office/drawing/2014/main" id="{BA4198E9-178D-0096-B6B7-C635414F76DD}"/>
-              </a:ext>
-            </a:extLst>
-          </p:cNvPr>
-          <p:cNvSpPr txBox="1">
-            <a:spLocks/>
-          </p:cNvSpPr>
+          <p:cNvPr id="5" name="内容占位符 2"/>
+          <p:cNvSpPr txBox="1"/>
           <p:nvPr/>
         </p:nvSpPr>
         <p:spPr>
@@ -10971,7 +10641,7 @@
             <a:normAutofit/>
           </a:bodyPr>
           <a:lstStyle>
-            <a:lvl1pPr marL="342900" indent="-306000" algn="l" defTabSz="457200" rtl="0" eaLnBrk="1" latinLnBrk="0" hangingPunct="1">
+            <a:lvl1pPr marL="342900" indent="-306070" algn="l" defTabSz="457200" rtl="0" eaLnBrk="1" latinLnBrk="0" hangingPunct="1">
               <a:spcBef>
                 <a:spcPct val="20000"/>
               </a:spcBef>
@@ -11009,7 +10679,7 @@
                 <a:cs typeface="+mn-cs"/>
               </a:defRPr>
             </a:lvl1pPr>
-            <a:lvl2pPr marL="720000" indent="-270000" algn="l" defTabSz="457200" rtl="0" eaLnBrk="1" latinLnBrk="0" hangingPunct="1">
+            <a:lvl2pPr marL="720090" indent="-269875" algn="l" defTabSz="457200" rtl="0" eaLnBrk="1" latinLnBrk="0" hangingPunct="1">
               <a:spcBef>
                 <a:spcPct val="20000"/>
               </a:spcBef>
@@ -11047,7 +10717,7 @@
                 <a:cs typeface="+mn-cs"/>
               </a:defRPr>
             </a:lvl2pPr>
-            <a:lvl3pPr marL="1026000" indent="-216000" algn="l" defTabSz="457200" rtl="0" eaLnBrk="1" latinLnBrk="0" hangingPunct="1">
+            <a:lvl3pPr marL="1026160" indent="-215900" algn="l" defTabSz="457200" rtl="0" eaLnBrk="1" latinLnBrk="0" hangingPunct="1">
               <a:spcBef>
                 <a:spcPct val="20000"/>
               </a:spcBef>
@@ -11085,7 +10755,7 @@
                 <a:cs typeface="+mn-cs"/>
               </a:defRPr>
             </a:lvl3pPr>
-            <a:lvl4pPr marL="1386000" indent="-216000" algn="l" defTabSz="457200" rtl="0" eaLnBrk="1" latinLnBrk="0" hangingPunct="1">
+            <a:lvl4pPr marL="1386205" indent="-215900" algn="l" defTabSz="457200" rtl="0" eaLnBrk="1" latinLnBrk="0" hangingPunct="1">
               <a:spcBef>
                 <a:spcPct val="20000"/>
               </a:spcBef>
@@ -11123,7 +10793,7 @@
                 <a:cs typeface="+mn-cs"/>
               </a:defRPr>
             </a:lvl4pPr>
-            <a:lvl5pPr marL="1674000" indent="-216000" algn="l" defTabSz="457200" rtl="0" eaLnBrk="1" latinLnBrk="0" hangingPunct="1">
+            <a:lvl5pPr marL="1673860" indent="-215900" algn="l" defTabSz="457200" rtl="0" eaLnBrk="1" latinLnBrk="0" hangingPunct="1">
               <a:spcBef>
                 <a:spcPct val="20000"/>
               </a:spcBef>
@@ -11161,7 +10831,7 @@
                 <a:cs typeface="+mn-cs"/>
               </a:defRPr>
             </a:lvl5pPr>
-            <a:lvl6pPr marL="2014600" indent="-228600" algn="l" defTabSz="457200" rtl="0" eaLnBrk="1" latinLnBrk="0" hangingPunct="1">
+            <a:lvl6pPr marL="2014855" indent="-228600" algn="l" defTabSz="457200" rtl="0" eaLnBrk="1" latinLnBrk="0" hangingPunct="1">
               <a:spcBef>
                 <a:spcPct val="20000"/>
               </a:spcBef>
@@ -11199,7 +10869,7 @@
                 <a:cs typeface="+mn-cs"/>
               </a:defRPr>
             </a:lvl6pPr>
-            <a:lvl7pPr marL="2401800" indent="-228600" algn="l" defTabSz="457200" rtl="0" eaLnBrk="1" latinLnBrk="0" hangingPunct="1">
+            <a:lvl7pPr marL="2401570" indent="-228600" algn="l" defTabSz="457200" rtl="0" eaLnBrk="1" latinLnBrk="0" hangingPunct="1">
               <a:spcBef>
                 <a:spcPct val="20000"/>
               </a:spcBef>
@@ -11237,7 +10907,7 @@
                 <a:cs typeface="+mn-cs"/>
               </a:defRPr>
             </a:lvl7pPr>
-            <a:lvl8pPr marL="2789000" indent="-228600" algn="l" defTabSz="457200" rtl="0" eaLnBrk="1" latinLnBrk="0" hangingPunct="1">
+            <a:lvl8pPr marL="2788920" indent="-228600" algn="l" defTabSz="457200" rtl="0" eaLnBrk="1" latinLnBrk="0" hangingPunct="1">
               <a:spcBef>
                 <a:spcPct val="20000"/>
               </a:spcBef>
@@ -11275,7 +10945,7 @@
                 <a:cs typeface="+mn-cs"/>
               </a:defRPr>
             </a:lvl8pPr>
-            <a:lvl9pPr marL="3106200" indent="-228600" algn="l" defTabSz="457200" rtl="0" eaLnBrk="1" latinLnBrk="0" hangingPunct="1">
+            <a:lvl9pPr marL="3106420" indent="-228600" algn="l" defTabSz="457200" rtl="0" eaLnBrk="1" latinLnBrk="0" hangingPunct="1">
               <a:spcBef>
                 <a:spcPct val="20000"/>
               </a:spcBef>
@@ -11328,7 +10998,7 @@
             </a:r>
           </a:p>
           <a:p>
-            <a:pPr marL="377100" lvl="1" indent="0">
+            <a:pPr marL="377190" lvl="1" indent="0">
               <a:lnSpc>
                 <a:spcPct val="150000"/>
               </a:lnSpc>
@@ -11338,7 +11008,7 @@
             <a:endParaRPr lang="en-US" altLang="zh-CN" sz="1200" dirty="0"/>
           </a:p>
           <a:p>
-            <a:pPr marL="377100" lvl="1" indent="0">
+            <a:pPr marL="377190" lvl="1" indent="0">
               <a:lnSpc>
                 <a:spcPct val="150000"/>
               </a:lnSpc>
@@ -11351,13 +11021,7 @@
       </p:sp>
       <p:sp>
         <p:nvSpPr>
-          <p:cNvPr id="8" name="文本框 7">
-            <a:extLst>
-              <a:ext uri="{FF2B5EF4-FFF2-40B4-BE49-F238E27FC236}">
-                <a16:creationId xmlns:a16="http://schemas.microsoft.com/office/drawing/2014/main" id="{20DD03D0-246F-78E3-2001-E14FA85F4C4A}"/>
-              </a:ext>
-            </a:extLst>
-          </p:cNvPr>
+          <p:cNvPr id="8" name="文本框 7"/>
           <p:cNvSpPr txBox="1"/>
           <p:nvPr/>
         </p:nvSpPr>
@@ -11410,13 +11074,7 @@
       </p:sp>
       <p:pic>
         <p:nvPicPr>
-          <p:cNvPr id="6" name="图片 5">
-            <a:extLst>
-              <a:ext uri="{FF2B5EF4-FFF2-40B4-BE49-F238E27FC236}">
-                <a16:creationId xmlns:a16="http://schemas.microsoft.com/office/drawing/2014/main" id="{91498450-0B02-5205-879A-C48307DBE202}"/>
-              </a:ext>
-            </a:extLst>
-          </p:cNvPr>
+          <p:cNvPr id="6" name="图片 5"/>
           <p:cNvPicPr>
             <a:picLocks noChangeAspect="1"/>
           </p:cNvPicPr>
@@ -11439,11 +11097,6 @@
         </p:spPr>
       </p:pic>
     </p:spTree>
-    <p:extLst>
-      <p:ext uri="{BB962C8B-B14F-4D97-AF65-F5344CB8AC3E}">
-        <p14:creationId xmlns:p14="http://schemas.microsoft.com/office/powerpoint/2010/main" val="2373960450"/>
-      </p:ext>
-    </p:extLst>
   </p:cSld>
   <p:clrMapOvr>
     <a:masterClrMapping/>
@@ -11451,7 +11104,7 @@
 </p:sld>
 </file>
 
-<file path=ppt/slides/slide14.xml><?xml version="1.0" encoding="utf-8"?>
+<file path=ppt/slides/slide12.xml><?xml version="1.0" encoding="utf-8"?>
 <p:sld xmlns:a="http://schemas.openxmlformats.org/drawingml/2006/main" xmlns:r="http://schemas.openxmlformats.org/officeDocument/2006/relationships" xmlns:p="http://schemas.openxmlformats.org/presentationml/2006/main">
   <p:cSld>
     <p:spTree>
@@ -11470,13 +11123,7 @@
       </p:grpSpPr>
       <p:sp>
         <p:nvSpPr>
-          <p:cNvPr id="2" name="标题 1">
-            <a:extLst>
-              <a:ext uri="{FF2B5EF4-FFF2-40B4-BE49-F238E27FC236}">
-                <a16:creationId xmlns:a16="http://schemas.microsoft.com/office/drawing/2014/main" id="{B77733A8-BD5D-BD18-CA84-3C205410E33D}"/>
-              </a:ext>
-            </a:extLst>
-          </p:cNvPr>
+          <p:cNvPr id="2" name="标题 1"/>
           <p:cNvSpPr>
             <a:spLocks noGrp="1"/>
           </p:cNvSpPr>
@@ -11503,16 +11150,8 @@
       </p:sp>
       <p:sp>
         <p:nvSpPr>
-          <p:cNvPr id="5" name="内容占位符 2">
-            <a:extLst>
-              <a:ext uri="{FF2B5EF4-FFF2-40B4-BE49-F238E27FC236}">
-                <a16:creationId xmlns:a16="http://schemas.microsoft.com/office/drawing/2014/main" id="{BA4198E9-178D-0096-B6B7-C635414F76DD}"/>
-              </a:ext>
-            </a:extLst>
-          </p:cNvPr>
-          <p:cNvSpPr txBox="1">
-            <a:spLocks/>
-          </p:cNvSpPr>
+          <p:cNvPr id="5" name="内容占位符 2"/>
+          <p:cNvSpPr txBox="1"/>
           <p:nvPr/>
         </p:nvSpPr>
         <p:spPr>
@@ -11536,7 +11175,7 @@
             <a:normAutofit/>
           </a:bodyPr>
           <a:lstStyle>
-            <a:lvl1pPr marL="342900" indent="-306000" algn="l" defTabSz="457200" rtl="0" eaLnBrk="1" latinLnBrk="0" hangingPunct="1">
+            <a:lvl1pPr marL="342900" indent="-306070" algn="l" defTabSz="457200" rtl="0" eaLnBrk="1" latinLnBrk="0" hangingPunct="1">
               <a:spcBef>
                 <a:spcPct val="20000"/>
               </a:spcBef>
@@ -11574,7 +11213,7 @@
                 <a:cs typeface="+mn-cs"/>
               </a:defRPr>
             </a:lvl1pPr>
-            <a:lvl2pPr marL="720000" indent="-270000" algn="l" defTabSz="457200" rtl="0" eaLnBrk="1" latinLnBrk="0" hangingPunct="1">
+            <a:lvl2pPr marL="720090" indent="-269875" algn="l" defTabSz="457200" rtl="0" eaLnBrk="1" latinLnBrk="0" hangingPunct="1">
               <a:spcBef>
                 <a:spcPct val="20000"/>
               </a:spcBef>
@@ -11612,7 +11251,7 @@
                 <a:cs typeface="+mn-cs"/>
               </a:defRPr>
             </a:lvl2pPr>
-            <a:lvl3pPr marL="1026000" indent="-216000" algn="l" defTabSz="457200" rtl="0" eaLnBrk="1" latinLnBrk="0" hangingPunct="1">
+            <a:lvl3pPr marL="1026160" indent="-215900" algn="l" defTabSz="457200" rtl="0" eaLnBrk="1" latinLnBrk="0" hangingPunct="1">
               <a:spcBef>
                 <a:spcPct val="20000"/>
               </a:spcBef>
@@ -11650,7 +11289,7 @@
                 <a:cs typeface="+mn-cs"/>
               </a:defRPr>
             </a:lvl3pPr>
-            <a:lvl4pPr marL="1386000" indent="-216000" algn="l" defTabSz="457200" rtl="0" eaLnBrk="1" latinLnBrk="0" hangingPunct="1">
+            <a:lvl4pPr marL="1386205" indent="-215900" algn="l" defTabSz="457200" rtl="0" eaLnBrk="1" latinLnBrk="0" hangingPunct="1">
               <a:spcBef>
                 <a:spcPct val="20000"/>
               </a:spcBef>
@@ -11688,7 +11327,7 @@
                 <a:cs typeface="+mn-cs"/>
               </a:defRPr>
             </a:lvl4pPr>
-            <a:lvl5pPr marL="1674000" indent="-216000" algn="l" defTabSz="457200" rtl="0" eaLnBrk="1" latinLnBrk="0" hangingPunct="1">
+            <a:lvl5pPr marL="1673860" indent="-215900" algn="l" defTabSz="457200" rtl="0" eaLnBrk="1" latinLnBrk="0" hangingPunct="1">
               <a:spcBef>
                 <a:spcPct val="20000"/>
               </a:spcBef>
@@ -11726,7 +11365,7 @@
                 <a:cs typeface="+mn-cs"/>
               </a:defRPr>
             </a:lvl5pPr>
-            <a:lvl6pPr marL="2014600" indent="-228600" algn="l" defTabSz="457200" rtl="0" eaLnBrk="1" latinLnBrk="0" hangingPunct="1">
+            <a:lvl6pPr marL="2014855" indent="-228600" algn="l" defTabSz="457200" rtl="0" eaLnBrk="1" latinLnBrk="0" hangingPunct="1">
               <a:spcBef>
                 <a:spcPct val="20000"/>
               </a:spcBef>
@@ -11764,7 +11403,7 @@
                 <a:cs typeface="+mn-cs"/>
               </a:defRPr>
             </a:lvl6pPr>
-            <a:lvl7pPr marL="2401800" indent="-228600" algn="l" defTabSz="457200" rtl="0" eaLnBrk="1" latinLnBrk="0" hangingPunct="1">
+            <a:lvl7pPr marL="2401570" indent="-228600" algn="l" defTabSz="457200" rtl="0" eaLnBrk="1" latinLnBrk="0" hangingPunct="1">
               <a:spcBef>
                 <a:spcPct val="20000"/>
               </a:spcBef>
@@ -11802,7 +11441,7 @@
                 <a:cs typeface="+mn-cs"/>
               </a:defRPr>
             </a:lvl7pPr>
-            <a:lvl8pPr marL="2789000" indent="-228600" algn="l" defTabSz="457200" rtl="0" eaLnBrk="1" latinLnBrk="0" hangingPunct="1">
+            <a:lvl8pPr marL="2788920" indent="-228600" algn="l" defTabSz="457200" rtl="0" eaLnBrk="1" latinLnBrk="0" hangingPunct="1">
               <a:spcBef>
                 <a:spcPct val="20000"/>
               </a:spcBef>
@@ -11840,7 +11479,7 @@
                 <a:cs typeface="+mn-cs"/>
               </a:defRPr>
             </a:lvl8pPr>
-            <a:lvl9pPr marL="3106200" indent="-228600" algn="l" defTabSz="457200" rtl="0" eaLnBrk="1" latinLnBrk="0" hangingPunct="1">
+            <a:lvl9pPr marL="3106420" indent="-228600" algn="l" defTabSz="457200" rtl="0" eaLnBrk="1" latinLnBrk="0" hangingPunct="1">
               <a:spcBef>
                 <a:spcPct val="20000"/>
               </a:spcBef>
@@ -11893,7 +11532,7 @@
             </a:r>
           </a:p>
           <a:p>
-            <a:pPr marL="377100" lvl="1" indent="0">
+            <a:pPr marL="377190" lvl="1" indent="0">
               <a:lnSpc>
                 <a:spcPct val="150000"/>
               </a:lnSpc>
@@ -11903,7 +11542,7 @@
             <a:endParaRPr lang="en-US" altLang="zh-CN" sz="1200" dirty="0"/>
           </a:p>
           <a:p>
-            <a:pPr marL="377100" lvl="1" indent="0">
+            <a:pPr marL="377190" lvl="1" indent="0">
               <a:lnSpc>
                 <a:spcPct val="150000"/>
               </a:lnSpc>
@@ -11916,13 +11555,7 @@
       </p:sp>
       <p:sp>
         <p:nvSpPr>
-          <p:cNvPr id="8" name="文本框 7">
-            <a:extLst>
-              <a:ext uri="{FF2B5EF4-FFF2-40B4-BE49-F238E27FC236}">
-                <a16:creationId xmlns:a16="http://schemas.microsoft.com/office/drawing/2014/main" id="{20DD03D0-246F-78E3-2001-E14FA85F4C4A}"/>
-              </a:ext>
-            </a:extLst>
-          </p:cNvPr>
+          <p:cNvPr id="8" name="文本框 7"/>
           <p:cNvSpPr txBox="1"/>
           <p:nvPr/>
         </p:nvSpPr>
@@ -12023,13 +11656,7 @@
       </p:sp>
       <p:pic>
         <p:nvPicPr>
-          <p:cNvPr id="4" name="图片 3">
-            <a:extLst>
-              <a:ext uri="{FF2B5EF4-FFF2-40B4-BE49-F238E27FC236}">
-                <a16:creationId xmlns:a16="http://schemas.microsoft.com/office/drawing/2014/main" id="{762A497D-DE6A-AB89-A984-14F596662FA7}"/>
-              </a:ext>
-            </a:extLst>
-          </p:cNvPr>
+          <p:cNvPr id="4" name="图片 3"/>
           <p:cNvPicPr>
             <a:picLocks noChangeAspect="1"/>
           </p:cNvPicPr>
@@ -12052,11 +11679,6 @@
         </p:spPr>
       </p:pic>
     </p:spTree>
-    <p:extLst>
-      <p:ext uri="{BB962C8B-B14F-4D97-AF65-F5344CB8AC3E}">
-        <p14:creationId xmlns:p14="http://schemas.microsoft.com/office/powerpoint/2010/main" val="2157834187"/>
-      </p:ext>
-    </p:extLst>
   </p:cSld>
   <p:clrMapOvr>
     <a:masterClrMapping/>
@@ -12064,7 +11686,7 @@
 </p:sld>
 </file>
 
-<file path=ppt/slides/slide15.xml><?xml version="1.0" encoding="utf-8"?>
+<file path=ppt/slides/slide13.xml><?xml version="1.0" encoding="utf-8"?>
 <p:sld xmlns:a="http://schemas.openxmlformats.org/drawingml/2006/main" xmlns:r="http://schemas.openxmlformats.org/officeDocument/2006/relationships" xmlns:p="http://schemas.openxmlformats.org/presentationml/2006/main">
   <p:cSld>
     <p:spTree>
@@ -12083,13 +11705,7 @@
       </p:grpSpPr>
       <p:sp>
         <p:nvSpPr>
-          <p:cNvPr id="2" name="标题 1">
-            <a:extLst>
-              <a:ext uri="{FF2B5EF4-FFF2-40B4-BE49-F238E27FC236}">
-                <a16:creationId xmlns:a16="http://schemas.microsoft.com/office/drawing/2014/main" id="{B77733A8-BD5D-BD18-CA84-3C205410E33D}"/>
-              </a:ext>
-            </a:extLst>
-          </p:cNvPr>
+          <p:cNvPr id="2" name="标题 1"/>
           <p:cNvSpPr>
             <a:spLocks noGrp="1"/>
           </p:cNvSpPr>
@@ -12116,16 +11732,8 @@
       </p:sp>
       <p:sp>
         <p:nvSpPr>
-          <p:cNvPr id="5" name="内容占位符 2">
-            <a:extLst>
-              <a:ext uri="{FF2B5EF4-FFF2-40B4-BE49-F238E27FC236}">
-                <a16:creationId xmlns:a16="http://schemas.microsoft.com/office/drawing/2014/main" id="{BA4198E9-178D-0096-B6B7-C635414F76DD}"/>
-              </a:ext>
-            </a:extLst>
-          </p:cNvPr>
-          <p:cNvSpPr txBox="1">
-            <a:spLocks/>
-          </p:cNvSpPr>
+          <p:cNvPr id="5" name="内容占位符 2"/>
+          <p:cNvSpPr txBox="1"/>
           <p:nvPr/>
         </p:nvSpPr>
         <p:spPr>
@@ -12149,7 +11757,7 @@
             <a:normAutofit/>
           </a:bodyPr>
           <a:lstStyle>
-            <a:lvl1pPr marL="342900" indent="-306000" algn="l" defTabSz="457200" rtl="0" eaLnBrk="1" latinLnBrk="0" hangingPunct="1">
+            <a:lvl1pPr marL="342900" indent="-306070" algn="l" defTabSz="457200" rtl="0" eaLnBrk="1" latinLnBrk="0" hangingPunct="1">
               <a:spcBef>
                 <a:spcPct val="20000"/>
               </a:spcBef>
@@ -12187,7 +11795,7 @@
                 <a:cs typeface="+mn-cs"/>
               </a:defRPr>
             </a:lvl1pPr>
-            <a:lvl2pPr marL="720000" indent="-270000" algn="l" defTabSz="457200" rtl="0" eaLnBrk="1" latinLnBrk="0" hangingPunct="1">
+            <a:lvl2pPr marL="720090" indent="-269875" algn="l" defTabSz="457200" rtl="0" eaLnBrk="1" latinLnBrk="0" hangingPunct="1">
               <a:spcBef>
                 <a:spcPct val="20000"/>
               </a:spcBef>
@@ -12225,7 +11833,7 @@
                 <a:cs typeface="+mn-cs"/>
               </a:defRPr>
             </a:lvl2pPr>
-            <a:lvl3pPr marL="1026000" indent="-216000" algn="l" defTabSz="457200" rtl="0" eaLnBrk="1" latinLnBrk="0" hangingPunct="1">
+            <a:lvl3pPr marL="1026160" indent="-215900" algn="l" defTabSz="457200" rtl="0" eaLnBrk="1" latinLnBrk="0" hangingPunct="1">
               <a:spcBef>
                 <a:spcPct val="20000"/>
               </a:spcBef>
@@ -12263,7 +11871,7 @@
                 <a:cs typeface="+mn-cs"/>
               </a:defRPr>
             </a:lvl3pPr>
-            <a:lvl4pPr marL="1386000" indent="-216000" algn="l" defTabSz="457200" rtl="0" eaLnBrk="1" latinLnBrk="0" hangingPunct="1">
+            <a:lvl4pPr marL="1386205" indent="-215900" algn="l" defTabSz="457200" rtl="0" eaLnBrk="1" latinLnBrk="0" hangingPunct="1">
               <a:spcBef>
                 <a:spcPct val="20000"/>
               </a:spcBef>
@@ -12301,7 +11909,7 @@
                 <a:cs typeface="+mn-cs"/>
               </a:defRPr>
             </a:lvl4pPr>
-            <a:lvl5pPr marL="1674000" indent="-216000" algn="l" defTabSz="457200" rtl="0" eaLnBrk="1" latinLnBrk="0" hangingPunct="1">
+            <a:lvl5pPr marL="1673860" indent="-215900" algn="l" defTabSz="457200" rtl="0" eaLnBrk="1" latinLnBrk="0" hangingPunct="1">
               <a:spcBef>
                 <a:spcPct val="20000"/>
               </a:spcBef>
@@ -12339,7 +11947,7 @@
                 <a:cs typeface="+mn-cs"/>
               </a:defRPr>
             </a:lvl5pPr>
-            <a:lvl6pPr marL="2014600" indent="-228600" algn="l" defTabSz="457200" rtl="0" eaLnBrk="1" latinLnBrk="0" hangingPunct="1">
+            <a:lvl6pPr marL="2014855" indent="-228600" algn="l" defTabSz="457200" rtl="0" eaLnBrk="1" latinLnBrk="0" hangingPunct="1">
               <a:spcBef>
                 <a:spcPct val="20000"/>
               </a:spcBef>
@@ -12377,7 +11985,7 @@
                 <a:cs typeface="+mn-cs"/>
               </a:defRPr>
             </a:lvl6pPr>
-            <a:lvl7pPr marL="2401800" indent="-228600" algn="l" defTabSz="457200" rtl="0" eaLnBrk="1" latinLnBrk="0" hangingPunct="1">
+            <a:lvl7pPr marL="2401570" indent="-228600" algn="l" defTabSz="457200" rtl="0" eaLnBrk="1" latinLnBrk="0" hangingPunct="1">
               <a:spcBef>
                 <a:spcPct val="20000"/>
               </a:spcBef>
@@ -12415,7 +12023,7 @@
                 <a:cs typeface="+mn-cs"/>
               </a:defRPr>
             </a:lvl7pPr>
-            <a:lvl8pPr marL="2789000" indent="-228600" algn="l" defTabSz="457200" rtl="0" eaLnBrk="1" latinLnBrk="0" hangingPunct="1">
+            <a:lvl8pPr marL="2788920" indent="-228600" algn="l" defTabSz="457200" rtl="0" eaLnBrk="1" latinLnBrk="0" hangingPunct="1">
               <a:spcBef>
                 <a:spcPct val="20000"/>
               </a:spcBef>
@@ -12453,7 +12061,7 @@
                 <a:cs typeface="+mn-cs"/>
               </a:defRPr>
             </a:lvl8pPr>
-            <a:lvl9pPr marL="3106200" indent="-228600" algn="l" defTabSz="457200" rtl="0" eaLnBrk="1" latinLnBrk="0" hangingPunct="1">
+            <a:lvl9pPr marL="3106420" indent="-228600" algn="l" defTabSz="457200" rtl="0" eaLnBrk="1" latinLnBrk="0" hangingPunct="1">
               <a:spcBef>
                 <a:spcPct val="20000"/>
               </a:spcBef>
@@ -12506,7 +12114,7 @@
             </a:r>
           </a:p>
           <a:p>
-            <a:pPr marL="377100" lvl="1" indent="0">
+            <a:pPr marL="377190" lvl="1" indent="0">
               <a:lnSpc>
                 <a:spcPct val="150000"/>
               </a:lnSpc>
@@ -12516,7 +12124,7 @@
             <a:endParaRPr lang="en-US" altLang="zh-CN" sz="1200" dirty="0"/>
           </a:p>
           <a:p>
-            <a:pPr marL="377100" lvl="1" indent="0">
+            <a:pPr marL="377190" lvl="1" indent="0">
               <a:lnSpc>
                 <a:spcPct val="150000"/>
               </a:lnSpc>
@@ -12529,13 +12137,7 @@
       </p:sp>
       <p:sp>
         <p:nvSpPr>
-          <p:cNvPr id="8" name="文本框 7">
-            <a:extLst>
-              <a:ext uri="{FF2B5EF4-FFF2-40B4-BE49-F238E27FC236}">
-                <a16:creationId xmlns:a16="http://schemas.microsoft.com/office/drawing/2014/main" id="{20DD03D0-246F-78E3-2001-E14FA85F4C4A}"/>
-              </a:ext>
-            </a:extLst>
-          </p:cNvPr>
+          <p:cNvPr id="8" name="文本框 7"/>
           <p:cNvSpPr txBox="1"/>
           <p:nvPr/>
         </p:nvSpPr>
@@ -12596,13 +12198,7 @@
       </p:sp>
       <p:pic>
         <p:nvPicPr>
-          <p:cNvPr id="4" name="图片 3">
-            <a:extLst>
-              <a:ext uri="{FF2B5EF4-FFF2-40B4-BE49-F238E27FC236}">
-                <a16:creationId xmlns:a16="http://schemas.microsoft.com/office/drawing/2014/main" id="{ABB7256B-814E-F1D1-2525-EDB8DDA3AD80}"/>
-              </a:ext>
-            </a:extLst>
-          </p:cNvPr>
+          <p:cNvPr id="4" name="图片 3"/>
           <p:cNvPicPr>
             <a:picLocks noChangeAspect="1"/>
           </p:cNvPicPr>
@@ -12625,11 +12221,6 @@
         </p:spPr>
       </p:pic>
     </p:spTree>
-    <p:extLst>
-      <p:ext uri="{BB962C8B-B14F-4D97-AF65-F5344CB8AC3E}">
-        <p14:creationId xmlns:p14="http://schemas.microsoft.com/office/powerpoint/2010/main" val="1662428486"/>
-      </p:ext>
-    </p:extLst>
   </p:cSld>
   <p:clrMapOvr>
     <a:masterClrMapping/>
@@ -12637,7 +12228,7 @@
 </p:sld>
 </file>
 
-<file path=ppt/slides/slide16.xml><?xml version="1.0" encoding="utf-8"?>
+<file path=ppt/slides/slide14.xml><?xml version="1.0" encoding="utf-8"?>
 <p:sld xmlns:a="http://schemas.openxmlformats.org/drawingml/2006/main" xmlns:r="http://schemas.openxmlformats.org/officeDocument/2006/relationships" xmlns:p="http://schemas.openxmlformats.org/presentationml/2006/main">
   <p:cSld>
     <p:spTree>
@@ -12656,13 +12247,7 @@
       </p:grpSpPr>
       <p:sp>
         <p:nvSpPr>
-          <p:cNvPr id="2" name="标题 1">
-            <a:extLst>
-              <a:ext uri="{FF2B5EF4-FFF2-40B4-BE49-F238E27FC236}">
-                <a16:creationId xmlns:a16="http://schemas.microsoft.com/office/drawing/2014/main" id="{B77733A8-BD5D-BD18-CA84-3C205410E33D}"/>
-              </a:ext>
-            </a:extLst>
-          </p:cNvPr>
+          <p:cNvPr id="2" name="标题 1"/>
           <p:cNvSpPr>
             <a:spLocks noGrp="1"/>
           </p:cNvSpPr>
@@ -12693,16 +12278,8 @@
       </p:sp>
       <p:sp>
         <p:nvSpPr>
-          <p:cNvPr id="5" name="内容占位符 2">
-            <a:extLst>
-              <a:ext uri="{FF2B5EF4-FFF2-40B4-BE49-F238E27FC236}">
-                <a16:creationId xmlns:a16="http://schemas.microsoft.com/office/drawing/2014/main" id="{BA4198E9-178D-0096-B6B7-C635414F76DD}"/>
-              </a:ext>
-            </a:extLst>
-          </p:cNvPr>
-          <p:cNvSpPr txBox="1">
-            <a:spLocks/>
-          </p:cNvSpPr>
+          <p:cNvPr id="5" name="内容占位符 2"/>
+          <p:cNvSpPr txBox="1"/>
           <p:nvPr/>
         </p:nvSpPr>
         <p:spPr>
@@ -12726,7 +12303,7 @@
             <a:normAutofit/>
           </a:bodyPr>
           <a:lstStyle>
-            <a:lvl1pPr marL="342900" indent="-306000" algn="l" defTabSz="457200" rtl="0" eaLnBrk="1" latinLnBrk="0" hangingPunct="1">
+            <a:lvl1pPr marL="342900" indent="-306070" algn="l" defTabSz="457200" rtl="0" eaLnBrk="1" latinLnBrk="0" hangingPunct="1">
               <a:spcBef>
                 <a:spcPct val="20000"/>
               </a:spcBef>
@@ -12764,7 +12341,7 @@
                 <a:cs typeface="+mn-cs"/>
               </a:defRPr>
             </a:lvl1pPr>
-            <a:lvl2pPr marL="720000" indent="-270000" algn="l" defTabSz="457200" rtl="0" eaLnBrk="1" latinLnBrk="0" hangingPunct="1">
+            <a:lvl2pPr marL="720090" indent="-269875" algn="l" defTabSz="457200" rtl="0" eaLnBrk="1" latinLnBrk="0" hangingPunct="1">
               <a:spcBef>
                 <a:spcPct val="20000"/>
               </a:spcBef>
@@ -12802,7 +12379,7 @@
                 <a:cs typeface="+mn-cs"/>
               </a:defRPr>
             </a:lvl2pPr>
-            <a:lvl3pPr marL="1026000" indent="-216000" algn="l" defTabSz="457200" rtl="0" eaLnBrk="1" latinLnBrk="0" hangingPunct="1">
+            <a:lvl3pPr marL="1026160" indent="-215900" algn="l" defTabSz="457200" rtl="0" eaLnBrk="1" latinLnBrk="0" hangingPunct="1">
               <a:spcBef>
                 <a:spcPct val="20000"/>
               </a:spcBef>
@@ -12840,7 +12417,7 @@
                 <a:cs typeface="+mn-cs"/>
               </a:defRPr>
             </a:lvl3pPr>
-            <a:lvl4pPr marL="1386000" indent="-216000" algn="l" defTabSz="457200" rtl="0" eaLnBrk="1" latinLnBrk="0" hangingPunct="1">
+            <a:lvl4pPr marL="1386205" indent="-215900" algn="l" defTabSz="457200" rtl="0" eaLnBrk="1" latinLnBrk="0" hangingPunct="1">
               <a:spcBef>
                 <a:spcPct val="20000"/>
               </a:spcBef>
@@ -12878,7 +12455,7 @@
                 <a:cs typeface="+mn-cs"/>
               </a:defRPr>
             </a:lvl4pPr>
-            <a:lvl5pPr marL="1674000" indent="-216000" algn="l" defTabSz="457200" rtl="0" eaLnBrk="1" latinLnBrk="0" hangingPunct="1">
+            <a:lvl5pPr marL="1673860" indent="-215900" algn="l" defTabSz="457200" rtl="0" eaLnBrk="1" latinLnBrk="0" hangingPunct="1">
               <a:spcBef>
                 <a:spcPct val="20000"/>
               </a:spcBef>
@@ -12916,7 +12493,7 @@
                 <a:cs typeface="+mn-cs"/>
               </a:defRPr>
             </a:lvl5pPr>
-            <a:lvl6pPr marL="2014600" indent="-228600" algn="l" defTabSz="457200" rtl="0" eaLnBrk="1" latinLnBrk="0" hangingPunct="1">
+            <a:lvl6pPr marL="2014855" indent="-228600" algn="l" defTabSz="457200" rtl="0" eaLnBrk="1" latinLnBrk="0" hangingPunct="1">
               <a:spcBef>
                 <a:spcPct val="20000"/>
               </a:spcBef>
@@ -12954,7 +12531,7 @@
                 <a:cs typeface="+mn-cs"/>
               </a:defRPr>
             </a:lvl6pPr>
-            <a:lvl7pPr marL="2401800" indent="-228600" algn="l" defTabSz="457200" rtl="0" eaLnBrk="1" latinLnBrk="0" hangingPunct="1">
+            <a:lvl7pPr marL="2401570" indent="-228600" algn="l" defTabSz="457200" rtl="0" eaLnBrk="1" latinLnBrk="0" hangingPunct="1">
               <a:spcBef>
                 <a:spcPct val="20000"/>
               </a:spcBef>
@@ -12992,7 +12569,7 @@
                 <a:cs typeface="+mn-cs"/>
               </a:defRPr>
             </a:lvl7pPr>
-            <a:lvl8pPr marL="2789000" indent="-228600" algn="l" defTabSz="457200" rtl="0" eaLnBrk="1" latinLnBrk="0" hangingPunct="1">
+            <a:lvl8pPr marL="2788920" indent="-228600" algn="l" defTabSz="457200" rtl="0" eaLnBrk="1" latinLnBrk="0" hangingPunct="1">
               <a:spcBef>
                 <a:spcPct val="20000"/>
               </a:spcBef>
@@ -13030,7 +12607,7 @@
                 <a:cs typeface="+mn-cs"/>
               </a:defRPr>
             </a:lvl8pPr>
-            <a:lvl9pPr marL="3106200" indent="-228600" algn="l" defTabSz="457200" rtl="0" eaLnBrk="1" latinLnBrk="0" hangingPunct="1">
+            <a:lvl9pPr marL="3106420" indent="-228600" algn="l" defTabSz="457200" rtl="0" eaLnBrk="1" latinLnBrk="0" hangingPunct="1">
               <a:spcBef>
                 <a:spcPct val="20000"/>
               </a:spcBef>
@@ -13083,7 +12660,7 @@
             </a:r>
           </a:p>
           <a:p>
-            <a:pPr marL="377100" lvl="1" indent="0">
+            <a:pPr marL="377190" lvl="1" indent="0">
               <a:lnSpc>
                 <a:spcPct val="150000"/>
               </a:lnSpc>
@@ -13093,7 +12670,7 @@
             <a:endParaRPr lang="en-US" altLang="zh-CN" sz="1200" dirty="0"/>
           </a:p>
           <a:p>
-            <a:pPr marL="377100" lvl="1" indent="0">
+            <a:pPr marL="377190" lvl="1" indent="0">
               <a:lnSpc>
                 <a:spcPct val="150000"/>
               </a:lnSpc>
@@ -13106,13 +12683,7 @@
       </p:sp>
       <p:pic>
         <p:nvPicPr>
-          <p:cNvPr id="4" name="图片 3">
-            <a:extLst>
-              <a:ext uri="{FF2B5EF4-FFF2-40B4-BE49-F238E27FC236}">
-                <a16:creationId xmlns:a16="http://schemas.microsoft.com/office/drawing/2014/main" id="{85E7620D-37B6-D513-6CC8-3D8141B72C09}"/>
-              </a:ext>
-            </a:extLst>
-          </p:cNvPr>
+          <p:cNvPr id="4" name="图片 3"/>
           <p:cNvPicPr>
             <a:picLocks noChangeAspect="1"/>
           </p:cNvPicPr>
@@ -13135,11 +12706,6 @@
         </p:spPr>
       </p:pic>
     </p:spTree>
-    <p:extLst>
-      <p:ext uri="{BB962C8B-B14F-4D97-AF65-F5344CB8AC3E}">
-        <p14:creationId xmlns:p14="http://schemas.microsoft.com/office/powerpoint/2010/main" val="3377716033"/>
-      </p:ext>
-    </p:extLst>
   </p:cSld>
   <p:clrMapOvr>
     <a:masterClrMapping/>
@@ -13147,7 +12713,7 @@
 </p:sld>
 </file>
 
-<file path=ppt/slides/slide17.xml><?xml version="1.0" encoding="utf-8"?>
+<file path=ppt/slides/slide15.xml><?xml version="1.0" encoding="utf-8"?>
 <p:sld xmlns:a="http://schemas.openxmlformats.org/drawingml/2006/main" xmlns:r="http://schemas.openxmlformats.org/officeDocument/2006/relationships" xmlns:p="http://schemas.openxmlformats.org/presentationml/2006/main">
   <p:cSld>
     <p:spTree>
@@ -13166,13 +12732,7 @@
       </p:grpSpPr>
       <p:sp>
         <p:nvSpPr>
-          <p:cNvPr id="2" name="标题 1">
-            <a:extLst>
-              <a:ext uri="{FF2B5EF4-FFF2-40B4-BE49-F238E27FC236}">
-                <a16:creationId xmlns:a16="http://schemas.microsoft.com/office/drawing/2014/main" id="{B77733A8-BD5D-BD18-CA84-3C205410E33D}"/>
-              </a:ext>
-            </a:extLst>
-          </p:cNvPr>
+          <p:cNvPr id="2" name="标题 1"/>
           <p:cNvSpPr>
             <a:spLocks noGrp="1"/>
           </p:cNvSpPr>
@@ -13203,16 +12763,8 @@
       </p:sp>
       <p:sp>
         <p:nvSpPr>
-          <p:cNvPr id="5" name="内容占位符 2">
-            <a:extLst>
-              <a:ext uri="{FF2B5EF4-FFF2-40B4-BE49-F238E27FC236}">
-                <a16:creationId xmlns:a16="http://schemas.microsoft.com/office/drawing/2014/main" id="{BA4198E9-178D-0096-B6B7-C635414F76DD}"/>
-              </a:ext>
-            </a:extLst>
-          </p:cNvPr>
-          <p:cNvSpPr txBox="1">
-            <a:spLocks/>
-          </p:cNvSpPr>
+          <p:cNvPr id="5" name="内容占位符 2"/>
+          <p:cNvSpPr txBox="1"/>
           <p:nvPr/>
         </p:nvSpPr>
         <p:spPr>
@@ -13236,7 +12788,7 @@
             <a:normAutofit/>
           </a:bodyPr>
           <a:lstStyle>
-            <a:lvl1pPr marL="342900" indent="-306000" algn="l" defTabSz="457200" rtl="0" eaLnBrk="1" latinLnBrk="0" hangingPunct="1">
+            <a:lvl1pPr marL="342900" indent="-306070" algn="l" defTabSz="457200" rtl="0" eaLnBrk="1" latinLnBrk="0" hangingPunct="1">
               <a:spcBef>
                 <a:spcPct val="20000"/>
               </a:spcBef>
@@ -13274,7 +12826,7 @@
                 <a:cs typeface="+mn-cs"/>
               </a:defRPr>
             </a:lvl1pPr>
-            <a:lvl2pPr marL="720000" indent="-270000" algn="l" defTabSz="457200" rtl="0" eaLnBrk="1" latinLnBrk="0" hangingPunct="1">
+            <a:lvl2pPr marL="720090" indent="-269875" algn="l" defTabSz="457200" rtl="0" eaLnBrk="1" latinLnBrk="0" hangingPunct="1">
               <a:spcBef>
                 <a:spcPct val="20000"/>
               </a:spcBef>
@@ -13312,7 +12864,7 @@
                 <a:cs typeface="+mn-cs"/>
               </a:defRPr>
             </a:lvl2pPr>
-            <a:lvl3pPr marL="1026000" indent="-216000" algn="l" defTabSz="457200" rtl="0" eaLnBrk="1" latinLnBrk="0" hangingPunct="1">
+            <a:lvl3pPr marL="1026160" indent="-215900" algn="l" defTabSz="457200" rtl="0" eaLnBrk="1" latinLnBrk="0" hangingPunct="1">
               <a:spcBef>
                 <a:spcPct val="20000"/>
               </a:spcBef>
@@ -13350,7 +12902,7 @@
                 <a:cs typeface="+mn-cs"/>
               </a:defRPr>
             </a:lvl3pPr>
-            <a:lvl4pPr marL="1386000" indent="-216000" algn="l" defTabSz="457200" rtl="0" eaLnBrk="1" latinLnBrk="0" hangingPunct="1">
+            <a:lvl4pPr marL="1386205" indent="-215900" algn="l" defTabSz="457200" rtl="0" eaLnBrk="1" latinLnBrk="0" hangingPunct="1">
               <a:spcBef>
                 <a:spcPct val="20000"/>
               </a:spcBef>
@@ -13388,7 +12940,7 @@
                 <a:cs typeface="+mn-cs"/>
               </a:defRPr>
             </a:lvl4pPr>
-            <a:lvl5pPr marL="1674000" indent="-216000" algn="l" defTabSz="457200" rtl="0" eaLnBrk="1" latinLnBrk="0" hangingPunct="1">
+            <a:lvl5pPr marL="1673860" indent="-215900" algn="l" defTabSz="457200" rtl="0" eaLnBrk="1" latinLnBrk="0" hangingPunct="1">
               <a:spcBef>
                 <a:spcPct val="20000"/>
               </a:spcBef>
@@ -13426,7 +12978,7 @@
                 <a:cs typeface="+mn-cs"/>
               </a:defRPr>
             </a:lvl5pPr>
-            <a:lvl6pPr marL="2014600" indent="-228600" algn="l" defTabSz="457200" rtl="0" eaLnBrk="1" latinLnBrk="0" hangingPunct="1">
+            <a:lvl6pPr marL="2014855" indent="-228600" algn="l" defTabSz="457200" rtl="0" eaLnBrk="1" latinLnBrk="0" hangingPunct="1">
               <a:spcBef>
                 <a:spcPct val="20000"/>
               </a:spcBef>
@@ -13464,7 +13016,7 @@
                 <a:cs typeface="+mn-cs"/>
               </a:defRPr>
             </a:lvl6pPr>
-            <a:lvl7pPr marL="2401800" indent="-228600" algn="l" defTabSz="457200" rtl="0" eaLnBrk="1" latinLnBrk="0" hangingPunct="1">
+            <a:lvl7pPr marL="2401570" indent="-228600" algn="l" defTabSz="457200" rtl="0" eaLnBrk="1" latinLnBrk="0" hangingPunct="1">
               <a:spcBef>
                 <a:spcPct val="20000"/>
               </a:spcBef>
@@ -13502,7 +13054,7 @@
                 <a:cs typeface="+mn-cs"/>
               </a:defRPr>
             </a:lvl7pPr>
-            <a:lvl8pPr marL="2789000" indent="-228600" algn="l" defTabSz="457200" rtl="0" eaLnBrk="1" latinLnBrk="0" hangingPunct="1">
+            <a:lvl8pPr marL="2788920" indent="-228600" algn="l" defTabSz="457200" rtl="0" eaLnBrk="1" latinLnBrk="0" hangingPunct="1">
               <a:spcBef>
                 <a:spcPct val="20000"/>
               </a:spcBef>
@@ -13540,7 +13092,7 @@
                 <a:cs typeface="+mn-cs"/>
               </a:defRPr>
             </a:lvl8pPr>
-            <a:lvl9pPr marL="3106200" indent="-228600" algn="l" defTabSz="457200" rtl="0" eaLnBrk="1" latinLnBrk="0" hangingPunct="1">
+            <a:lvl9pPr marL="3106420" indent="-228600" algn="l" defTabSz="457200" rtl="0" eaLnBrk="1" latinLnBrk="0" hangingPunct="1">
               <a:spcBef>
                 <a:spcPct val="20000"/>
               </a:spcBef>
@@ -13593,7 +13145,7 @@
             </a:r>
           </a:p>
           <a:p>
-            <a:pPr marL="377100" lvl="1" indent="0">
+            <a:pPr marL="377190" lvl="1" indent="0">
               <a:lnSpc>
                 <a:spcPct val="150000"/>
               </a:lnSpc>
@@ -13603,7 +13155,7 @@
             <a:endParaRPr lang="en-US" altLang="zh-CN" sz="1200" dirty="0"/>
           </a:p>
           <a:p>
-            <a:pPr marL="377100" lvl="1" indent="0">
+            <a:pPr marL="377190" lvl="1" indent="0">
               <a:lnSpc>
                 <a:spcPct val="150000"/>
               </a:lnSpc>
@@ -13616,13 +13168,7 @@
       </p:sp>
       <p:pic>
         <p:nvPicPr>
-          <p:cNvPr id="8" name="图片 7">
-            <a:extLst>
-              <a:ext uri="{FF2B5EF4-FFF2-40B4-BE49-F238E27FC236}">
-                <a16:creationId xmlns:a16="http://schemas.microsoft.com/office/drawing/2014/main" id="{EAF30BF8-9962-A63E-D73A-5FBF4BDE2AE9}"/>
-              </a:ext>
-            </a:extLst>
-          </p:cNvPr>
+          <p:cNvPr id="8" name="图片 7"/>
           <p:cNvPicPr>
             <a:picLocks noChangeAspect="1"/>
           </p:cNvPicPr>
@@ -13645,11 +13191,6 @@
         </p:spPr>
       </p:pic>
     </p:spTree>
-    <p:extLst>
-      <p:ext uri="{BB962C8B-B14F-4D97-AF65-F5344CB8AC3E}">
-        <p14:creationId xmlns:p14="http://schemas.microsoft.com/office/powerpoint/2010/main" val="4230834856"/>
-      </p:ext>
-    </p:extLst>
   </p:cSld>
   <p:clrMapOvr>
     <a:masterClrMapping/>
@@ -13676,13 +13217,7 @@
       </p:grpSpPr>
       <p:sp>
         <p:nvSpPr>
-          <p:cNvPr id="2" name="标题 1">
-            <a:extLst>
-              <a:ext uri="{FF2B5EF4-FFF2-40B4-BE49-F238E27FC236}">
-                <a16:creationId xmlns:a16="http://schemas.microsoft.com/office/drawing/2014/main" id="{9FE85B4A-2B65-F084-D99A-04CD1B843866}"/>
-              </a:ext>
-            </a:extLst>
-          </p:cNvPr>
+          <p:cNvPr id="2" name="标题 1"/>
           <p:cNvSpPr>
             <a:spLocks noGrp="1"/>
           </p:cNvSpPr>
@@ -13697,20 +13232,14 @@
           <a:p>
             <a:r>
               <a:rPr lang="zh-CN" altLang="en-US" dirty="0"/>
-              <a:t>目录</a:t>
-            </a:r>
-          </a:p>
-        </p:txBody>
-      </p:sp>
-      <p:sp>
-        <p:nvSpPr>
-          <p:cNvPr id="3" name="内容占位符 2">
-            <a:extLst>
-              <a:ext uri="{FF2B5EF4-FFF2-40B4-BE49-F238E27FC236}">
-                <a16:creationId xmlns:a16="http://schemas.microsoft.com/office/drawing/2014/main" id="{B375F94A-6960-5EBE-737E-B5DCFD2FE825}"/>
-              </a:ext>
-            </a:extLst>
-          </p:cNvPr>
+              <a:t>背景</a:t>
+            </a:r>
+          </a:p>
+        </p:txBody>
+      </p:sp>
+      <p:sp>
+        <p:nvSpPr>
+          <p:cNvPr id="3" name="内容占位符 2"/>
           <p:cNvSpPr>
             <a:spLocks noGrp="1"/>
           </p:cNvSpPr>
@@ -13718,53 +13247,141 @@
             <p:ph idx="1"/>
           </p:nvPr>
         </p:nvSpPr>
-        <p:spPr/>
+        <p:spPr>
+          <a:xfrm>
+            <a:off x="913795" y="1740916"/>
+            <a:ext cx="10353762" cy="4058751"/>
+          </a:xfrm>
+        </p:spPr>
         <p:txBody>
           <a:bodyPr/>
           <a:lstStyle/>
           <a:p>
             <a:r>
               <a:rPr lang="zh-CN" altLang="en-US" dirty="0"/>
-              <a:t>背景</a:t>
+              <a:t>路由是用来描述</a:t>
+            </a:r>
+            <a:r>
+              <a:rPr lang="en-US" altLang="zh-CN" dirty="0"/>
+              <a:t>URL</a:t>
+            </a:r>
+            <a:r>
+              <a:rPr lang="zh-CN" altLang="en-US" dirty="0"/>
+              <a:t>与处理函数之间的映射关系。</a:t>
+            </a:r>
+            <a:r>
+              <a:rPr lang="en-US" altLang="zh-CN" dirty="0"/>
+              <a:t>Web</a:t>
+            </a:r>
+            <a:r>
+              <a:rPr lang="zh-CN" altLang="en-US" dirty="0"/>
+              <a:t>应用程序对外提供服务的主要方式便是暴露其相关功能的路由，使得使用者能够通过特定</a:t>
+            </a:r>
+            <a:r>
+              <a:rPr lang="en-US" altLang="zh-CN" dirty="0"/>
+              <a:t>URL</a:t>
+            </a:r>
+            <a:r>
+              <a:rPr lang="zh-CN" altLang="en-US" dirty="0"/>
+              <a:t>获得特定服务。</a:t>
             </a:r>
             <a:endParaRPr lang="en-US" altLang="zh-CN" dirty="0"/>
           </a:p>
           <a:p>
             <a:r>
               <a:rPr lang="zh-CN" altLang="en-US" dirty="0"/>
-              <a:t>设计目标</a:t>
+              <a:t>随着单个</a:t>
+            </a:r>
+            <a:r>
+              <a:rPr lang="en-US" altLang="zh-CN" dirty="0"/>
+              <a:t>Web</a:t>
+            </a:r>
+            <a:r>
+              <a:rPr lang="zh-CN" altLang="en-US" dirty="0"/>
+              <a:t>应用程序所包含得业务数量日益增加，其外部可访问的路由数量也急剧增加，这无疑大大加剧了企业网络安全问题的风险。</a:t>
             </a:r>
             <a:endParaRPr lang="en-US" altLang="zh-CN" dirty="0"/>
           </a:p>
           <a:p>
             <a:r>
               <a:rPr lang="zh-CN" altLang="en-US" dirty="0"/>
-              <a:t>设计任务</a:t>
+              <a:t>因此，设计安全的路由架构并采用合理的管理方法对其进行管控至关重要。（安全的</a:t>
+            </a:r>
+            <a:r>
+              <a:rPr lang="en-US" altLang="zh-CN" dirty="0"/>
+              <a:t>API</a:t>
+            </a:r>
+            <a:r>
+              <a:rPr lang="zh-CN" altLang="en-US" dirty="0"/>
+              <a:t>架构策略和设计规范、</a:t>
+            </a:r>
+            <a:r>
+              <a:rPr lang="en-US" altLang="zh-CN" dirty="0"/>
+              <a:t>API </a:t>
+            </a:r>
+            <a:r>
+              <a:rPr lang="zh-CN" altLang="en-US" dirty="0"/>
+              <a:t>安全管控流程，</a:t>
+            </a:r>
+            <a:r>
+              <a:rPr lang="en-US" altLang="zh-CN" dirty="0"/>
+              <a:t>API </a:t>
+            </a:r>
+            <a:r>
+              <a:rPr lang="zh-CN" altLang="en-US" dirty="0"/>
+              <a:t>安全风险识别工具（以上俗称：</a:t>
+            </a:r>
+            <a:r>
+              <a:rPr lang="en-US" altLang="zh-CN" dirty="0"/>
+              <a:t>API</a:t>
+            </a:r>
+            <a:r>
+              <a:rPr lang="zh-CN" altLang="en-US" dirty="0"/>
+              <a:t>安全风险治理三板斧））。</a:t>
             </a:r>
             <a:endParaRPr lang="en-US" altLang="zh-CN" dirty="0"/>
           </a:p>
           <a:p>
             <a:r>
               <a:rPr lang="zh-CN" altLang="en-US" dirty="0"/>
-              <a:t>概要说明</a:t>
-            </a:r>
-            <a:endParaRPr lang="en-US" altLang="zh-CN" dirty="0"/>
-          </a:p>
-          <a:p>
+              <a:t>目前，</a:t>
+            </a:r>
+            <a:r>
+              <a:rPr lang="en-US" altLang="zh-CN" dirty="0"/>
+              <a:t>API</a:t>
+            </a:r>
             <a:r>
               <a:rPr lang="zh-CN" altLang="en-US" dirty="0"/>
-              <a:t>流程设计</a:t>
-            </a:r>
-            <a:endParaRPr lang="en-US" altLang="zh-CN" dirty="0"/>
+              <a:t>的识别工作主要聚焦在网络流量侧，通过规则或者</a:t>
+            </a:r>
+            <a:r>
+              <a:rPr lang="en-US" altLang="zh-CN" dirty="0"/>
+              <a:t>AI</a:t>
+            </a:r>
+            <a:r>
+              <a:rPr lang="zh-CN" altLang="en-US" dirty="0"/>
+              <a:t>的方法从请求流量数据中将</a:t>
+            </a:r>
+            <a:r>
+              <a:rPr lang="en-US" altLang="zh-CN" dirty="0"/>
+              <a:t>API</a:t>
+            </a:r>
+            <a:r>
+              <a:rPr lang="zh-CN" altLang="en-US" dirty="0"/>
+              <a:t>识别出来并进行分类管理。其余方式包括分析源码，分析日志以及</a:t>
+            </a:r>
+            <a:r>
+              <a:rPr lang="en-US" altLang="zh-CN" dirty="0"/>
+              <a:t>RASP</a:t>
+            </a:r>
+            <a:r>
+              <a:rPr lang="zh-CN" altLang="en-US" dirty="0"/>
+              <a:t>等方式。</a:t>
+            </a:r>
           </a:p>
         </p:txBody>
       </p:sp>
     </p:spTree>
-    <p:extLst>
-      <p:ext uri="{BB962C8B-B14F-4D97-AF65-F5344CB8AC3E}">
-        <p14:creationId xmlns:p14="http://schemas.microsoft.com/office/powerpoint/2010/main" val="374512643"/>
-      </p:ext>
-    </p:extLst>
   </p:cSld>
   <p:clrMapOvr>
     <a:masterClrMapping/>
@@ -13791,13 +13408,7 @@
       </p:grpSpPr>
       <p:sp>
         <p:nvSpPr>
-          <p:cNvPr id="2" name="标题 1">
-            <a:extLst>
-              <a:ext uri="{FF2B5EF4-FFF2-40B4-BE49-F238E27FC236}">
-                <a16:creationId xmlns:a16="http://schemas.microsoft.com/office/drawing/2014/main" id="{90A6464E-4CEF-094B-1288-1E3F51D110AF}"/>
-              </a:ext>
-            </a:extLst>
-          </p:cNvPr>
+          <p:cNvPr id="2" name="标题 1"/>
           <p:cNvSpPr>
             <a:spLocks noGrp="1"/>
           </p:cNvSpPr>
@@ -13812,20 +13423,14 @@
           <a:p>
             <a:r>
               <a:rPr lang="zh-CN" altLang="en-US" dirty="0"/>
-              <a:t>背景</a:t>
-            </a:r>
-          </a:p>
-        </p:txBody>
-      </p:sp>
-      <p:sp>
-        <p:nvSpPr>
-          <p:cNvPr id="3" name="内容占位符 2">
-            <a:extLst>
-              <a:ext uri="{FF2B5EF4-FFF2-40B4-BE49-F238E27FC236}">
-                <a16:creationId xmlns:a16="http://schemas.microsoft.com/office/drawing/2014/main" id="{6E4E85ED-76B8-1778-6846-58906A941CAE}"/>
-              </a:ext>
-            </a:extLst>
-          </p:cNvPr>
+              <a:t>设计目标</a:t>
+            </a:r>
+          </a:p>
+        </p:txBody>
+      </p:sp>
+      <p:sp>
+        <p:nvSpPr>
+          <p:cNvPr id="3" name="内容占位符 2"/>
           <p:cNvSpPr>
             <a:spLocks noGrp="1"/>
           </p:cNvSpPr>
@@ -13833,146 +13438,69 @@
             <p:ph idx="1"/>
           </p:nvPr>
         </p:nvSpPr>
-        <p:spPr>
-          <a:xfrm>
-            <a:off x="913795" y="1740916"/>
-            <a:ext cx="10353762" cy="4058751"/>
-          </a:xfrm>
-        </p:spPr>
+        <p:spPr/>
         <p:txBody>
           <a:bodyPr/>
           <a:lstStyle/>
           <a:p>
+            <a:pPr marL="36830" indent="0">
+              <a:buNone/>
+            </a:pPr>
             <a:r>
               <a:rPr lang="zh-CN" altLang="en-US" dirty="0"/>
-              <a:t>路由是用来描述</a:t>
-            </a:r>
-            <a:r>
-              <a:rPr lang="en-US" altLang="zh-CN" dirty="0"/>
-              <a:t>URL</a:t>
-            </a:r>
-            <a:r>
-              <a:rPr lang="zh-CN" altLang="en-US" dirty="0"/>
-              <a:t>与处理函数之间的映射关系。</a:t>
-            </a:r>
-            <a:r>
-              <a:rPr lang="en-US" altLang="zh-CN" dirty="0"/>
-              <a:t>Web</a:t>
-            </a:r>
-            <a:r>
-              <a:rPr lang="zh-CN" altLang="en-US" dirty="0"/>
-              <a:t>应用程序对外提供服务的主要方式便是暴露其相关功能的路由，使得使用者能够通过特定</a:t>
-            </a:r>
-            <a:r>
-              <a:rPr lang="en-US" altLang="zh-CN" dirty="0"/>
-              <a:t>URL</a:t>
-            </a:r>
-            <a:r>
-              <a:rPr lang="zh-CN" altLang="en-US" dirty="0"/>
-              <a:t>获得特定服务。</a:t>
+              <a:t>设计一个源代码分析通用架构，能够以新增插件的方式持续扩增其路由分析能力。</a:t>
             </a:r>
             <a:endParaRPr lang="en-US" altLang="zh-CN" dirty="0"/>
           </a:p>
           <a:p>
-            <a:r>
-              <a:rPr lang="zh-CN" altLang="en-US" dirty="0"/>
-              <a:t>随着单个</a:t>
-            </a:r>
-            <a:r>
-              <a:rPr lang="en-US" altLang="zh-CN" dirty="0"/>
-              <a:t>Web</a:t>
-            </a:r>
-            <a:r>
-              <a:rPr lang="zh-CN" altLang="en-US" dirty="0"/>
-              <a:t>应用程序所包含得业务数量日益增加，其外部可访问的路由数量也急剧增加，这无疑大大加剧了企业网络安全问题的风险。</a:t>
-            </a:r>
+            <a:pPr marL="36830" indent="0">
+              <a:buNone/>
+            </a:pPr>
             <a:endParaRPr lang="en-US" altLang="zh-CN" dirty="0"/>
           </a:p>
           <a:p>
-            <a:r>
-              <a:rPr lang="zh-CN" altLang="en-US" dirty="0"/>
-              <a:t>因此，设计安全的路由架构并采用合理的管理方法对其进行管控至关重要。（安全的</a:t>
-            </a:r>
-            <a:r>
-              <a:rPr lang="en-US" altLang="zh-CN" dirty="0"/>
-              <a:t>API</a:t>
-            </a:r>
-            <a:r>
-              <a:rPr lang="zh-CN" altLang="en-US" dirty="0"/>
-              <a:t>架构策略和设计规范、</a:t>
-            </a:r>
-            <a:r>
-              <a:rPr lang="en-US" altLang="zh-CN" dirty="0"/>
-              <a:t>API </a:t>
-            </a:r>
-            <a:r>
-              <a:rPr lang="zh-CN" altLang="en-US" dirty="0"/>
-              <a:t>安全管控流程，</a:t>
-            </a:r>
-            <a:r>
-              <a:rPr lang="en-US" altLang="zh-CN" dirty="0"/>
-              <a:t>API </a:t>
-            </a:r>
-            <a:r>
-              <a:rPr lang="zh-CN" altLang="en-US" dirty="0"/>
-              <a:t>安全风险识别工具（以上俗称：</a:t>
-            </a:r>
-            <a:r>
-              <a:rPr lang="en-US" altLang="zh-CN" dirty="0"/>
-              <a:t>API</a:t>
-            </a:r>
-            <a:r>
-              <a:rPr lang="zh-CN" altLang="en-US" dirty="0"/>
-              <a:t>安全风险治理三板斧））。</a:t>
-            </a:r>
+            <a:pPr marL="36830" indent="0">
+              <a:buNone/>
+            </a:pPr>
             <a:endParaRPr lang="en-US" altLang="zh-CN" dirty="0"/>
           </a:p>
           <a:p>
-            <a:r>
-              <a:rPr lang="zh-CN" altLang="en-US" dirty="0"/>
-              <a:t>目前，</a:t>
-            </a:r>
-            <a:r>
-              <a:rPr lang="en-US" altLang="zh-CN" dirty="0"/>
-              <a:t>API</a:t>
-            </a:r>
-            <a:r>
-              <a:rPr lang="zh-CN" altLang="en-US" dirty="0"/>
-              <a:t>的识别工作主要聚焦在网络流量侧，通过规则或者</a:t>
-            </a:r>
-            <a:r>
-              <a:rPr lang="en-US" altLang="zh-CN" dirty="0"/>
-              <a:t>AI</a:t>
-            </a:r>
-            <a:r>
-              <a:rPr lang="zh-CN" altLang="en-US" dirty="0"/>
-              <a:t>的方法从请求流量数据中将</a:t>
-            </a:r>
-            <a:r>
-              <a:rPr lang="en-US" altLang="zh-CN" dirty="0"/>
-              <a:t>API</a:t>
-            </a:r>
-            <a:r>
-              <a:rPr lang="zh-CN" altLang="en-US" dirty="0"/>
-              <a:t>识别出来并进行分类管理。其余方式包括分析源码，分析日志以及</a:t>
-            </a:r>
-            <a:r>
-              <a:rPr lang="en-US" altLang="zh-CN" dirty="0"/>
-              <a:t>RASP</a:t>
-            </a:r>
-            <a:r>
-              <a:rPr lang="zh-CN" altLang="en-US" dirty="0"/>
-              <a:t>等方式。</a:t>
-            </a:r>
-          </a:p>
-        </p:txBody>
-      </p:sp>
+            <a:pPr marL="36830" indent="0">
+              <a:buNone/>
+            </a:pPr>
+            <a:endParaRPr lang="en-US" altLang="zh-CN" dirty="0"/>
+          </a:p>
+          <a:p>
+            <a:pPr marL="36830" indent="0">
+              <a:buNone/>
+            </a:pPr>
+            <a:endParaRPr lang="en-US" altLang="zh-CN" dirty="0"/>
+          </a:p>
+          <a:p>
+            <a:pPr marL="36830" indent="0">
+              <a:buNone/>
+            </a:pPr>
+            <a:endParaRPr lang="en-US" altLang="zh-CN" dirty="0"/>
+          </a:p>
+        </p:txBody>
+      </p:sp>
+      <p:graphicFrame>
+        <p:nvGraphicFramePr>
+          <p:cNvPr id="4" name="图示 3"/>
+          <p:cNvGraphicFramePr/>
+          <p:nvPr/>
+        </p:nvGraphicFramePr>
+        <p:xfrm>
+          <a:off x="2960671" y="2319866"/>
+          <a:ext cx="6270658" cy="3928534"/>
+        </p:xfrm>
+        <a:graphic>
+          <a:graphicData uri="http://schemas.openxmlformats.org/drawingml/2006/diagram">
+            <dgm:relIds xmlns:dgm="http://schemas.openxmlformats.org/drawingml/2006/diagram" xmlns:r="http://schemas.openxmlformats.org/officeDocument/2006/relationships" r:dm="rId2" r:lo="rId3" r:qs="rId4" r:cs="rId5"/>
+          </a:graphicData>
+        </a:graphic>
+      </p:graphicFrame>
     </p:spTree>
-    <p:extLst>
-      <p:ext uri="{BB962C8B-B14F-4D97-AF65-F5344CB8AC3E}">
-        <p14:creationId xmlns:p14="http://schemas.microsoft.com/office/powerpoint/2010/main" val="2274872673"/>
-      </p:ext>
-    </p:extLst>
   </p:cSld>
   <p:clrMapOvr>
     <a:masterClrMapping/>
@@ -13999,13 +13527,7 @@
       </p:grpSpPr>
       <p:sp>
         <p:nvSpPr>
-          <p:cNvPr id="2" name="标题 1">
-            <a:extLst>
-              <a:ext uri="{FF2B5EF4-FFF2-40B4-BE49-F238E27FC236}">
-                <a16:creationId xmlns:a16="http://schemas.microsoft.com/office/drawing/2014/main" id="{B8209D4A-1610-6922-AFF2-714347F2B3AD}"/>
-              </a:ext>
-            </a:extLst>
-          </p:cNvPr>
+          <p:cNvPr id="2" name="标题 1"/>
           <p:cNvSpPr>
             <a:spLocks noGrp="1"/>
           </p:cNvSpPr>
@@ -14015,112 +13537,43 @@
         </p:nvSpPr>
         <p:spPr/>
         <p:txBody>
-          <a:bodyPr/>
+          <a:bodyPr>
+            <a:normAutofit/>
+          </a:bodyPr>
           <a:lstStyle/>
           <a:p>
             <a:r>
               <a:rPr lang="zh-CN" altLang="en-US" dirty="0"/>
-              <a:t>设计目标</a:t>
-            </a:r>
-          </a:p>
-        </p:txBody>
-      </p:sp>
-      <p:sp>
-        <p:nvSpPr>
-          <p:cNvPr id="3" name="内容占位符 2">
-            <a:extLst>
-              <a:ext uri="{FF2B5EF4-FFF2-40B4-BE49-F238E27FC236}">
-                <a16:creationId xmlns:a16="http://schemas.microsoft.com/office/drawing/2014/main" id="{1D8530FE-EAA7-0776-8C2C-6350B7E0F66D}"/>
-              </a:ext>
-            </a:extLst>
-          </p:cNvPr>
-          <p:cNvSpPr>
-            <a:spLocks noGrp="1"/>
-          </p:cNvSpPr>
+              <a:t>需求分析</a:t>
+            </a:r>
+            <a:endParaRPr lang="zh-CN" altLang="en-US" sz="2000" dirty="0"/>
+          </a:p>
+        </p:txBody>
+      </p:sp>
+      <p:pic>
+        <p:nvPicPr>
+          <p:cNvPr id="5" name="内容占位符 4"/>
+          <p:cNvPicPr>
+            <a:picLocks noGrp="1" noChangeAspect="1"/>
+          </p:cNvPicPr>
           <p:nvPr>
             <p:ph idx="1"/>
           </p:nvPr>
-        </p:nvSpPr>
-        <p:spPr/>
-        <p:txBody>
-          <a:bodyPr/>
-          <a:lstStyle/>
-          <a:p>
-            <a:pPr marL="36900" indent="0">
-              <a:buNone/>
-            </a:pPr>
-            <a:r>
-              <a:rPr lang="zh-CN" altLang="en-US" dirty="0"/>
-              <a:t>设计一个源代码分析通用架构，能够以新增插件的方式持续扩增其路由分析能力。</a:t>
-            </a:r>
-            <a:endParaRPr lang="en-US" altLang="zh-CN" dirty="0"/>
-          </a:p>
-          <a:p>
-            <a:pPr marL="36900" indent="0">
-              <a:buNone/>
-            </a:pPr>
-            <a:endParaRPr lang="en-US" altLang="zh-CN" dirty="0"/>
-          </a:p>
-          <a:p>
-            <a:pPr marL="36900" indent="0">
-              <a:buNone/>
-            </a:pPr>
-            <a:endParaRPr lang="en-US" altLang="zh-CN" dirty="0"/>
-          </a:p>
-          <a:p>
-            <a:pPr marL="36900" indent="0">
-              <a:buNone/>
-            </a:pPr>
-            <a:endParaRPr lang="en-US" altLang="zh-CN" dirty="0"/>
-          </a:p>
-          <a:p>
-            <a:pPr marL="36900" indent="0">
-              <a:buNone/>
-            </a:pPr>
-            <a:endParaRPr lang="en-US" altLang="zh-CN" dirty="0"/>
-          </a:p>
-          <a:p>
-            <a:pPr marL="36900" indent="0">
-              <a:buNone/>
-            </a:pPr>
-            <a:endParaRPr lang="en-US" altLang="zh-CN" dirty="0"/>
-          </a:p>
-        </p:txBody>
-      </p:sp>
-      <p:graphicFrame>
-        <p:nvGraphicFramePr>
-          <p:cNvPr id="4" name="图示 3">
-            <a:extLst>
-              <a:ext uri="{FF2B5EF4-FFF2-40B4-BE49-F238E27FC236}">
-                <a16:creationId xmlns:a16="http://schemas.microsoft.com/office/drawing/2014/main" id="{9A74A621-8A0D-7F95-9D76-718966A3D3A0}"/>
-              </a:ext>
-            </a:extLst>
-          </p:cNvPr>
-          <p:cNvGraphicFramePr/>
-          <p:nvPr>
-            <p:extLst>
-              <p:ext uri="{D42A27DB-BD31-4B8C-83A1-F6EECF244321}">
-                <p14:modId xmlns:p14="http://schemas.microsoft.com/office/powerpoint/2010/main" val="3731809925"/>
-              </p:ext>
-            </p:extLst>
-          </p:nvPr>
-        </p:nvGraphicFramePr>
-        <p:xfrm>
-          <a:off x="2960671" y="2319866"/>
-          <a:ext cx="6270658" cy="3928534"/>
-        </p:xfrm>
-        <a:graphic>
-          <a:graphicData uri="http://schemas.openxmlformats.org/drawingml/2006/diagram">
-            <dgm:relIds xmlns:dgm="http://schemas.openxmlformats.org/drawingml/2006/diagram" xmlns:r="http://schemas.openxmlformats.org/officeDocument/2006/relationships" r:dm="rId2" r:lo="rId3" r:qs="rId4" r:cs="rId5"/>
-          </a:graphicData>
-        </a:graphic>
-      </p:graphicFrame>
+        </p:nvPicPr>
+        <p:blipFill>
+          <a:blip r:embed="rId2"/>
+          <a:stretch>
+            <a:fillRect/>
+          </a:stretch>
+        </p:blipFill>
+        <p:spPr>
+          <a:xfrm>
+            <a:off x="3147306" y="1731963"/>
+            <a:ext cx="5887863" cy="4059237"/>
+          </a:xfrm>
+        </p:spPr>
+      </p:pic>
     </p:spTree>
-    <p:extLst>
-      <p:ext uri="{BB962C8B-B14F-4D97-AF65-F5344CB8AC3E}">
-        <p14:creationId xmlns:p14="http://schemas.microsoft.com/office/powerpoint/2010/main" val="103870258"/>
-      </p:ext>
-    </p:extLst>
   </p:cSld>
   <p:clrMapOvr>
     <a:masterClrMapping/>
@@ -14147,13 +13600,7 @@
       </p:grpSpPr>
       <p:sp>
         <p:nvSpPr>
-          <p:cNvPr id="2" name="标题 1">
-            <a:extLst>
-              <a:ext uri="{FF2B5EF4-FFF2-40B4-BE49-F238E27FC236}">
-                <a16:creationId xmlns:a16="http://schemas.microsoft.com/office/drawing/2014/main" id="{B8209D4A-1610-6922-AFF2-714347F2B3AD}"/>
-              </a:ext>
-            </a:extLst>
-          </p:cNvPr>
+          <p:cNvPr id="2" name="标题 1"/>
           <p:cNvSpPr>
             <a:spLocks noGrp="1"/>
           </p:cNvSpPr>
@@ -14168,20 +13615,14 @@
           <a:p>
             <a:r>
               <a:rPr lang="zh-CN" altLang="en-US" dirty="0"/>
-              <a:t>设计任务</a:t>
-            </a:r>
-          </a:p>
-        </p:txBody>
-      </p:sp>
-      <p:sp>
-        <p:nvSpPr>
-          <p:cNvPr id="3" name="内容占位符 2">
-            <a:extLst>
-              <a:ext uri="{FF2B5EF4-FFF2-40B4-BE49-F238E27FC236}">
-                <a16:creationId xmlns:a16="http://schemas.microsoft.com/office/drawing/2014/main" id="{1D8530FE-EAA7-0776-8C2C-6350B7E0F66D}"/>
-              </a:ext>
-            </a:extLst>
-          </p:cNvPr>
+              <a:t>概要设计</a:t>
+            </a:r>
+          </a:p>
+        </p:txBody>
+      </p:sp>
+      <p:sp>
+        <p:nvSpPr>
+          <p:cNvPr id="3" name="内容占位符 2"/>
           <p:cNvSpPr>
             <a:spLocks noGrp="1"/>
           </p:cNvSpPr>
@@ -14196,18 +13637,26 @@
           <a:p>
             <a:r>
               <a:rPr lang="zh-CN" altLang="en-US" dirty="0"/>
-              <a:t>需求分析</a:t>
+              <a:t>系统上下文图</a:t>
             </a:r>
             <a:endParaRPr lang="en-US" altLang="zh-CN" dirty="0"/>
           </a:p>
+          <a:p>
+            <a:r>
+              <a:rPr lang="zh-CN" altLang="en-US" dirty="0"/>
+              <a:t>容器图</a:t>
+            </a:r>
+            <a:endParaRPr lang="en-US" altLang="zh-CN" dirty="0"/>
+          </a:p>
+          <a:p>
+            <a:r>
+              <a:rPr lang="zh-CN" altLang="en-US" dirty="0"/>
+              <a:t>组件图</a:t>
+            </a:r>
+          </a:p>
         </p:txBody>
       </p:sp>
     </p:spTree>
-    <p:extLst>
-      <p:ext uri="{BB962C8B-B14F-4D97-AF65-F5344CB8AC3E}">
-        <p14:creationId xmlns:p14="http://schemas.microsoft.com/office/powerpoint/2010/main" val="3034189912"/>
-      </p:ext>
-    </p:extLst>
   </p:cSld>
   <p:clrMapOvr>
     <a:masterClrMapping/>
@@ -14234,13 +13683,7 @@
       </p:grpSpPr>
       <p:sp>
         <p:nvSpPr>
-          <p:cNvPr id="2" name="标题 1">
-            <a:extLst>
-              <a:ext uri="{FF2B5EF4-FFF2-40B4-BE49-F238E27FC236}">
-                <a16:creationId xmlns:a16="http://schemas.microsoft.com/office/drawing/2014/main" id="{32ACA1AC-EC70-BF04-9082-B55B107B98BC}"/>
-              </a:ext>
-            </a:extLst>
-          </p:cNvPr>
+          <p:cNvPr id="2" name="标题 1"/>
           <p:cNvSpPr>
             <a:spLocks noGrp="1"/>
           </p:cNvSpPr>
@@ -14250,28 +13693,19 @@
         </p:nvSpPr>
         <p:spPr/>
         <p:txBody>
-          <a:bodyPr>
-            <a:normAutofit/>
-          </a:bodyPr>
+          <a:bodyPr/>
           <a:lstStyle/>
           <a:p>
             <a:r>
               <a:rPr lang="zh-CN" altLang="en-US" dirty="0"/>
-              <a:t>需求分析</a:t>
-            </a:r>
-            <a:endParaRPr lang="zh-CN" altLang="en-US" sz="2000" dirty="0"/>
+              <a:t>系统上下文图</a:t>
+            </a:r>
           </a:p>
         </p:txBody>
       </p:sp>
       <p:pic>
         <p:nvPicPr>
-          <p:cNvPr id="5" name="内容占位符 4">
-            <a:extLst>
-              <a:ext uri="{FF2B5EF4-FFF2-40B4-BE49-F238E27FC236}">
-                <a16:creationId xmlns:a16="http://schemas.microsoft.com/office/drawing/2014/main" id="{EE25D780-50EA-558C-AFFE-FD17C9C52AE2}"/>
-              </a:ext>
-            </a:extLst>
-          </p:cNvPr>
+          <p:cNvPr id="5" name="内容占位符 4"/>
           <p:cNvPicPr>
             <a:picLocks noGrp="1" noChangeAspect="1"/>
           </p:cNvPicPr>
@@ -14287,17 +13721,12 @@
         </p:blipFill>
         <p:spPr>
           <a:xfrm>
-            <a:off x="3147306" y="1731963"/>
-            <a:ext cx="5887863" cy="4059237"/>
+            <a:off x="4872037" y="2166144"/>
+            <a:ext cx="2438400" cy="3190875"/>
           </a:xfrm>
         </p:spPr>
       </p:pic>
     </p:spTree>
-    <p:extLst>
-      <p:ext uri="{BB962C8B-B14F-4D97-AF65-F5344CB8AC3E}">
-        <p14:creationId xmlns:p14="http://schemas.microsoft.com/office/powerpoint/2010/main" val="680460746"/>
-      </p:ext>
-    </p:extLst>
   </p:cSld>
   <p:clrMapOvr>
     <a:masterClrMapping/>
@@ -14324,13 +13753,7 @@
       </p:grpSpPr>
       <p:sp>
         <p:nvSpPr>
-          <p:cNvPr id="2" name="标题 1">
-            <a:extLst>
-              <a:ext uri="{FF2B5EF4-FFF2-40B4-BE49-F238E27FC236}">
-                <a16:creationId xmlns:a16="http://schemas.microsoft.com/office/drawing/2014/main" id="{91D56A80-DDFD-6437-4A88-7E1143AA9F0E}"/>
-              </a:ext>
-            </a:extLst>
-          </p:cNvPr>
+          <p:cNvPr id="2" name="标题 1"/>
           <p:cNvSpPr>
             <a:spLocks noGrp="1"/>
           </p:cNvSpPr>
@@ -14345,59 +13768,35 @@
           <a:p>
             <a:r>
               <a:rPr lang="zh-CN" altLang="en-US" dirty="0"/>
-              <a:t>概要设计</a:t>
-            </a:r>
-          </a:p>
-        </p:txBody>
-      </p:sp>
-      <p:sp>
-        <p:nvSpPr>
-          <p:cNvPr id="3" name="内容占位符 2">
-            <a:extLst>
-              <a:ext uri="{FF2B5EF4-FFF2-40B4-BE49-F238E27FC236}">
-                <a16:creationId xmlns:a16="http://schemas.microsoft.com/office/drawing/2014/main" id="{8C90DDA4-4A3F-D7A3-8479-5BD3F8807BB9}"/>
-              </a:ext>
-            </a:extLst>
-          </p:cNvPr>
-          <p:cNvSpPr>
-            <a:spLocks noGrp="1"/>
-          </p:cNvSpPr>
+              <a:t>容器图</a:t>
+            </a:r>
+          </a:p>
+        </p:txBody>
+      </p:sp>
+      <p:pic>
+        <p:nvPicPr>
+          <p:cNvPr id="5" name="内容占位符 4"/>
+          <p:cNvPicPr>
+            <a:picLocks noGrp="1" noChangeAspect="1"/>
+          </p:cNvPicPr>
           <p:nvPr>
             <p:ph idx="1"/>
           </p:nvPr>
-        </p:nvSpPr>
-        <p:spPr/>
-        <p:txBody>
-          <a:bodyPr/>
-          <a:lstStyle/>
-          <a:p>
-            <a:r>
-              <a:rPr lang="zh-CN" altLang="en-US" dirty="0"/>
-              <a:t>系统上下文图</a:t>
-            </a:r>
-            <a:endParaRPr lang="en-US" altLang="zh-CN" dirty="0"/>
-          </a:p>
-          <a:p>
-            <a:r>
-              <a:rPr lang="zh-CN" altLang="en-US" dirty="0"/>
-              <a:t>容器图</a:t>
-            </a:r>
-            <a:endParaRPr lang="en-US" altLang="zh-CN" dirty="0"/>
-          </a:p>
-          <a:p>
-            <a:r>
-              <a:rPr lang="zh-CN" altLang="en-US" dirty="0"/>
-              <a:t>组件图</a:t>
-            </a:r>
-          </a:p>
-        </p:txBody>
-      </p:sp>
+        </p:nvPicPr>
+        <p:blipFill>
+          <a:blip r:embed="rId2"/>
+          <a:stretch>
+            <a:fillRect/>
+          </a:stretch>
+        </p:blipFill>
+        <p:spPr>
+          <a:xfrm>
+            <a:off x="5272087" y="1980406"/>
+            <a:ext cx="1638300" cy="3562350"/>
+          </a:xfrm>
+        </p:spPr>
+      </p:pic>
     </p:spTree>
-    <p:extLst>
-      <p:ext uri="{BB962C8B-B14F-4D97-AF65-F5344CB8AC3E}">
-        <p14:creationId xmlns:p14="http://schemas.microsoft.com/office/powerpoint/2010/main" val="2750089437"/>
-      </p:ext>
-    </p:extLst>
   </p:cSld>
   <p:clrMapOvr>
     <a:masterClrMapping/>
@@ -14424,13 +13823,7 @@
       </p:grpSpPr>
       <p:sp>
         <p:nvSpPr>
-          <p:cNvPr id="2" name="标题 1">
-            <a:extLst>
-              <a:ext uri="{FF2B5EF4-FFF2-40B4-BE49-F238E27FC236}">
-                <a16:creationId xmlns:a16="http://schemas.microsoft.com/office/drawing/2014/main" id="{641F6B93-DDBF-FFB0-F3A3-90B8F7504931}"/>
-              </a:ext>
-            </a:extLst>
-          </p:cNvPr>
+          <p:cNvPr id="2" name="标题 1"/>
           <p:cNvSpPr>
             <a:spLocks noGrp="1"/>
           </p:cNvSpPr>
@@ -14445,20 +13838,14 @@
           <a:p>
             <a:r>
               <a:rPr lang="zh-CN" altLang="en-US" dirty="0"/>
-              <a:t>系统上下文图</a:t>
+              <a:t>组件图</a:t>
             </a:r>
           </a:p>
         </p:txBody>
       </p:sp>
       <p:pic>
         <p:nvPicPr>
-          <p:cNvPr id="5" name="内容占位符 4">
-            <a:extLst>
-              <a:ext uri="{FF2B5EF4-FFF2-40B4-BE49-F238E27FC236}">
-                <a16:creationId xmlns:a16="http://schemas.microsoft.com/office/drawing/2014/main" id="{51DE902A-81D8-8285-0096-3225A7795475}"/>
-              </a:ext>
-            </a:extLst>
-          </p:cNvPr>
+          <p:cNvPr id="5" name="内容占位符 4"/>
           <p:cNvPicPr>
             <a:picLocks noGrp="1" noChangeAspect="1"/>
           </p:cNvPicPr>
@@ -14474,17 +13861,12 @@
         </p:blipFill>
         <p:spPr>
           <a:xfrm>
-            <a:off x="4872037" y="2166144"/>
-            <a:ext cx="2438400" cy="3190875"/>
+            <a:off x="4446653" y="1763727"/>
+            <a:ext cx="3288046" cy="4120607"/>
           </a:xfrm>
         </p:spPr>
       </p:pic>
     </p:spTree>
-    <p:extLst>
-      <p:ext uri="{BB962C8B-B14F-4D97-AF65-F5344CB8AC3E}">
-        <p14:creationId xmlns:p14="http://schemas.microsoft.com/office/powerpoint/2010/main" val="3518064128"/>
-      </p:ext>
-    </p:extLst>
   </p:cSld>
   <p:clrMapOvr>
     <a:masterClrMapping/>
@@ -14511,13 +13893,7 @@
       </p:grpSpPr>
       <p:sp>
         <p:nvSpPr>
-          <p:cNvPr id="2" name="标题 1">
-            <a:extLst>
-              <a:ext uri="{FF2B5EF4-FFF2-40B4-BE49-F238E27FC236}">
-                <a16:creationId xmlns:a16="http://schemas.microsoft.com/office/drawing/2014/main" id="{1E59F814-EF91-E087-3715-E8240DD852E3}"/>
-              </a:ext>
-            </a:extLst>
-          </p:cNvPr>
+          <p:cNvPr id="2" name="标题 1"/>
           <p:cNvSpPr>
             <a:spLocks noGrp="1"/>
           </p:cNvSpPr>
@@ -14532,51 +13908,71 @@
           <a:p>
             <a:r>
               <a:rPr lang="zh-CN" altLang="en-US" dirty="0"/>
-              <a:t>容器图</a:t>
-            </a:r>
-          </a:p>
-        </p:txBody>
-      </p:sp>
-      <p:pic>
-        <p:nvPicPr>
-          <p:cNvPr id="5" name="内容占位符 4">
-            <a:extLst>
-              <a:ext uri="{FF2B5EF4-FFF2-40B4-BE49-F238E27FC236}">
-                <a16:creationId xmlns:a16="http://schemas.microsoft.com/office/drawing/2014/main" id="{6D4C4155-B2E1-08FF-936E-76174E0FF8B0}"/>
-              </a:ext>
-            </a:extLst>
-          </p:cNvPr>
-          <p:cNvPicPr>
-            <a:picLocks noGrp="1" noChangeAspect="1"/>
-          </p:cNvPicPr>
+              <a:t>流程设计</a:t>
+            </a:r>
+          </a:p>
+        </p:txBody>
+      </p:sp>
+      <p:sp>
+        <p:nvSpPr>
+          <p:cNvPr id="3" name="内容占位符 2"/>
+          <p:cNvSpPr>
+            <a:spLocks noGrp="1"/>
+          </p:cNvSpPr>
           <p:nvPr>
             <p:ph idx="1"/>
           </p:nvPr>
-        </p:nvPicPr>
-        <p:blipFill>
-          <a:blip r:embed="rId2"/>
-          <a:stretch>
-            <a:fillRect/>
-          </a:stretch>
-        </p:blipFill>
-        <p:spPr>
-          <a:xfrm>
-            <a:off x="5272087" y="1980406"/>
-            <a:ext cx="1638300" cy="3562350"/>
-          </a:xfrm>
-        </p:spPr>
-      </p:pic>
+        </p:nvSpPr>
+        <p:spPr/>
+        <p:txBody>
+          <a:bodyPr/>
+          <a:lstStyle/>
+          <a:p>
+            <a:r>
+              <a:rPr lang="zh-CN" altLang="en-US" dirty="0"/>
+              <a:t>引擎组件设计</a:t>
+            </a:r>
+            <a:endParaRPr lang="en-US" altLang="zh-CN" dirty="0"/>
+          </a:p>
+          <a:p>
+            <a:r>
+              <a:rPr lang="zh-CN" altLang="en-US" dirty="0"/>
+              <a:t>项目抽象组件设计</a:t>
+            </a:r>
+            <a:endParaRPr lang="en-US" altLang="zh-CN" dirty="0"/>
+          </a:p>
+          <a:p>
+            <a:r>
+              <a:rPr lang="zh-CN" altLang="en-US" dirty="0"/>
+              <a:t>事实分析组件设计</a:t>
+            </a:r>
+            <a:endParaRPr lang="en-US" altLang="zh-CN" dirty="0"/>
+          </a:p>
+          <a:p>
+            <a:r>
+              <a:rPr lang="zh-CN" altLang="en-US" dirty="0"/>
+              <a:t>报告生成组件设计</a:t>
+            </a:r>
+            <a:endParaRPr lang="en-US" altLang="zh-CN" dirty="0"/>
+          </a:p>
+          <a:p>
+            <a:endParaRPr lang="zh-CN" altLang="en-US" dirty="0"/>
+          </a:p>
+        </p:txBody>
+      </p:sp>
     </p:spTree>
-    <p:extLst>
-      <p:ext uri="{BB962C8B-B14F-4D97-AF65-F5344CB8AC3E}">
-        <p14:creationId xmlns:p14="http://schemas.microsoft.com/office/powerpoint/2010/main" val="162844392"/>
-      </p:ext>
-    </p:extLst>
   </p:cSld>
   <p:clrMapOvr>
     <a:masterClrMapping/>
   </p:clrMapOvr>
 </p:sld>
+</file>
+
+<file path=ppt/tags/tag1.xml><?xml version="1.0" encoding="utf-8"?>
+<p:tagLst xmlns:a="http://schemas.openxmlformats.org/drawingml/2006/main" xmlns:r="http://schemas.openxmlformats.org/officeDocument/2006/relationships" xmlns:p="http://schemas.openxmlformats.org/presentationml/2006/main">
+  <p:tag name="KSO_WPP_MARK_KEY" val="70134e22-9d3a-432f-a573-b43c9a579e3d"/>
+  <p:tag name="COMMONDATA" val="eyJoZGlkIjoiNGUxYTllZTgyOTE4YjE5MGMyNjY2N2JkOTM5Y2Q5ZjYifQ=="/>
+</p:tagLst>
 </file>
 
 <file path=ppt/theme/theme1.xml><?xml version="1.0" encoding="utf-8"?>
@@ -14622,7 +14018,7 @@
     </a:clrScheme>
     <a:fontScheme name="Slate">
       <a:majorFont>
-        <a:latin typeface="Calisto MT" panose="02040603050505030304"/>
+        <a:latin typeface="Calisto MT"/>
         <a:ea typeface=""/>
         <a:cs typeface=""/>
         <a:font script="Jpan" typeface="ＭＳ Ｐゴシック"/>
@@ -14657,7 +14053,7 @@
         <a:font script="Geor" typeface="Sylfaen"/>
       </a:majorFont>
       <a:minorFont>
-        <a:latin typeface="Calisto MT" panose="02040603050505030304"/>
+        <a:latin typeface="Calisto MT"/>
         <a:ea typeface=""/>
         <a:cs typeface=""/>
         <a:font script="Jpan" typeface="ＭＳ Ｐゴシック"/>
@@ -14806,7 +14202,9 @@
               </a:schemeClr>
             </a:duotone>
           </a:blip>
-          <a:stretch/>
+          <a:stretch>
+            <a:fillRect/>
+          </a:stretch>
         </a:blipFill>
       </a:bgFillStyleLst>
     </a:fmtScheme>
@@ -14815,7 +14213,7 @@
   <a:extraClrSchemeLst/>
   <a:extLst>
     <a:ext uri="{05A4C25C-085E-4340-85A3-A5531E510DB2}">
-      <thm15:themeFamily xmlns:thm15="http://schemas.microsoft.com/office/thememl/2012/main" name="Slate" id="{C3F70B94-7CE9-428E-ADC1-3269CC2C3385}" vid="{3F2DE9A5-64E6-437C-A389-CC4477E817E8}"/>
+      <thm15:themeFamily xmlns:thm15="http://schemas.microsoft.com/office/thememl/2012/main" name="Office Theme" id="{62F939B6-93AF-4DB8-9C6B-D6C7DFDC589F}" vid="{4A3C46E8-61CC-4603-A589-7422A47A8E4A}"/>
     </a:ext>
   </a:extLst>
 </a:theme>
@@ -14864,7 +14262,7 @@
     </a:clrScheme>
     <a:fontScheme name="Office">
       <a:majorFont>
-        <a:latin typeface="等线 Light" panose="020F0302020204030204"/>
+        <a:latin typeface="等线 Light"/>
         <a:ea typeface=""/>
         <a:cs typeface=""/>
         <a:font script="Jpan" typeface="游ゴシック Light"/>
@@ -14897,26 +14295,9 @@
         <a:font script="Viet" typeface="Times New Roman"/>
         <a:font script="Uigh" typeface="Microsoft Uighur"/>
         <a:font script="Geor" typeface="Sylfaen"/>
-        <a:font script="Armn" typeface="Arial"/>
-        <a:font script="Bugi" typeface="Leelawadee UI"/>
-        <a:font script="Bopo" typeface="Microsoft JhengHei"/>
-        <a:font script="Java" typeface="Javanese Text"/>
-        <a:font script="Lisu" typeface="Segoe UI"/>
-        <a:font script="Mymr" typeface="Myanmar Text"/>
-        <a:font script="Nkoo" typeface="Ebrima"/>
-        <a:font script="Olck" typeface="Nirmala UI"/>
-        <a:font script="Osma" typeface="Ebrima"/>
-        <a:font script="Phag" typeface="Phagspa"/>
-        <a:font script="Syrn" typeface="Estrangelo Edessa"/>
-        <a:font script="Syrj" typeface="Estrangelo Edessa"/>
-        <a:font script="Syre" typeface="Estrangelo Edessa"/>
-        <a:font script="Sora" typeface="Nirmala UI"/>
-        <a:font script="Tale" typeface="Microsoft Tai Le"/>
-        <a:font script="Talu" typeface="Microsoft New Tai Lue"/>
-        <a:font script="Tfng" typeface="Ebrima"/>
       </a:majorFont>
       <a:minorFont>
-        <a:latin typeface="等线" panose="020F0502020204030204"/>
+        <a:latin typeface="等线"/>
         <a:ea typeface=""/>
         <a:cs typeface=""/>
         <a:font script="Jpan" typeface="游ゴシック"/>
@@ -14949,23 +14330,6 @@
         <a:font script="Viet" typeface="Arial"/>
         <a:font script="Uigh" typeface="Microsoft Uighur"/>
         <a:font script="Geor" typeface="Sylfaen"/>
-        <a:font script="Armn" typeface="Arial"/>
-        <a:font script="Bugi" typeface="Leelawadee UI"/>
-        <a:font script="Bopo" typeface="Microsoft JhengHei"/>
-        <a:font script="Java" typeface="Javanese Text"/>
-        <a:font script="Lisu" typeface="Segoe UI"/>
-        <a:font script="Mymr" typeface="Myanmar Text"/>
-        <a:font script="Nkoo" typeface="Ebrima"/>
-        <a:font script="Olck" typeface="Nirmala UI"/>
-        <a:font script="Osma" typeface="Ebrima"/>
-        <a:font script="Phag" typeface="Phagspa"/>
-        <a:font script="Syrn" typeface="Estrangelo Edessa"/>
-        <a:font script="Syrj" typeface="Estrangelo Edessa"/>
-        <a:font script="Syre" typeface="Estrangelo Edessa"/>
-        <a:font script="Sora" typeface="Nirmala UI"/>
-        <a:font script="Tale" typeface="Microsoft Tai Le"/>
-        <a:font script="Talu" typeface="Microsoft New Tai Lue"/>
-        <a:font script="Tfng" typeface="Ebrima"/>
       </a:minorFont>
     </a:fontScheme>
     <a:fmtScheme name="Office">
